--- a/Capstone Project Phase-B-23-2-R-5.pptx
+++ b/Capstone Project Phase-B-23-2-R-5.pptx
@@ -5,7 +5,7 @@
     <p:sldMasterId id="2147483671" r:id="rId1"/>
   </p:sldMasterIdLst>
   <p:notesMasterIdLst>
-    <p:notesMasterId r:id="rId30"/>
+    <p:notesMasterId r:id="rId32"/>
   </p:notesMasterIdLst>
   <p:sldIdLst>
     <p:sldId id="256" r:id="rId2"/>
@@ -20,47 +20,49 @@
     <p:sldId id="283" r:id="rId11"/>
     <p:sldId id="284" r:id="rId12"/>
     <p:sldId id="285" r:id="rId13"/>
-    <p:sldId id="286" r:id="rId14"/>
-    <p:sldId id="287" r:id="rId15"/>
-    <p:sldId id="288" r:id="rId16"/>
-    <p:sldId id="289" r:id="rId17"/>
-    <p:sldId id="290" r:id="rId18"/>
-    <p:sldId id="291" r:id="rId19"/>
-    <p:sldId id="292" r:id="rId20"/>
-    <p:sldId id="293" r:id="rId21"/>
-    <p:sldId id="294" r:id="rId22"/>
-    <p:sldId id="295" r:id="rId23"/>
-    <p:sldId id="296" r:id="rId24"/>
-    <p:sldId id="297" r:id="rId25"/>
-    <p:sldId id="298" r:id="rId26"/>
-    <p:sldId id="299" r:id="rId27"/>
-    <p:sldId id="300" r:id="rId28"/>
-    <p:sldId id="275" r:id="rId29"/>
+    <p:sldId id="302" r:id="rId14"/>
+    <p:sldId id="286" r:id="rId15"/>
+    <p:sldId id="287" r:id="rId16"/>
+    <p:sldId id="288" r:id="rId17"/>
+    <p:sldId id="289" r:id="rId18"/>
+    <p:sldId id="290" r:id="rId19"/>
+    <p:sldId id="291" r:id="rId20"/>
+    <p:sldId id="292" r:id="rId21"/>
+    <p:sldId id="293" r:id="rId22"/>
+    <p:sldId id="294" r:id="rId23"/>
+    <p:sldId id="295" r:id="rId24"/>
+    <p:sldId id="296" r:id="rId25"/>
+    <p:sldId id="297" r:id="rId26"/>
+    <p:sldId id="298" r:id="rId27"/>
+    <p:sldId id="299" r:id="rId28"/>
+    <p:sldId id="300" r:id="rId29"/>
+    <p:sldId id="301" r:id="rId30"/>
+    <p:sldId id="275" r:id="rId31"/>
   </p:sldIdLst>
   <p:sldSz cx="9144000" cy="5143500" type="screen16x9"/>
   <p:notesSz cx="6858000" cy="9144000"/>
   <p:embeddedFontLst>
     <p:embeddedFont>
       <p:font typeface="Cambria Math" panose="02040503050406030204" pitchFamily="18" charset="0"/>
-      <p:regular r:id="rId31"/>
+      <p:regular r:id="rId33"/>
     </p:embeddedFont>
     <p:embeddedFont>
       <p:font typeface="Consolas" panose="020B0609020204030204" pitchFamily="49" charset="0"/>
-      <p:regular r:id="rId32"/>
-      <p:bold r:id="rId33"/>
-      <p:italic r:id="rId34"/>
-      <p:boldItalic r:id="rId35"/>
+      <p:regular r:id="rId34"/>
+      <p:bold r:id="rId35"/>
+      <p:italic r:id="rId36"/>
+      <p:boldItalic r:id="rId37"/>
     </p:embeddedFont>
     <p:embeddedFont>
       <p:font typeface="Lato" panose="020F0502020204030203" pitchFamily="34" charset="0"/>
-      <p:regular r:id="rId36"/>
-      <p:bold r:id="rId37"/>
-      <p:italic r:id="rId38"/>
-      <p:boldItalic r:id="rId39"/>
+      <p:regular r:id="rId38"/>
+      <p:bold r:id="rId39"/>
+      <p:italic r:id="rId40"/>
+      <p:boldItalic r:id="rId41"/>
     </p:embeddedFont>
     <p:embeddedFont>
       <p:font typeface="Varela Round" panose="00000500000000000000" pitchFamily="2" charset="-79"/>
-      <p:regular r:id="rId40"/>
+      <p:regular r:id="rId42"/>
     </p:embeddedFont>
   </p:embeddedFontLst>
   <p:defaultTextStyle>
@@ -6443,6 +6445,115 @@
   <p:cSld>
     <p:spTree>
       <p:nvGrpSpPr>
+        <p:cNvPr id="1" name="Shape 337"/>
+        <p:cNvGrpSpPr/>
+        <p:nvPr/>
+      </p:nvGrpSpPr>
+      <p:grpSpPr>
+        <a:xfrm>
+          <a:off x="0" y="0"/>
+          <a:ext cx="0" cy="0"/>
+          <a:chOff x="0" y="0"/>
+          <a:chExt cx="0" cy="0"/>
+        </a:xfrm>
+      </p:grpSpPr>
+      <p:sp>
+        <p:nvSpPr>
+          <p:cNvPr id="338" name="Google Shape;338;g2b8b4d07471_0_27462:notes"/>
+          <p:cNvSpPr>
+            <a:spLocks noGrp="1" noRot="1" noChangeAspect="1"/>
+          </p:cNvSpPr>
+          <p:nvPr>
+            <p:ph type="sldImg" idx="2"/>
+          </p:nvPr>
+        </p:nvSpPr>
+        <p:spPr>
+          <a:xfrm>
+            <a:off x="381000" y="685800"/>
+            <a:ext cx="6096000" cy="3429000"/>
+          </a:xfrm>
+          <a:custGeom>
+            <a:avLst/>
+            <a:gdLst/>
+            <a:ahLst/>
+            <a:cxnLst/>
+            <a:rect l="l" t="t" r="r" b="b"/>
+            <a:pathLst>
+              <a:path w="120000" h="120000" extrusionOk="0">
+                <a:moveTo>
+                  <a:pt x="0" y="0"/>
+                </a:moveTo>
+                <a:lnTo>
+                  <a:pt x="120000" y="0"/>
+                </a:lnTo>
+                <a:lnTo>
+                  <a:pt x="120000" y="120000"/>
+                </a:lnTo>
+                <a:lnTo>
+                  <a:pt x="0" y="120000"/>
+                </a:lnTo>
+                <a:close/>
+              </a:path>
+            </a:pathLst>
+          </a:custGeom>
+        </p:spPr>
+      </p:sp>
+      <p:sp>
+        <p:nvSpPr>
+          <p:cNvPr id="339" name="Google Shape;339;g2b8b4d07471_0_27462:notes"/>
+          <p:cNvSpPr txBox="1">
+            <a:spLocks noGrp="1"/>
+          </p:cNvSpPr>
+          <p:nvPr>
+            <p:ph type="body" idx="1"/>
+          </p:nvPr>
+        </p:nvSpPr>
+        <p:spPr>
+          <a:xfrm>
+            <a:off x="685800" y="4343400"/>
+            <a:ext cx="5486400" cy="4114800"/>
+          </a:xfrm>
+          <a:prstGeom prst="rect">
+            <a:avLst/>
+          </a:prstGeom>
+        </p:spPr>
+        <p:txBody>
+          <a:bodyPr spcFirstLastPara="1" wrap="square" lIns="91425" tIns="91425" rIns="91425" bIns="91425" anchor="t" anchorCtr="0">
+            <a:noAutofit/>
+          </a:bodyPr>
+          <a:lstStyle/>
+          <a:p>
+            <a:pPr marL="0" lvl="0" indent="0" algn="l" rtl="0">
+              <a:spcBef>
+                <a:spcPts val="0"/>
+              </a:spcBef>
+              <a:spcAft>
+                <a:spcPts val="0"/>
+              </a:spcAft>
+              <a:buNone/>
+            </a:pPr>
+            <a:endParaRPr dirty="0"/>
+          </a:p>
+        </p:txBody>
+      </p:sp>
+    </p:spTree>
+    <p:extLst>
+      <p:ext uri="{BB962C8B-B14F-4D97-AF65-F5344CB8AC3E}">
+        <p14:creationId xmlns:p14="http://schemas.microsoft.com/office/powerpoint/2010/main" val="800544333"/>
+      </p:ext>
+    </p:extLst>
+  </p:cSld>
+  <p:clrMapOvr>
+    <a:masterClrMapping/>
+  </p:clrMapOvr>
+</p:notes>
+</file>
+
+<file path=ppt/notesSlides/notesSlide14.xml><?xml version="1.0" encoding="utf-8"?>
+<p:notes xmlns:a="http://schemas.openxmlformats.org/drawingml/2006/main" xmlns:r="http://schemas.openxmlformats.org/officeDocument/2006/relationships" xmlns:p="http://schemas.openxmlformats.org/presentationml/2006/main" showMasterSp="0" showMasterPhAnim="0">
+  <p:cSld>
+    <p:spTree>
+      <p:nvGrpSpPr>
         <p:cNvPr id="1" name="Shape 330"/>
         <p:cNvGrpSpPr/>
         <p:nvPr/>
@@ -6530,7 +6641,7 @@
               </a:spcAft>
               <a:buNone/>
             </a:pPr>
-            <a:endParaRPr/>
+            <a:endParaRPr dirty="0"/>
           </a:p>
         </p:txBody>
       </p:sp>
@@ -6538,115 +6649,6 @@
     <p:extLst>
       <p:ext uri="{BB962C8B-B14F-4D97-AF65-F5344CB8AC3E}">
         <p14:creationId xmlns:p14="http://schemas.microsoft.com/office/powerpoint/2010/main" val="4293850915"/>
-      </p:ext>
-    </p:extLst>
-  </p:cSld>
-  <p:clrMapOvr>
-    <a:masterClrMapping/>
-  </p:clrMapOvr>
-</p:notes>
-</file>
-
-<file path=ppt/notesSlides/notesSlide14.xml><?xml version="1.0" encoding="utf-8"?>
-<p:notes xmlns:a="http://schemas.openxmlformats.org/drawingml/2006/main" xmlns:r="http://schemas.openxmlformats.org/officeDocument/2006/relationships" xmlns:p="http://schemas.openxmlformats.org/presentationml/2006/main" showMasterSp="0" showMasterPhAnim="0">
-  <p:cSld>
-    <p:spTree>
-      <p:nvGrpSpPr>
-        <p:cNvPr id="1" name="Shape 337"/>
-        <p:cNvGrpSpPr/>
-        <p:nvPr/>
-      </p:nvGrpSpPr>
-      <p:grpSpPr>
-        <a:xfrm>
-          <a:off x="0" y="0"/>
-          <a:ext cx="0" cy="0"/>
-          <a:chOff x="0" y="0"/>
-          <a:chExt cx="0" cy="0"/>
-        </a:xfrm>
-      </p:grpSpPr>
-      <p:sp>
-        <p:nvSpPr>
-          <p:cNvPr id="338" name="Google Shape;338;g2b8b4d07471_0_27462:notes"/>
-          <p:cNvSpPr>
-            <a:spLocks noGrp="1" noRot="1" noChangeAspect="1"/>
-          </p:cNvSpPr>
-          <p:nvPr>
-            <p:ph type="sldImg" idx="2"/>
-          </p:nvPr>
-        </p:nvSpPr>
-        <p:spPr>
-          <a:xfrm>
-            <a:off x="381000" y="685800"/>
-            <a:ext cx="6096000" cy="3429000"/>
-          </a:xfrm>
-          <a:custGeom>
-            <a:avLst/>
-            <a:gdLst/>
-            <a:ahLst/>
-            <a:cxnLst/>
-            <a:rect l="l" t="t" r="r" b="b"/>
-            <a:pathLst>
-              <a:path w="120000" h="120000" extrusionOk="0">
-                <a:moveTo>
-                  <a:pt x="0" y="0"/>
-                </a:moveTo>
-                <a:lnTo>
-                  <a:pt x="120000" y="0"/>
-                </a:lnTo>
-                <a:lnTo>
-                  <a:pt x="120000" y="120000"/>
-                </a:lnTo>
-                <a:lnTo>
-                  <a:pt x="0" y="120000"/>
-                </a:lnTo>
-                <a:close/>
-              </a:path>
-            </a:pathLst>
-          </a:custGeom>
-        </p:spPr>
-      </p:sp>
-      <p:sp>
-        <p:nvSpPr>
-          <p:cNvPr id="339" name="Google Shape;339;g2b8b4d07471_0_27462:notes"/>
-          <p:cNvSpPr txBox="1">
-            <a:spLocks noGrp="1"/>
-          </p:cNvSpPr>
-          <p:nvPr>
-            <p:ph type="body" idx="1"/>
-          </p:nvPr>
-        </p:nvSpPr>
-        <p:spPr>
-          <a:xfrm>
-            <a:off x="685800" y="4343400"/>
-            <a:ext cx="5486400" cy="4114800"/>
-          </a:xfrm>
-          <a:prstGeom prst="rect">
-            <a:avLst/>
-          </a:prstGeom>
-        </p:spPr>
-        <p:txBody>
-          <a:bodyPr spcFirstLastPara="1" wrap="square" lIns="91425" tIns="91425" rIns="91425" bIns="91425" anchor="t" anchorCtr="0">
-            <a:noAutofit/>
-          </a:bodyPr>
-          <a:lstStyle/>
-          <a:p>
-            <a:pPr marL="0" lvl="0" indent="0" algn="l" rtl="0">
-              <a:spcBef>
-                <a:spcPts val="0"/>
-              </a:spcBef>
-              <a:spcAft>
-                <a:spcPts val="0"/>
-              </a:spcAft>
-              <a:buNone/>
-            </a:pPr>
-            <a:endParaRPr/>
-          </a:p>
-        </p:txBody>
-      </p:sp>
-    </p:spTree>
-    <p:extLst>
-      <p:ext uri="{BB962C8B-B14F-4D97-AF65-F5344CB8AC3E}">
-        <p14:creationId xmlns:p14="http://schemas.microsoft.com/office/powerpoint/2010/main" val="1541783779"/>
       </p:ext>
     </p:extLst>
   </p:cSld>
@@ -6755,7 +6757,7 @@
     </p:spTree>
     <p:extLst>
       <p:ext uri="{BB962C8B-B14F-4D97-AF65-F5344CB8AC3E}">
-        <p14:creationId xmlns:p14="http://schemas.microsoft.com/office/powerpoint/2010/main" val="4091717028"/>
+        <p14:creationId xmlns:p14="http://schemas.microsoft.com/office/powerpoint/2010/main" val="1541783779"/>
       </p:ext>
     </p:extLst>
   </p:cSld>
@@ -6864,7 +6866,7 @@
     </p:spTree>
     <p:extLst>
       <p:ext uri="{BB962C8B-B14F-4D97-AF65-F5344CB8AC3E}">
-        <p14:creationId xmlns:p14="http://schemas.microsoft.com/office/powerpoint/2010/main" val="696472586"/>
+        <p14:creationId xmlns:p14="http://schemas.microsoft.com/office/powerpoint/2010/main" val="4091717028"/>
       </p:ext>
     </p:extLst>
   </p:cSld>
@@ -6973,7 +6975,7 @@
     </p:spTree>
     <p:extLst>
       <p:ext uri="{BB962C8B-B14F-4D97-AF65-F5344CB8AC3E}">
-        <p14:creationId xmlns:p14="http://schemas.microsoft.com/office/powerpoint/2010/main" val="4207111562"/>
+        <p14:creationId xmlns:p14="http://schemas.microsoft.com/office/powerpoint/2010/main" val="696472586"/>
       </p:ext>
     </p:extLst>
   </p:cSld>
@@ -7082,7 +7084,7 @@
     </p:spTree>
     <p:extLst>
       <p:ext uri="{BB962C8B-B14F-4D97-AF65-F5344CB8AC3E}">
-        <p14:creationId xmlns:p14="http://schemas.microsoft.com/office/powerpoint/2010/main" val="580575511"/>
+        <p14:creationId xmlns:p14="http://schemas.microsoft.com/office/powerpoint/2010/main" val="4207111562"/>
       </p:ext>
     </p:extLst>
   </p:cSld>
@@ -7191,7 +7193,7 @@
     </p:spTree>
     <p:extLst>
       <p:ext uri="{BB962C8B-B14F-4D97-AF65-F5344CB8AC3E}">
-        <p14:creationId xmlns:p14="http://schemas.microsoft.com/office/powerpoint/2010/main" val="3649286462"/>
+        <p14:creationId xmlns:p14="http://schemas.microsoft.com/office/powerpoint/2010/main" val="580575511"/>
       </p:ext>
     </p:extLst>
   </p:cSld>
@@ -7404,7 +7406,7 @@
     </p:spTree>
     <p:extLst>
       <p:ext uri="{BB962C8B-B14F-4D97-AF65-F5344CB8AC3E}">
-        <p14:creationId xmlns:p14="http://schemas.microsoft.com/office/powerpoint/2010/main" val="1616609291"/>
+        <p14:creationId xmlns:p14="http://schemas.microsoft.com/office/powerpoint/2010/main" val="3649286462"/>
       </p:ext>
     </p:extLst>
   </p:cSld>
@@ -7513,6 +7515,115 @@
     </p:spTree>
     <p:extLst>
       <p:ext uri="{BB962C8B-B14F-4D97-AF65-F5344CB8AC3E}">
+        <p14:creationId xmlns:p14="http://schemas.microsoft.com/office/powerpoint/2010/main" val="1616609291"/>
+      </p:ext>
+    </p:extLst>
+  </p:cSld>
+  <p:clrMapOvr>
+    <a:masterClrMapping/>
+  </p:clrMapOvr>
+</p:notes>
+</file>
+
+<file path=ppt/notesSlides/notesSlide22.xml><?xml version="1.0" encoding="utf-8"?>
+<p:notes xmlns:a="http://schemas.openxmlformats.org/drawingml/2006/main" xmlns:r="http://schemas.openxmlformats.org/officeDocument/2006/relationships" xmlns:p="http://schemas.openxmlformats.org/presentationml/2006/main" showMasterSp="0" showMasterPhAnim="0">
+  <p:cSld>
+    <p:spTree>
+      <p:nvGrpSpPr>
+        <p:cNvPr id="1" name="Shape 337"/>
+        <p:cNvGrpSpPr/>
+        <p:nvPr/>
+      </p:nvGrpSpPr>
+      <p:grpSpPr>
+        <a:xfrm>
+          <a:off x="0" y="0"/>
+          <a:ext cx="0" cy="0"/>
+          <a:chOff x="0" y="0"/>
+          <a:chExt cx="0" cy="0"/>
+        </a:xfrm>
+      </p:grpSpPr>
+      <p:sp>
+        <p:nvSpPr>
+          <p:cNvPr id="338" name="Google Shape;338;g2b8b4d07471_0_27462:notes"/>
+          <p:cNvSpPr>
+            <a:spLocks noGrp="1" noRot="1" noChangeAspect="1"/>
+          </p:cNvSpPr>
+          <p:nvPr>
+            <p:ph type="sldImg" idx="2"/>
+          </p:nvPr>
+        </p:nvSpPr>
+        <p:spPr>
+          <a:xfrm>
+            <a:off x="381000" y="685800"/>
+            <a:ext cx="6096000" cy="3429000"/>
+          </a:xfrm>
+          <a:custGeom>
+            <a:avLst/>
+            <a:gdLst/>
+            <a:ahLst/>
+            <a:cxnLst/>
+            <a:rect l="l" t="t" r="r" b="b"/>
+            <a:pathLst>
+              <a:path w="120000" h="120000" extrusionOk="0">
+                <a:moveTo>
+                  <a:pt x="0" y="0"/>
+                </a:moveTo>
+                <a:lnTo>
+                  <a:pt x="120000" y="0"/>
+                </a:lnTo>
+                <a:lnTo>
+                  <a:pt x="120000" y="120000"/>
+                </a:lnTo>
+                <a:lnTo>
+                  <a:pt x="0" y="120000"/>
+                </a:lnTo>
+                <a:close/>
+              </a:path>
+            </a:pathLst>
+          </a:custGeom>
+        </p:spPr>
+      </p:sp>
+      <p:sp>
+        <p:nvSpPr>
+          <p:cNvPr id="339" name="Google Shape;339;g2b8b4d07471_0_27462:notes"/>
+          <p:cNvSpPr txBox="1">
+            <a:spLocks noGrp="1"/>
+          </p:cNvSpPr>
+          <p:nvPr>
+            <p:ph type="body" idx="1"/>
+          </p:nvPr>
+        </p:nvSpPr>
+        <p:spPr>
+          <a:xfrm>
+            <a:off x="685800" y="4343400"/>
+            <a:ext cx="5486400" cy="4114800"/>
+          </a:xfrm>
+          <a:prstGeom prst="rect">
+            <a:avLst/>
+          </a:prstGeom>
+        </p:spPr>
+        <p:txBody>
+          <a:bodyPr spcFirstLastPara="1" wrap="square" lIns="91425" tIns="91425" rIns="91425" bIns="91425" anchor="t" anchorCtr="0">
+            <a:noAutofit/>
+          </a:bodyPr>
+          <a:lstStyle/>
+          <a:p>
+            <a:pPr marL="0" lvl="0" indent="0" algn="l" rtl="0">
+              <a:spcBef>
+                <a:spcPts val="0"/>
+              </a:spcBef>
+              <a:spcAft>
+                <a:spcPts val="0"/>
+              </a:spcAft>
+              <a:buNone/>
+            </a:pPr>
+            <a:endParaRPr/>
+          </a:p>
+        </p:txBody>
+      </p:sp>
+    </p:spTree>
+    <p:extLst>
+      <p:ext uri="{BB962C8B-B14F-4D97-AF65-F5344CB8AC3E}">
         <p14:creationId xmlns:p14="http://schemas.microsoft.com/office/powerpoint/2010/main" val="1860292806"/>
       </p:ext>
     </p:extLst>
@@ -7523,7 +7634,7 @@
 </p:notes>
 </file>
 
-<file path=ppt/notesSlides/notesSlide22.xml><?xml version="1.0" encoding="utf-8"?>
+<file path=ppt/notesSlides/notesSlide23.xml><?xml version="1.0" encoding="utf-8"?>
 <p:notes xmlns:a="http://schemas.openxmlformats.org/drawingml/2006/main" xmlns:r="http://schemas.openxmlformats.org/officeDocument/2006/relationships" xmlns:p="http://schemas.openxmlformats.org/presentationml/2006/main" showMasterSp="0" showMasterPhAnim="0">
   <p:cSld>
     <p:spTree>
@@ -7623,115 +7734,6 @@
     <p:extLst>
       <p:ext uri="{BB962C8B-B14F-4D97-AF65-F5344CB8AC3E}">
         <p14:creationId xmlns:p14="http://schemas.microsoft.com/office/powerpoint/2010/main" val="4086705968"/>
-      </p:ext>
-    </p:extLst>
-  </p:cSld>
-  <p:clrMapOvr>
-    <a:masterClrMapping/>
-  </p:clrMapOvr>
-</p:notes>
-</file>
-
-<file path=ppt/notesSlides/notesSlide23.xml><?xml version="1.0" encoding="utf-8"?>
-<p:notes xmlns:a="http://schemas.openxmlformats.org/drawingml/2006/main" xmlns:r="http://schemas.openxmlformats.org/officeDocument/2006/relationships" xmlns:p="http://schemas.openxmlformats.org/presentationml/2006/main" showMasterSp="0" showMasterPhAnim="0">
-  <p:cSld>
-    <p:spTree>
-      <p:nvGrpSpPr>
-        <p:cNvPr id="1" name="Shape 337"/>
-        <p:cNvGrpSpPr/>
-        <p:nvPr/>
-      </p:nvGrpSpPr>
-      <p:grpSpPr>
-        <a:xfrm>
-          <a:off x="0" y="0"/>
-          <a:ext cx="0" cy="0"/>
-          <a:chOff x="0" y="0"/>
-          <a:chExt cx="0" cy="0"/>
-        </a:xfrm>
-      </p:grpSpPr>
-      <p:sp>
-        <p:nvSpPr>
-          <p:cNvPr id="338" name="Google Shape;338;g2b8b4d07471_0_27462:notes"/>
-          <p:cNvSpPr>
-            <a:spLocks noGrp="1" noRot="1" noChangeAspect="1"/>
-          </p:cNvSpPr>
-          <p:nvPr>
-            <p:ph type="sldImg" idx="2"/>
-          </p:nvPr>
-        </p:nvSpPr>
-        <p:spPr>
-          <a:xfrm>
-            <a:off x="381000" y="685800"/>
-            <a:ext cx="6096000" cy="3429000"/>
-          </a:xfrm>
-          <a:custGeom>
-            <a:avLst/>
-            <a:gdLst/>
-            <a:ahLst/>
-            <a:cxnLst/>
-            <a:rect l="l" t="t" r="r" b="b"/>
-            <a:pathLst>
-              <a:path w="120000" h="120000" extrusionOk="0">
-                <a:moveTo>
-                  <a:pt x="0" y="0"/>
-                </a:moveTo>
-                <a:lnTo>
-                  <a:pt x="120000" y="0"/>
-                </a:lnTo>
-                <a:lnTo>
-                  <a:pt x="120000" y="120000"/>
-                </a:lnTo>
-                <a:lnTo>
-                  <a:pt x="0" y="120000"/>
-                </a:lnTo>
-                <a:close/>
-              </a:path>
-            </a:pathLst>
-          </a:custGeom>
-        </p:spPr>
-      </p:sp>
-      <p:sp>
-        <p:nvSpPr>
-          <p:cNvPr id="339" name="Google Shape;339;g2b8b4d07471_0_27462:notes"/>
-          <p:cNvSpPr txBox="1">
-            <a:spLocks noGrp="1"/>
-          </p:cNvSpPr>
-          <p:nvPr>
-            <p:ph type="body" idx="1"/>
-          </p:nvPr>
-        </p:nvSpPr>
-        <p:spPr>
-          <a:xfrm>
-            <a:off x="685800" y="4343400"/>
-            <a:ext cx="5486400" cy="4114800"/>
-          </a:xfrm>
-          <a:prstGeom prst="rect">
-            <a:avLst/>
-          </a:prstGeom>
-        </p:spPr>
-        <p:txBody>
-          <a:bodyPr spcFirstLastPara="1" wrap="square" lIns="91425" tIns="91425" rIns="91425" bIns="91425" anchor="t" anchorCtr="0">
-            <a:noAutofit/>
-          </a:bodyPr>
-          <a:lstStyle/>
-          <a:p>
-            <a:pPr marL="0" lvl="0" indent="0" algn="l" rtl="0">
-              <a:spcBef>
-                <a:spcPts val="0"/>
-              </a:spcBef>
-              <a:spcAft>
-                <a:spcPts val="0"/>
-              </a:spcAft>
-              <a:buNone/>
-            </a:pPr>
-            <a:endParaRPr/>
-          </a:p>
-        </p:txBody>
-      </p:sp>
-    </p:spTree>
-    <p:extLst>
-      <p:ext uri="{BB962C8B-B14F-4D97-AF65-F5344CB8AC3E}">
-        <p14:creationId xmlns:p14="http://schemas.microsoft.com/office/powerpoint/2010/main" val="2803257297"/>
       </p:ext>
     </p:extLst>
   </p:cSld>
@@ -7840,7 +7842,7 @@
     </p:spTree>
     <p:extLst>
       <p:ext uri="{BB962C8B-B14F-4D97-AF65-F5344CB8AC3E}">
-        <p14:creationId xmlns:p14="http://schemas.microsoft.com/office/powerpoint/2010/main" val="675138750"/>
+        <p14:creationId xmlns:p14="http://schemas.microsoft.com/office/powerpoint/2010/main" val="2803257297"/>
       </p:ext>
     </p:extLst>
   </p:cSld>
@@ -7949,7 +7951,7 @@
     </p:spTree>
     <p:extLst>
       <p:ext uri="{BB962C8B-B14F-4D97-AF65-F5344CB8AC3E}">
-        <p14:creationId xmlns:p14="http://schemas.microsoft.com/office/powerpoint/2010/main" val="818426370"/>
+        <p14:creationId xmlns:p14="http://schemas.microsoft.com/office/powerpoint/2010/main" val="675138750"/>
       </p:ext>
     </p:extLst>
   </p:cSld>
@@ -8058,7 +8060,7 @@
     </p:spTree>
     <p:extLst>
       <p:ext uri="{BB962C8B-B14F-4D97-AF65-F5344CB8AC3E}">
-        <p14:creationId xmlns:p14="http://schemas.microsoft.com/office/powerpoint/2010/main" val="1552447527"/>
+        <p14:creationId xmlns:p14="http://schemas.microsoft.com/office/powerpoint/2010/main" val="818426370"/>
       </p:ext>
     </p:extLst>
   </p:cSld>
@@ -8167,7 +8169,7 @@
     </p:spTree>
     <p:extLst>
       <p:ext uri="{BB962C8B-B14F-4D97-AF65-F5344CB8AC3E}">
-        <p14:creationId xmlns:p14="http://schemas.microsoft.com/office/powerpoint/2010/main" val="155416899"/>
+        <p14:creationId xmlns:p14="http://schemas.microsoft.com/office/powerpoint/2010/main" val="1552447527"/>
       </p:ext>
     </p:extLst>
   </p:cSld>
@@ -8182,7 +8184,7 @@
   <p:cSld>
     <p:spTree>
       <p:nvGrpSpPr>
-        <p:cNvPr id="1" name="Shape 780"/>
+        <p:cNvPr id="1" name="Shape 337"/>
         <p:cNvGrpSpPr/>
         <p:nvPr/>
       </p:nvGrpSpPr>
@@ -8196,7 +8198,7 @@
       </p:grpSpPr>
       <p:sp>
         <p:nvSpPr>
-          <p:cNvPr id="781" name="Google Shape;781;g2b8b4d07471_0_27377:notes"/>
+          <p:cNvPr id="338" name="Google Shape;338;g2b8b4d07471_0_27462:notes"/>
           <p:cNvSpPr>
             <a:spLocks noGrp="1" noRot="1" noChangeAspect="1"/>
           </p:cNvSpPr>
@@ -8237,7 +8239,7 @@
       </p:sp>
       <p:sp>
         <p:nvSpPr>
-          <p:cNvPr id="782" name="Google Shape;782;g2b8b4d07471_0_27377:notes"/>
+          <p:cNvPr id="339" name="Google Shape;339;g2b8b4d07471_0_27462:notes"/>
           <p:cNvSpPr txBox="1">
             <a:spLocks noGrp="1"/>
           </p:cNvSpPr>
@@ -8274,6 +8276,120 @@
         </p:txBody>
       </p:sp>
     </p:spTree>
+    <p:extLst>
+      <p:ext uri="{BB962C8B-B14F-4D97-AF65-F5344CB8AC3E}">
+        <p14:creationId xmlns:p14="http://schemas.microsoft.com/office/powerpoint/2010/main" val="155416899"/>
+      </p:ext>
+    </p:extLst>
+  </p:cSld>
+  <p:clrMapOvr>
+    <a:masterClrMapping/>
+  </p:clrMapOvr>
+</p:notes>
+</file>
+
+<file path=ppt/notesSlides/notesSlide29.xml><?xml version="1.0" encoding="utf-8"?>
+<p:notes xmlns:a="http://schemas.openxmlformats.org/drawingml/2006/main" xmlns:r="http://schemas.openxmlformats.org/officeDocument/2006/relationships" xmlns:p="http://schemas.openxmlformats.org/presentationml/2006/main" showMasterSp="0" showMasterPhAnim="0">
+  <p:cSld>
+    <p:spTree>
+      <p:nvGrpSpPr>
+        <p:cNvPr id="1" name="Shape 337"/>
+        <p:cNvGrpSpPr/>
+        <p:nvPr/>
+      </p:nvGrpSpPr>
+      <p:grpSpPr>
+        <a:xfrm>
+          <a:off x="0" y="0"/>
+          <a:ext cx="0" cy="0"/>
+          <a:chOff x="0" y="0"/>
+          <a:chExt cx="0" cy="0"/>
+        </a:xfrm>
+      </p:grpSpPr>
+      <p:sp>
+        <p:nvSpPr>
+          <p:cNvPr id="338" name="Google Shape;338;g2b8b4d07471_0_27462:notes"/>
+          <p:cNvSpPr>
+            <a:spLocks noGrp="1" noRot="1" noChangeAspect="1"/>
+          </p:cNvSpPr>
+          <p:nvPr>
+            <p:ph type="sldImg" idx="2"/>
+          </p:nvPr>
+        </p:nvSpPr>
+        <p:spPr>
+          <a:xfrm>
+            <a:off x="381000" y="685800"/>
+            <a:ext cx="6096000" cy="3429000"/>
+          </a:xfrm>
+          <a:custGeom>
+            <a:avLst/>
+            <a:gdLst/>
+            <a:ahLst/>
+            <a:cxnLst/>
+            <a:rect l="l" t="t" r="r" b="b"/>
+            <a:pathLst>
+              <a:path w="120000" h="120000" extrusionOk="0">
+                <a:moveTo>
+                  <a:pt x="0" y="0"/>
+                </a:moveTo>
+                <a:lnTo>
+                  <a:pt x="120000" y="0"/>
+                </a:lnTo>
+                <a:lnTo>
+                  <a:pt x="120000" y="120000"/>
+                </a:lnTo>
+                <a:lnTo>
+                  <a:pt x="0" y="120000"/>
+                </a:lnTo>
+                <a:close/>
+              </a:path>
+            </a:pathLst>
+          </a:custGeom>
+        </p:spPr>
+      </p:sp>
+      <p:sp>
+        <p:nvSpPr>
+          <p:cNvPr id="339" name="Google Shape;339;g2b8b4d07471_0_27462:notes"/>
+          <p:cNvSpPr txBox="1">
+            <a:spLocks noGrp="1"/>
+          </p:cNvSpPr>
+          <p:nvPr>
+            <p:ph type="body" idx="1"/>
+          </p:nvPr>
+        </p:nvSpPr>
+        <p:spPr>
+          <a:xfrm>
+            <a:off x="685800" y="4343400"/>
+            <a:ext cx="5486400" cy="4114800"/>
+          </a:xfrm>
+          <a:prstGeom prst="rect">
+            <a:avLst/>
+          </a:prstGeom>
+        </p:spPr>
+        <p:txBody>
+          <a:bodyPr spcFirstLastPara="1" wrap="square" lIns="91425" tIns="91425" rIns="91425" bIns="91425" anchor="t" anchorCtr="0">
+            <a:noAutofit/>
+          </a:bodyPr>
+          <a:lstStyle/>
+          <a:p>
+            <a:pPr marL="0" lvl="0" indent="0" algn="l" rtl="0">
+              <a:spcBef>
+                <a:spcPts val="0"/>
+              </a:spcBef>
+              <a:spcAft>
+                <a:spcPts val="0"/>
+              </a:spcAft>
+              <a:buNone/>
+            </a:pPr>
+            <a:endParaRPr/>
+          </a:p>
+        </p:txBody>
+      </p:sp>
+    </p:spTree>
+    <p:extLst>
+      <p:ext uri="{BB962C8B-B14F-4D97-AF65-F5344CB8AC3E}">
+        <p14:creationId xmlns:p14="http://schemas.microsoft.com/office/powerpoint/2010/main" val="364393069"/>
+      </p:ext>
+    </p:extLst>
   </p:cSld>
   <p:clrMapOvr>
     <a:masterClrMapping/>
@@ -8342,6 +8458,110 @@
       <p:sp>
         <p:nvSpPr>
           <p:cNvPr id="332" name="Google Shape;332;g2b8472d5d51_0_37:notes"/>
+          <p:cNvSpPr txBox="1">
+            <a:spLocks noGrp="1"/>
+          </p:cNvSpPr>
+          <p:nvPr>
+            <p:ph type="body" idx="1"/>
+          </p:nvPr>
+        </p:nvSpPr>
+        <p:spPr>
+          <a:xfrm>
+            <a:off x="685800" y="4343400"/>
+            <a:ext cx="5486400" cy="4114800"/>
+          </a:xfrm>
+          <a:prstGeom prst="rect">
+            <a:avLst/>
+          </a:prstGeom>
+        </p:spPr>
+        <p:txBody>
+          <a:bodyPr spcFirstLastPara="1" wrap="square" lIns="91425" tIns="91425" rIns="91425" bIns="91425" anchor="t" anchorCtr="0">
+            <a:noAutofit/>
+          </a:bodyPr>
+          <a:lstStyle/>
+          <a:p>
+            <a:pPr marL="0" lvl="0" indent="0" algn="l" rtl="0">
+              <a:spcBef>
+                <a:spcPts val="0"/>
+              </a:spcBef>
+              <a:spcAft>
+                <a:spcPts val="0"/>
+              </a:spcAft>
+              <a:buNone/>
+            </a:pPr>
+            <a:endParaRPr/>
+          </a:p>
+        </p:txBody>
+      </p:sp>
+    </p:spTree>
+  </p:cSld>
+  <p:clrMapOvr>
+    <a:masterClrMapping/>
+  </p:clrMapOvr>
+</p:notes>
+</file>
+
+<file path=ppt/notesSlides/notesSlide30.xml><?xml version="1.0" encoding="utf-8"?>
+<p:notes xmlns:a="http://schemas.openxmlformats.org/drawingml/2006/main" xmlns:r="http://schemas.openxmlformats.org/officeDocument/2006/relationships" xmlns:p="http://schemas.openxmlformats.org/presentationml/2006/main" showMasterSp="0" showMasterPhAnim="0">
+  <p:cSld>
+    <p:spTree>
+      <p:nvGrpSpPr>
+        <p:cNvPr id="1" name="Shape 780"/>
+        <p:cNvGrpSpPr/>
+        <p:nvPr/>
+      </p:nvGrpSpPr>
+      <p:grpSpPr>
+        <a:xfrm>
+          <a:off x="0" y="0"/>
+          <a:ext cx="0" cy="0"/>
+          <a:chOff x="0" y="0"/>
+          <a:chExt cx="0" cy="0"/>
+        </a:xfrm>
+      </p:grpSpPr>
+      <p:sp>
+        <p:nvSpPr>
+          <p:cNvPr id="781" name="Google Shape;781;g2b8b4d07471_0_27377:notes"/>
+          <p:cNvSpPr>
+            <a:spLocks noGrp="1" noRot="1" noChangeAspect="1"/>
+          </p:cNvSpPr>
+          <p:nvPr>
+            <p:ph type="sldImg" idx="2"/>
+          </p:nvPr>
+        </p:nvSpPr>
+        <p:spPr>
+          <a:xfrm>
+            <a:off x="381000" y="685800"/>
+            <a:ext cx="6096000" cy="3429000"/>
+          </a:xfrm>
+          <a:custGeom>
+            <a:avLst/>
+            <a:gdLst/>
+            <a:ahLst/>
+            <a:cxnLst/>
+            <a:rect l="l" t="t" r="r" b="b"/>
+            <a:pathLst>
+              <a:path w="120000" h="120000" extrusionOk="0">
+                <a:moveTo>
+                  <a:pt x="0" y="0"/>
+                </a:moveTo>
+                <a:lnTo>
+                  <a:pt x="120000" y="0"/>
+                </a:lnTo>
+                <a:lnTo>
+                  <a:pt x="120000" y="120000"/>
+                </a:lnTo>
+                <a:lnTo>
+                  <a:pt x="0" y="120000"/>
+                </a:lnTo>
+                <a:close/>
+              </a:path>
+            </a:pathLst>
+          </a:custGeom>
+        </p:spPr>
+      </p:sp>
+      <p:sp>
+        <p:nvSpPr>
+          <p:cNvPr id="782" name="Google Shape;782;g2b8b4d07471_0_27377:notes"/>
           <p:cNvSpPr txBox="1">
             <a:spLocks noGrp="1"/>
           </p:cNvSpPr>
@@ -29463,7 +29683,7 @@
         </p:nvSpPr>
         <p:spPr>
           <a:xfrm>
-            <a:off x="1423011" y="1795424"/>
+            <a:off x="1423011" y="1717602"/>
             <a:ext cx="5989500" cy="1241610"/>
           </a:xfrm>
           <a:prstGeom prst="rect">
@@ -29505,8 +29725,8 @@
         </p:nvSpPr>
         <p:spPr>
           <a:xfrm>
-            <a:off x="1577250" y="4414043"/>
-            <a:ext cx="5989500" cy="420900"/>
+            <a:off x="1393593" y="3396955"/>
+            <a:ext cx="5989500" cy="1525240"/>
           </a:xfrm>
           <a:prstGeom prst="rect">
             <a:avLst/>
@@ -29529,7 +29749,70 @@
             </a:pPr>
             <a:r>
               <a:rPr lang="en" dirty="0"/>
-              <a:t>Daniel Belaish | Liron Lavi | Dr. Sarai Sheinvald</a:t>
+              <a:t>Daniel Belaish</a:t>
+            </a:r>
+            <a:endParaRPr lang="he-IL" dirty="0"/>
+          </a:p>
+          <a:p>
+            <a:pPr marL="0" lvl="0" indent="0" algn="ctr" rtl="0">
+              <a:spcBef>
+                <a:spcPts val="0"/>
+              </a:spcBef>
+              <a:spcAft>
+                <a:spcPts val="0"/>
+              </a:spcAft>
+              <a:buNone/>
+            </a:pPr>
+            <a:r>
+              <a:rPr lang="en" dirty="0"/>
+              <a:t>Liron Lavi</a:t>
+            </a:r>
+          </a:p>
+          <a:p>
+            <a:pPr marL="0" lvl="0" indent="0" algn="ctr" rtl="0">
+              <a:spcBef>
+                <a:spcPts val="0"/>
+              </a:spcBef>
+              <a:spcAft>
+                <a:spcPts val="0"/>
+              </a:spcAft>
+              <a:buNone/>
+            </a:pPr>
+            <a:endParaRPr lang="he-IL" dirty="0"/>
+          </a:p>
+          <a:p>
+            <a:pPr marL="0" lvl="0" indent="0" algn="ctr" rtl="0">
+              <a:spcBef>
+                <a:spcPts val="0"/>
+              </a:spcBef>
+              <a:spcAft>
+                <a:spcPts val="0"/>
+              </a:spcAft>
+              <a:buNone/>
+            </a:pPr>
+            <a:r>
+              <a:rPr lang="en-US" dirty="0"/>
+              <a:t>Supervisor</a:t>
+            </a:r>
+            <a:r>
+              <a:rPr lang="en" dirty="0"/>
+              <a:t> </a:t>
+            </a:r>
+            <a:endParaRPr lang="he-IL" dirty="0"/>
+          </a:p>
+          <a:p>
+            <a:pPr marL="0" lvl="0" indent="0" algn="ctr" rtl="0">
+              <a:spcBef>
+                <a:spcPts val="0"/>
+              </a:spcBef>
+              <a:spcAft>
+                <a:spcPts val="0"/>
+              </a:spcAft>
+              <a:buNone/>
+            </a:pPr>
+            <a:r>
+              <a:rPr lang="en" dirty="0"/>
+              <a:t>Dr. Sarai Sheinvald</a:t>
             </a:r>
             <a:endParaRPr dirty="0"/>
           </a:p>
@@ -31141,7 +31424,7 @@
         </p:nvSpPr>
         <p:spPr>
           <a:xfrm>
-            <a:off x="277968" y="1178231"/>
+            <a:off x="277968" y="1167015"/>
             <a:ext cx="8588064" cy="3017532"/>
           </a:xfrm>
           <a:prstGeom prst="rect">
@@ -31208,8 +31491,8 @@
         </p:nvSpPr>
         <p:spPr>
           <a:xfrm>
-            <a:off x="277968" y="3006112"/>
-            <a:ext cx="8662986" cy="2787038"/>
+            <a:off x="277968" y="3019222"/>
+            <a:ext cx="8662986" cy="1474957"/>
           </a:xfrm>
           <a:prstGeom prst="rect">
             <a:avLst/>
@@ -32474,6 +32757,78 @@
   <p:cSld>
     <p:spTree>
       <p:nvGrpSpPr>
+        <p:cNvPr id="1" name="Shape 340"/>
+        <p:cNvGrpSpPr/>
+        <p:nvPr/>
+      </p:nvGrpSpPr>
+      <p:grpSpPr>
+        <a:xfrm>
+          <a:off x="0" y="0"/>
+          <a:ext cx="0" cy="0"/>
+          <a:chOff x="0" y="0"/>
+          <a:chExt cx="0" cy="0"/>
+        </a:xfrm>
+      </p:grpSpPr>
+      <p:sp>
+        <p:nvSpPr>
+          <p:cNvPr id="341" name="Google Shape;341;p31"/>
+          <p:cNvSpPr txBox="1">
+            <a:spLocks noGrp="1"/>
+          </p:cNvSpPr>
+          <p:nvPr>
+            <p:ph type="title"/>
+          </p:nvPr>
+        </p:nvSpPr>
+        <p:spPr>
+          <a:xfrm>
+            <a:off x="265933" y="277580"/>
+            <a:ext cx="3133885" cy="670867"/>
+          </a:xfrm>
+          <a:prstGeom prst="rect">
+            <a:avLst/>
+          </a:prstGeom>
+        </p:spPr>
+        <p:txBody>
+          <a:bodyPr spcFirstLastPara="1" wrap="square" lIns="91425" tIns="91425" rIns="91425" bIns="91425" anchor="t" anchorCtr="0">
+            <a:noAutofit/>
+          </a:bodyPr>
+          <a:lstStyle/>
+          <a:p>
+            <a:pPr marL="0" lvl="0" indent="0" algn="l" rtl="0">
+              <a:spcBef>
+                <a:spcPts val="0"/>
+              </a:spcBef>
+              <a:spcAft>
+                <a:spcPts val="0"/>
+              </a:spcAft>
+              <a:buNone/>
+            </a:pPr>
+            <a:r>
+              <a:rPr lang="en-US" dirty="0"/>
+              <a:t>Demonstration</a:t>
+            </a:r>
+            <a:endParaRPr dirty="0"/>
+          </a:p>
+        </p:txBody>
+      </p:sp>
+    </p:spTree>
+    <p:extLst>
+      <p:ext uri="{BB962C8B-B14F-4D97-AF65-F5344CB8AC3E}">
+        <p14:creationId xmlns:p14="http://schemas.microsoft.com/office/powerpoint/2010/main" val="3129922785"/>
+      </p:ext>
+    </p:extLst>
+  </p:cSld>
+  <p:clrMapOvr>
+    <a:masterClrMapping/>
+  </p:clrMapOvr>
+</p:sld>
+</file>
+
+<file path=ppt/slides/slide14.xml><?xml version="1.0" encoding="utf-8"?>
+<p:sld xmlns:a="http://schemas.openxmlformats.org/drawingml/2006/main" xmlns:r="http://schemas.openxmlformats.org/officeDocument/2006/relationships" xmlns:p="http://schemas.openxmlformats.org/presentationml/2006/main">
+  <p:cSld>
+    <p:spTree>
+      <p:nvGrpSpPr>
         <p:cNvPr id="1" name="Shape 333"/>
         <p:cNvGrpSpPr/>
         <p:nvPr/>
@@ -32582,7 +32937,7 @@
 </p:sld>
 </file>
 
-<file path=ppt/slides/slide14.xml><?xml version="1.0" encoding="utf-8"?>
+<file path=ppt/slides/slide15.xml><?xml version="1.0" encoding="utf-8"?>
 <p:sld xmlns:a="http://schemas.openxmlformats.org/drawingml/2006/main" xmlns:r="http://schemas.openxmlformats.org/officeDocument/2006/relationships" xmlns:p="http://schemas.openxmlformats.org/presentationml/2006/main">
   <p:cSld>
     <p:spTree>
@@ -32773,7 +33128,7 @@
 </p:sld>
 </file>
 
-<file path=ppt/slides/slide15.xml><?xml version="1.0" encoding="utf-8"?>
+<file path=ppt/slides/slide16.xml><?xml version="1.0" encoding="utf-8"?>
 <p:sld xmlns:a="http://schemas.openxmlformats.org/drawingml/2006/main" xmlns:r="http://schemas.openxmlformats.org/officeDocument/2006/relationships" xmlns:p="http://schemas.openxmlformats.org/presentationml/2006/main">
   <p:cSld>
     <p:spTree>
@@ -33020,7 +33375,13 @@
                       <a:rPr lang="en-US" b="0" i="1" smtClean="0">
                         <a:latin typeface="Cambria Math" panose="02040503050406030204" pitchFamily="18" charset="0"/>
                       </a:rPr>
-                      <m:t>=1</m:t>
+                      <m:t>=</m:t>
+                    </m:r>
+                    <m:r>
+                      <a:rPr lang="en-US" b="0" i="1" smtClean="0">
+                        <a:latin typeface="Cambria Math" panose="02040503050406030204" pitchFamily="18" charset="0"/>
+                      </a:rPr>
+                      <m:t>1</m:t>
                     </m:r>
                     <m:r>
                       <a:rPr lang="en-US" b="0" i="1" smtClean="0">
@@ -33403,7 +33764,7 @@
 </p:sld>
 </file>
 
-<file path=ppt/slides/slide16.xml><?xml version="1.0" encoding="utf-8"?>
+<file path=ppt/slides/slide17.xml><?xml version="1.0" encoding="utf-8"?>
 <p:sld xmlns:a="http://schemas.openxmlformats.org/drawingml/2006/main" xmlns:r="http://schemas.openxmlformats.org/officeDocument/2006/relationships" xmlns:p="http://schemas.openxmlformats.org/presentationml/2006/main">
   <p:cSld>
     <p:spTree>
@@ -33685,7 +34046,16 @@
                               <a:ea typeface="Times New Roman" panose="02020603050405020304" pitchFamily="18" charset="0"/>
                               <a:cs typeface="Arial" panose="020B0604020202020204" pitchFamily="34" charset="0"/>
                             </a:rPr>
-                            <m:t>−1</m:t>
+                            <m:t>−</m:t>
+                          </m:r>
+                          <m:r>
+                            <a:rPr lang="en-US" sz="1400" i="1">
+                              <a:effectLst/>
+                              <a:latin typeface="Cambria Math" panose="02040503050406030204" pitchFamily="18" charset="0"/>
+                              <a:ea typeface="Times New Roman" panose="02020603050405020304" pitchFamily="18" charset="0"/>
+                              <a:cs typeface="Arial" panose="020B0604020202020204" pitchFamily="34" charset="0"/>
+                            </a:rPr>
+                            <m:t>1</m:t>
                           </m:r>
                         </m:sub>
                         <m:sup>
@@ -33705,7 +34075,16 @@
                               <a:ea typeface="Times New Roman" panose="02020603050405020304" pitchFamily="18" charset="0"/>
                               <a:cs typeface="Arial" panose="020B0604020202020204" pitchFamily="34" charset="0"/>
                             </a:rPr>
-                            <m:t>=0</m:t>
+                            <m:t>=</m:t>
+                          </m:r>
+                          <m:r>
+                            <a:rPr lang="en-US" sz="1400" i="1">
+                              <a:effectLst/>
+                              <a:latin typeface="Cambria Math" panose="02040503050406030204" pitchFamily="18" charset="0"/>
+                              <a:ea typeface="Times New Roman" panose="02020603050405020304" pitchFamily="18" charset="0"/>
+                              <a:cs typeface="Arial" panose="020B0604020202020204" pitchFamily="34" charset="0"/>
+                            </a:rPr>
+                            <m:t>0</m:t>
                           </m:r>
                         </m:sup>
                         <m:e>
@@ -33795,7 +34174,16 @@
                                       <a:ea typeface="Times New Roman" panose="02020603050405020304" pitchFamily="18" charset="0"/>
                                       <a:cs typeface="Arial" panose="020B0604020202020204" pitchFamily="34" charset="0"/>
                                     </a:rPr>
-                                    <m:t>0… </m:t>
+                                    <m:t>0</m:t>
+                                  </m:r>
+                                  <m:r>
+                                    <a:rPr lang="en-US" sz="1400" i="1">
+                                      <a:effectLst/>
+                                      <a:latin typeface="Cambria Math" panose="02040503050406030204" pitchFamily="18" charset="0"/>
+                                      <a:ea typeface="Times New Roman" panose="02020603050405020304" pitchFamily="18" charset="0"/>
+                                      <a:cs typeface="Arial" panose="020B0604020202020204" pitchFamily="34" charset="0"/>
+                                    </a:rPr>
+                                    <m:t>… </m:t>
                                   </m:r>
                                   <m:r>
                                     <a:rPr lang="en-US" sz="1400" i="1">
@@ -33813,7 +34201,16 @@
                                       <a:ea typeface="Times New Roman" panose="02020603050405020304" pitchFamily="18" charset="0"/>
                                       <a:cs typeface="Arial" panose="020B0604020202020204" pitchFamily="34" charset="0"/>
                                     </a:rPr>
-                                    <m:t>−1</m:t>
+                                    <m:t>−</m:t>
+                                  </m:r>
+                                  <m:r>
+                                    <a:rPr lang="en-US" sz="1400" i="1">
+                                      <a:effectLst/>
+                                      <a:latin typeface="Cambria Math" panose="02040503050406030204" pitchFamily="18" charset="0"/>
+                                      <a:ea typeface="Times New Roman" panose="02020603050405020304" pitchFamily="18" charset="0"/>
+                                      <a:cs typeface="Arial" panose="020B0604020202020204" pitchFamily="34" charset="0"/>
+                                    </a:rPr>
+                                    <m:t>1</m:t>
                                   </m:r>
                                 </m:e>
                               </m:d>
@@ -33847,7 +34244,16 @@
                                       <a:ea typeface="Times New Roman" panose="02020603050405020304" pitchFamily="18" charset="0"/>
                                       <a:cs typeface="Arial" panose="020B0604020202020204" pitchFamily="34" charset="0"/>
                                     </a:rPr>
-                                    <m:t>0… </m:t>
+                                    <m:t>0</m:t>
+                                  </m:r>
+                                  <m:r>
+                                    <a:rPr lang="en-US" sz="1400" i="1">
+                                      <a:effectLst/>
+                                      <a:latin typeface="Cambria Math" panose="02040503050406030204" pitchFamily="18" charset="0"/>
+                                      <a:ea typeface="Times New Roman" panose="02020603050405020304" pitchFamily="18" charset="0"/>
+                                      <a:cs typeface="Arial" panose="020B0604020202020204" pitchFamily="34" charset="0"/>
+                                    </a:rPr>
+                                    <m:t>… </m:t>
                                   </m:r>
                                   <m:r>
                                     <a:rPr lang="en-US" sz="1400" i="1">
@@ -33865,7 +34271,16 @@
                                       <a:ea typeface="Times New Roman" panose="02020603050405020304" pitchFamily="18" charset="0"/>
                                       <a:cs typeface="Arial" panose="020B0604020202020204" pitchFamily="34" charset="0"/>
                                     </a:rPr>
-                                    <m:t>−1</m:t>
+                                    <m:t>−</m:t>
+                                  </m:r>
+                                  <m:r>
+                                    <a:rPr lang="en-US" sz="1400" i="1">
+                                      <a:effectLst/>
+                                      <a:latin typeface="Cambria Math" panose="02040503050406030204" pitchFamily="18" charset="0"/>
+                                      <a:ea typeface="Times New Roman" panose="02020603050405020304" pitchFamily="18" charset="0"/>
+                                      <a:cs typeface="Arial" panose="020B0604020202020204" pitchFamily="34" charset="0"/>
+                                    </a:rPr>
+                                    <m:t>1</m:t>
                                   </m:r>
                                 </m:e>
                               </m:d>
@@ -34103,7 +34518,25 @@
                                   <a:ea typeface="Times New Roman" panose="02020603050405020304" pitchFamily="18" charset="0"/>
                                   <a:cs typeface="Arial" panose="020B0604020202020204" pitchFamily="34" charset="0"/>
                                 </a:rPr>
-                                <m:t>+1,</m:t>
+                                <m:t>+</m:t>
+                              </m:r>
+                              <m:r>
+                                <a:rPr lang="en-US" sz="1400" i="1">
+                                  <a:effectLst/>
+                                  <a:latin typeface="Cambria Math" panose="02040503050406030204" pitchFamily="18" charset="0"/>
+                                  <a:ea typeface="Times New Roman" panose="02020603050405020304" pitchFamily="18" charset="0"/>
+                                  <a:cs typeface="Arial" panose="020B0604020202020204" pitchFamily="34" charset="0"/>
+                                </a:rPr>
+                                <m:t>1</m:t>
+                              </m:r>
+                              <m:r>
+                                <a:rPr lang="en-US" sz="1400" i="1">
+                                  <a:effectLst/>
+                                  <a:latin typeface="Cambria Math" panose="02040503050406030204" pitchFamily="18" charset="0"/>
+                                  <a:ea typeface="Times New Roman" panose="02020603050405020304" pitchFamily="18" charset="0"/>
+                                  <a:cs typeface="Arial" panose="020B0604020202020204" pitchFamily="34" charset="0"/>
+                                </a:rPr>
+                                <m:t>,</m:t>
                               </m:r>
                               <m:r>
                                 <a:rPr lang="en-US" sz="1400" i="1">
@@ -34121,7 +34554,25 @@
                                   <a:ea typeface="Times New Roman" panose="02020603050405020304" pitchFamily="18" charset="0"/>
                                   <a:cs typeface="Arial" panose="020B0604020202020204" pitchFamily="34" charset="0"/>
                                 </a:rPr>
-                                <m:t>+1,</m:t>
+                                <m:t>+</m:t>
+                              </m:r>
+                              <m:r>
+                                <a:rPr lang="en-US" sz="1400" i="1">
+                                  <a:effectLst/>
+                                  <a:latin typeface="Cambria Math" panose="02040503050406030204" pitchFamily="18" charset="0"/>
+                                  <a:ea typeface="Times New Roman" panose="02020603050405020304" pitchFamily="18" charset="0"/>
+                                  <a:cs typeface="Arial" panose="020B0604020202020204" pitchFamily="34" charset="0"/>
+                                </a:rPr>
+                                <m:t>1</m:t>
+                              </m:r>
+                              <m:r>
+                                <a:rPr lang="en-US" sz="1400" i="1">
+                                  <a:effectLst/>
+                                  <a:latin typeface="Cambria Math" panose="02040503050406030204" pitchFamily="18" charset="0"/>
+                                  <a:ea typeface="Times New Roman" panose="02020603050405020304" pitchFamily="18" charset="0"/>
+                                  <a:cs typeface="Arial" panose="020B0604020202020204" pitchFamily="34" charset="0"/>
+                                </a:rPr>
+                                <m:t>,</m:t>
                               </m:r>
                               <m:r>
                                 <a:rPr lang="en-US" sz="1400" i="1">
@@ -34182,7 +34633,25 @@
                                   <a:ea typeface="Times New Roman" panose="02020603050405020304" pitchFamily="18" charset="0"/>
                                   <a:cs typeface="Arial" panose="020B0604020202020204" pitchFamily="34" charset="0"/>
                                 </a:rPr>
-                                <m:t>+1,</m:t>
+                                <m:t>+</m:t>
+                              </m:r>
+                              <m:r>
+                                <a:rPr lang="en-US" sz="1400" i="1">
+                                  <a:effectLst/>
+                                  <a:latin typeface="Cambria Math" panose="02040503050406030204" pitchFamily="18" charset="0"/>
+                                  <a:ea typeface="Times New Roman" panose="02020603050405020304" pitchFamily="18" charset="0"/>
+                                  <a:cs typeface="Arial" panose="020B0604020202020204" pitchFamily="34" charset="0"/>
+                                </a:rPr>
+                                <m:t>1</m:t>
+                              </m:r>
+                              <m:r>
+                                <a:rPr lang="en-US" sz="1400" i="1">
+                                  <a:effectLst/>
+                                  <a:latin typeface="Cambria Math" panose="02040503050406030204" pitchFamily="18" charset="0"/>
+                                  <a:ea typeface="Times New Roman" panose="02020603050405020304" pitchFamily="18" charset="0"/>
+                                  <a:cs typeface="Arial" panose="020B0604020202020204" pitchFamily="34" charset="0"/>
+                                </a:rPr>
+                                <m:t>,</m:t>
                               </m:r>
                               <m:r>
                                 <a:rPr lang="en-US" sz="1400" i="1">
@@ -34200,7 +34669,25 @@
                                   <a:ea typeface="Times New Roman" panose="02020603050405020304" pitchFamily="18" charset="0"/>
                                   <a:cs typeface="Arial" panose="020B0604020202020204" pitchFamily="34" charset="0"/>
                                 </a:rPr>
-                                <m:t>−1,</m:t>
+                                <m:t>−</m:t>
+                              </m:r>
+                              <m:r>
+                                <a:rPr lang="en-US" sz="1400" i="1">
+                                  <a:effectLst/>
+                                  <a:latin typeface="Cambria Math" panose="02040503050406030204" pitchFamily="18" charset="0"/>
+                                  <a:ea typeface="Times New Roman" panose="02020603050405020304" pitchFamily="18" charset="0"/>
+                                  <a:cs typeface="Arial" panose="020B0604020202020204" pitchFamily="34" charset="0"/>
+                                </a:rPr>
+                                <m:t>1</m:t>
+                              </m:r>
+                              <m:r>
+                                <a:rPr lang="en-US" sz="1400" i="1">
+                                  <a:effectLst/>
+                                  <a:latin typeface="Cambria Math" panose="02040503050406030204" pitchFamily="18" charset="0"/>
+                                  <a:ea typeface="Times New Roman" panose="02020603050405020304" pitchFamily="18" charset="0"/>
+                                  <a:cs typeface="Arial" panose="020B0604020202020204" pitchFamily="34" charset="0"/>
+                                </a:rPr>
+                                <m:t>,</m:t>
                               </m:r>
                               <m:r>
                                 <a:rPr lang="en-US" sz="1400" i="1">
@@ -34261,7 +34748,25 @@
                                   <a:ea typeface="Times New Roman" panose="02020603050405020304" pitchFamily="18" charset="0"/>
                                   <a:cs typeface="Arial" panose="020B0604020202020204" pitchFamily="34" charset="0"/>
                                 </a:rPr>
-                                <m:t>+1,</m:t>
+                                <m:t>+</m:t>
+                              </m:r>
+                              <m:r>
+                                <a:rPr lang="en-US" sz="1400" i="1">
+                                  <a:effectLst/>
+                                  <a:latin typeface="Cambria Math" panose="02040503050406030204" pitchFamily="18" charset="0"/>
+                                  <a:ea typeface="Times New Roman" panose="02020603050405020304" pitchFamily="18" charset="0"/>
+                                  <a:cs typeface="Arial" panose="020B0604020202020204" pitchFamily="34" charset="0"/>
+                                </a:rPr>
+                                <m:t>1</m:t>
+                              </m:r>
+                              <m:r>
+                                <a:rPr lang="en-US" sz="1400" i="1">
+                                  <a:effectLst/>
+                                  <a:latin typeface="Cambria Math" panose="02040503050406030204" pitchFamily="18" charset="0"/>
+                                  <a:ea typeface="Times New Roman" panose="02020603050405020304" pitchFamily="18" charset="0"/>
+                                  <a:cs typeface="Arial" panose="020B0604020202020204" pitchFamily="34" charset="0"/>
+                                </a:rPr>
+                                <m:t>,</m:t>
                               </m:r>
                               <m:r>
                                 <a:rPr lang="en-US" sz="1400" i="1">
@@ -34297,7 +34802,16 @@
                                   <a:ea typeface="Times New Roman" panose="02020603050405020304" pitchFamily="18" charset="0"/>
                                   <a:cs typeface="Arial" panose="020B0604020202020204" pitchFamily="34" charset="0"/>
                                 </a:rPr>
-                                <m:t>+1</m:t>
+                                <m:t>+</m:t>
+                              </m:r>
+                              <m:r>
+                                <a:rPr lang="en-US" sz="1400" i="1">
+                                  <a:effectLst/>
+                                  <a:latin typeface="Cambria Math" panose="02040503050406030204" pitchFamily="18" charset="0"/>
+                                  <a:ea typeface="Times New Roman" panose="02020603050405020304" pitchFamily="18" charset="0"/>
+                                  <a:cs typeface="Arial" panose="020B0604020202020204" pitchFamily="34" charset="0"/>
+                                </a:rPr>
+                                <m:t>1</m:t>
                               </m:r>
                             </m:sub>
                           </m:sSub>
@@ -34349,7 +34863,25 @@
                                   <a:ea typeface="Times New Roman" panose="02020603050405020304" pitchFamily="18" charset="0"/>
                                   <a:cs typeface="Arial" panose="020B0604020202020204" pitchFamily="34" charset="0"/>
                                 </a:rPr>
-                                <m:t>+1,</m:t>
+                                <m:t>+</m:t>
+                              </m:r>
+                              <m:r>
+                                <a:rPr lang="en-US" sz="1400" i="1">
+                                  <a:effectLst/>
+                                  <a:latin typeface="Cambria Math" panose="02040503050406030204" pitchFamily="18" charset="0"/>
+                                  <a:ea typeface="Times New Roman" panose="02020603050405020304" pitchFamily="18" charset="0"/>
+                                  <a:cs typeface="Arial" panose="020B0604020202020204" pitchFamily="34" charset="0"/>
+                                </a:rPr>
+                                <m:t>1</m:t>
+                              </m:r>
+                              <m:r>
+                                <a:rPr lang="en-US" sz="1400" i="1">
+                                  <a:effectLst/>
+                                  <a:latin typeface="Cambria Math" panose="02040503050406030204" pitchFamily="18" charset="0"/>
+                                  <a:ea typeface="Times New Roman" panose="02020603050405020304" pitchFamily="18" charset="0"/>
+                                  <a:cs typeface="Arial" panose="020B0604020202020204" pitchFamily="34" charset="0"/>
+                                </a:rPr>
+                                <m:t>,</m:t>
                               </m:r>
                               <m:r>
                                 <a:rPr lang="en-US" sz="1400" i="1">
@@ -34385,7 +34917,16 @@
                                   <a:ea typeface="Times New Roman" panose="02020603050405020304" pitchFamily="18" charset="0"/>
                                   <a:cs typeface="Arial" panose="020B0604020202020204" pitchFamily="34" charset="0"/>
                                 </a:rPr>
-                                <m:t>+1</m:t>
+                                <m:t>+</m:t>
+                              </m:r>
+                              <m:r>
+                                <a:rPr lang="en-US" sz="1400" i="1">
+                                  <a:effectLst/>
+                                  <a:latin typeface="Cambria Math" panose="02040503050406030204" pitchFamily="18" charset="0"/>
+                                  <a:ea typeface="Times New Roman" panose="02020603050405020304" pitchFamily="18" charset="0"/>
+                                  <a:cs typeface="Arial" panose="020B0604020202020204" pitchFamily="34" charset="0"/>
+                                </a:rPr>
+                                <m:t>1</m:t>
                               </m:r>
                             </m:sub>
                           </m:sSub>
@@ -34670,7 +35211,16 @@
                               <a:ea typeface="Times New Roman" panose="02020603050405020304" pitchFamily="18" charset="0"/>
                               <a:cs typeface="Arial" panose="020B0604020202020204" pitchFamily="34" charset="0"/>
                             </a:rPr>
-                            <m:t>=0</m:t>
+                            <m:t>=</m:t>
+                          </m:r>
+                          <m:r>
+                            <a:rPr lang="en-US" sz="1600" i="1">
+                              <a:effectLst/>
+                              <a:latin typeface="Cambria Math" panose="02040503050406030204" pitchFamily="18" charset="0"/>
+                              <a:ea typeface="Times New Roman" panose="02020603050405020304" pitchFamily="18" charset="0"/>
+                              <a:cs typeface="Arial" panose="020B0604020202020204" pitchFamily="34" charset="0"/>
+                            </a:rPr>
+                            <m:t>0</m:t>
                           </m:r>
                         </m:sup>
                         <m:e>
@@ -34742,7 +35292,16 @@
                                       <a:ea typeface="Times New Roman" panose="02020603050405020304" pitchFamily="18" charset="0"/>
                                       <a:cs typeface="Arial" panose="020B0604020202020204" pitchFamily="34" charset="0"/>
                                     </a:rPr>
-                                    <m:t>0&lt;</m:t>
+                                    <m:t>0</m:t>
+                                  </m:r>
+                                  <m:r>
+                                    <a:rPr lang="en-US" sz="1600" i="1">
+                                      <a:effectLst/>
+                                      <a:latin typeface="Cambria Math" panose="02040503050406030204" pitchFamily="18" charset="0"/>
+                                      <a:ea typeface="Times New Roman" panose="02020603050405020304" pitchFamily="18" charset="0"/>
+                                      <a:cs typeface="Arial" panose="020B0604020202020204" pitchFamily="34" charset="0"/>
+                                    </a:rPr>
+                                    <m:t>&lt;</m:t>
                                   </m:r>
                                   <m:r>
                                     <a:rPr lang="en-US" sz="1600" i="1">
@@ -34936,7 +35495,7 @@
 </p:sld>
 </file>
 
-<file path=ppt/slides/slide17.xml><?xml version="1.0" encoding="utf-8"?>
+<file path=ppt/slides/slide18.xml><?xml version="1.0" encoding="utf-8"?>
 <p:sld xmlns:a="http://schemas.openxmlformats.org/drawingml/2006/main" xmlns:r="http://schemas.openxmlformats.org/officeDocument/2006/relationships" xmlns:p="http://schemas.openxmlformats.org/presentationml/2006/main">
   <p:cSld>
     <p:spTree>
@@ -35117,7 +35676,31 @@
                             <a:rPr lang="en-US" sz="1800" i="1">
                               <a:latin typeface="Cambria Math" panose="02040503050406030204" pitchFamily="18" charset="0"/>
                             </a:rPr>
-                            <m:t>0,0,0</m:t>
+                            <m:t>0</m:t>
+                          </m:r>
+                          <m:r>
+                            <a:rPr lang="en-US" sz="1800" i="1">
+                              <a:latin typeface="Cambria Math" panose="02040503050406030204" pitchFamily="18" charset="0"/>
+                            </a:rPr>
+                            <m:t>,</m:t>
+                          </m:r>
+                          <m:r>
+                            <a:rPr lang="en-US" sz="1800" i="1">
+                              <a:latin typeface="Cambria Math" panose="02040503050406030204" pitchFamily="18" charset="0"/>
+                            </a:rPr>
+                            <m:t>0</m:t>
+                          </m:r>
+                          <m:r>
+                            <a:rPr lang="en-US" sz="1800" i="1">
+                              <a:latin typeface="Cambria Math" panose="02040503050406030204" pitchFamily="18" charset="0"/>
+                            </a:rPr>
+                            <m:t>,</m:t>
+                          </m:r>
+                          <m:r>
+                            <a:rPr lang="en-US" sz="1800" i="1">
+                              <a:latin typeface="Cambria Math" panose="02040503050406030204" pitchFamily="18" charset="0"/>
+                            </a:rPr>
+                            <m:t>0</m:t>
                           </m:r>
                         </m:sub>
                       </m:sSub>
@@ -35275,7 +35858,19 @@
                             <a:rPr lang="en-IL" sz="1800" i="0">
                               <a:latin typeface="Cambria Math" panose="02040503050406030204" pitchFamily="18" charset="0"/>
                             </a:rPr>
-                            <m:t>−1,</m:t>
+                            <m:t>−</m:t>
+                          </m:r>
+                          <m:r>
+                            <a:rPr lang="en-IL" sz="1800" i="0">
+                              <a:latin typeface="Cambria Math" panose="02040503050406030204" pitchFamily="18" charset="0"/>
+                            </a:rPr>
+                            <m:t>1</m:t>
+                          </m:r>
+                          <m:r>
+                            <a:rPr lang="en-IL" sz="1800" i="0">
+                              <a:latin typeface="Cambria Math" panose="02040503050406030204" pitchFamily="18" charset="0"/>
+                            </a:rPr>
+                            <m:t>,</m:t>
                           </m:r>
                           <m:r>
                             <a:rPr lang="en-IL" sz="1800" i="1">
@@ -35287,7 +35882,19 @@
                             <a:rPr lang="en-IL" sz="1800" i="0">
                               <a:latin typeface="Cambria Math" panose="02040503050406030204" pitchFamily="18" charset="0"/>
                             </a:rPr>
-                            <m:t>−1,</m:t>
+                            <m:t>−</m:t>
+                          </m:r>
+                          <m:r>
+                            <a:rPr lang="en-IL" sz="1800" i="0">
+                              <a:latin typeface="Cambria Math" panose="02040503050406030204" pitchFamily="18" charset="0"/>
+                            </a:rPr>
+                            <m:t>1</m:t>
+                          </m:r>
+                          <m:r>
+                            <a:rPr lang="en-IL" sz="1800" i="0">
+                              <a:latin typeface="Cambria Math" panose="02040503050406030204" pitchFamily="18" charset="0"/>
+                            </a:rPr>
+                            <m:t>,</m:t>
                           </m:r>
                           <m:r>
                             <a:rPr lang="en-IL" sz="1800" i="1">
@@ -35299,7 +35906,13 @@
                             <a:rPr lang="en-IL" sz="1800" i="0">
                               <a:latin typeface="Cambria Math" panose="02040503050406030204" pitchFamily="18" charset="0"/>
                             </a:rPr>
-                            <m:t>−1</m:t>
+                            <m:t>−</m:t>
+                          </m:r>
+                          <m:r>
+                            <a:rPr lang="en-IL" sz="1800" i="0">
+                              <a:latin typeface="Cambria Math" panose="02040503050406030204" pitchFamily="18" charset="0"/>
+                            </a:rPr>
+                            <m:t>1</m:t>
                           </m:r>
                         </m:sub>
                       </m:sSub>
@@ -35410,7 +36023,7 @@
 </p:sld>
 </file>
 
-<file path=ppt/slides/slide18.xml><?xml version="1.0" encoding="utf-8"?>
+<file path=ppt/slides/slide19.xml><?xml version="1.0" encoding="utf-8"?>
 <p:sld xmlns:a="http://schemas.openxmlformats.org/drawingml/2006/main" xmlns:r="http://schemas.openxmlformats.org/officeDocument/2006/relationships" xmlns:p="http://schemas.openxmlformats.org/presentationml/2006/main">
   <p:cSld>
     <p:spTree>
@@ -36296,7 +36909,1438 @@
 </p:sld>
 </file>
 
-<file path=ppt/slides/slide19.xml><?xml version="1.0" encoding="utf-8"?>
+<file path=ppt/slides/slide2.xml><?xml version="1.0" encoding="utf-8"?>
+<p:sld xmlns:a="http://schemas.openxmlformats.org/drawingml/2006/main" xmlns:r="http://schemas.openxmlformats.org/officeDocument/2006/relationships" xmlns:p="http://schemas.openxmlformats.org/presentationml/2006/main">
+  <p:cSld>
+    <p:spTree>
+      <p:nvGrpSpPr>
+        <p:cNvPr id="1" name="Shape 309"/>
+        <p:cNvGrpSpPr/>
+        <p:nvPr/>
+      </p:nvGrpSpPr>
+      <p:grpSpPr>
+        <a:xfrm>
+          <a:off x="0" y="0"/>
+          <a:ext cx="0" cy="0"/>
+          <a:chOff x="0" y="0"/>
+          <a:chExt cx="0" cy="0"/>
+        </a:xfrm>
+      </p:grpSpPr>
+      <p:sp>
+        <p:nvSpPr>
+          <p:cNvPr id="310" name="Google Shape;310;p28"/>
+          <p:cNvSpPr txBox="1">
+            <a:spLocks noGrp="1"/>
+          </p:cNvSpPr>
+          <p:nvPr>
+            <p:ph type="title"/>
+          </p:nvPr>
+        </p:nvSpPr>
+        <p:spPr>
+          <a:xfrm>
+            <a:off x="713100" y="537175"/>
+            <a:ext cx="7717800" cy="572700"/>
+          </a:xfrm>
+          <a:prstGeom prst="rect">
+            <a:avLst/>
+          </a:prstGeom>
+        </p:spPr>
+        <p:txBody>
+          <a:bodyPr spcFirstLastPara="1" wrap="square" lIns="91425" tIns="91425" rIns="91425" bIns="91425" anchor="t" anchorCtr="0">
+            <a:noAutofit/>
+          </a:bodyPr>
+          <a:lstStyle/>
+          <a:p>
+            <a:pPr marL="0" lvl="0" indent="0" algn="l" rtl="0">
+              <a:spcBef>
+                <a:spcPts val="0"/>
+              </a:spcBef>
+              <a:spcAft>
+                <a:spcPts val="0"/>
+              </a:spcAft>
+              <a:buNone/>
+            </a:pPr>
+            <a:r>
+              <a:rPr lang="en" dirty="0"/>
+              <a:t>Table of contents</a:t>
+            </a:r>
+            <a:endParaRPr dirty="0"/>
+          </a:p>
+        </p:txBody>
+      </p:sp>
+      <p:sp>
+        <p:nvSpPr>
+          <p:cNvPr id="311" name="Google Shape;311;p28"/>
+          <p:cNvSpPr txBox="1">
+            <a:spLocks noGrp="1"/>
+          </p:cNvSpPr>
+          <p:nvPr>
+            <p:ph type="subTitle" idx="1"/>
+          </p:nvPr>
+        </p:nvSpPr>
+        <p:spPr>
+          <a:xfrm>
+            <a:off x="1033168" y="1599307"/>
+            <a:ext cx="3348332" cy="373500"/>
+          </a:xfrm>
+          <a:prstGeom prst="rect">
+            <a:avLst/>
+          </a:prstGeom>
+        </p:spPr>
+        <p:txBody>
+          <a:bodyPr spcFirstLastPara="1" wrap="square" lIns="91425" tIns="91425" rIns="91425" bIns="91425" anchor="t" anchorCtr="0">
+            <a:noAutofit/>
+          </a:bodyPr>
+          <a:lstStyle/>
+          <a:p>
+            <a:pPr marL="0" lvl="0" indent="0" algn="l" rtl="0">
+              <a:spcBef>
+                <a:spcPts val="0"/>
+              </a:spcBef>
+              <a:spcAft>
+                <a:spcPts val="0"/>
+              </a:spcAft>
+              <a:buNone/>
+            </a:pPr>
+            <a:r>
+              <a:rPr lang="en" dirty="0"/>
+              <a:t>Path Planning in a dynamic environment</a:t>
+            </a:r>
+            <a:endParaRPr dirty="0"/>
+          </a:p>
+        </p:txBody>
+      </p:sp>
+      <p:sp>
+        <p:nvSpPr>
+          <p:cNvPr id="312" name="Google Shape;312;p28"/>
+          <p:cNvSpPr txBox="1">
+            <a:spLocks noGrp="1"/>
+          </p:cNvSpPr>
+          <p:nvPr>
+            <p:ph type="subTitle" idx="2"/>
+          </p:nvPr>
+        </p:nvSpPr>
+        <p:spPr>
+          <a:xfrm>
+            <a:off x="1033168" y="2437925"/>
+            <a:ext cx="3010195" cy="373500"/>
+          </a:xfrm>
+          <a:prstGeom prst="rect">
+            <a:avLst/>
+          </a:prstGeom>
+        </p:spPr>
+        <p:txBody>
+          <a:bodyPr spcFirstLastPara="1" wrap="square" lIns="91425" tIns="91425" rIns="91425" bIns="91425" anchor="t" anchorCtr="0">
+            <a:noAutofit/>
+          </a:bodyPr>
+          <a:lstStyle/>
+          <a:p>
+            <a:pPr marL="0" lvl="0" indent="0" algn="l" rtl="0">
+              <a:spcBef>
+                <a:spcPts val="0"/>
+              </a:spcBef>
+              <a:spcAft>
+                <a:spcPts val="0"/>
+              </a:spcAft>
+              <a:buNone/>
+            </a:pPr>
+            <a:r>
+              <a:rPr lang="en" dirty="0"/>
+              <a:t>System, SAT, Kripke Structures and Occupancy Indicators</a:t>
+            </a:r>
+            <a:endParaRPr dirty="0"/>
+          </a:p>
+        </p:txBody>
+      </p:sp>
+      <p:sp>
+        <p:nvSpPr>
+          <p:cNvPr id="313" name="Google Shape;313;p28"/>
+          <p:cNvSpPr txBox="1">
+            <a:spLocks noGrp="1"/>
+          </p:cNvSpPr>
+          <p:nvPr>
+            <p:ph type="subTitle" idx="3"/>
+          </p:nvPr>
+        </p:nvSpPr>
+        <p:spPr>
+          <a:xfrm>
+            <a:off x="5396326" y="1602896"/>
+            <a:ext cx="5031600" cy="373500"/>
+          </a:xfrm>
+          <a:prstGeom prst="rect">
+            <a:avLst/>
+          </a:prstGeom>
+        </p:spPr>
+        <p:txBody>
+          <a:bodyPr spcFirstLastPara="1" wrap="square" lIns="91425" tIns="91425" rIns="91425" bIns="91425" anchor="t" anchorCtr="0">
+            <a:noAutofit/>
+          </a:bodyPr>
+          <a:lstStyle/>
+          <a:p>
+            <a:pPr marL="0" lvl="0" indent="0" algn="l" rtl="0">
+              <a:spcBef>
+                <a:spcPts val="0"/>
+              </a:spcBef>
+              <a:spcAft>
+                <a:spcPts val="0"/>
+              </a:spcAft>
+              <a:buNone/>
+            </a:pPr>
+            <a:r>
+              <a:rPr lang="en" dirty="0"/>
+              <a:t>Formula generation and BMC</a:t>
+            </a:r>
+            <a:endParaRPr dirty="0"/>
+          </a:p>
+        </p:txBody>
+      </p:sp>
+      <p:sp>
+        <p:nvSpPr>
+          <p:cNvPr id="314" name="Google Shape;314;p28"/>
+          <p:cNvSpPr txBox="1">
+            <a:spLocks noGrp="1"/>
+          </p:cNvSpPr>
+          <p:nvPr>
+            <p:ph type="subTitle" idx="4"/>
+          </p:nvPr>
+        </p:nvSpPr>
+        <p:spPr>
+          <a:xfrm>
+            <a:off x="5396326" y="2437929"/>
+            <a:ext cx="5031600" cy="373500"/>
+          </a:xfrm>
+          <a:prstGeom prst="rect">
+            <a:avLst/>
+          </a:prstGeom>
+        </p:spPr>
+        <p:txBody>
+          <a:bodyPr spcFirstLastPara="1" wrap="square" lIns="91425" tIns="91425" rIns="91425" bIns="91425" anchor="t" anchorCtr="0">
+            <a:noAutofit/>
+          </a:bodyPr>
+          <a:lstStyle/>
+          <a:p>
+            <a:pPr marL="0" lvl="0" indent="0" algn="l" rtl="0">
+              <a:spcBef>
+                <a:spcPts val="0"/>
+              </a:spcBef>
+              <a:spcAft>
+                <a:spcPts val="0"/>
+              </a:spcAft>
+              <a:buNone/>
+            </a:pPr>
+            <a:r>
+              <a:rPr lang="en" dirty="0"/>
+              <a:t>Test Results, Complexity</a:t>
+            </a:r>
+            <a:endParaRPr dirty="0"/>
+          </a:p>
+        </p:txBody>
+      </p:sp>
+      <p:sp>
+        <p:nvSpPr>
+          <p:cNvPr id="315" name="Google Shape;315;p28"/>
+          <p:cNvSpPr txBox="1">
+            <a:spLocks noGrp="1"/>
+          </p:cNvSpPr>
+          <p:nvPr>
+            <p:ph type="title" idx="5"/>
+          </p:nvPr>
+        </p:nvSpPr>
+        <p:spPr>
+          <a:xfrm>
+            <a:off x="273411" y="1407495"/>
+            <a:ext cx="700200" cy="447600"/>
+          </a:xfrm>
+          <a:prstGeom prst="rect">
+            <a:avLst/>
+          </a:prstGeom>
+        </p:spPr>
+        <p:txBody>
+          <a:bodyPr spcFirstLastPara="1" wrap="square" lIns="91425" tIns="91425" rIns="91425" bIns="91425" anchor="ctr" anchorCtr="0">
+            <a:noAutofit/>
+          </a:bodyPr>
+          <a:lstStyle/>
+          <a:p>
+            <a:pPr marL="0" lvl="0" indent="0" algn="ctr" rtl="0">
+              <a:spcBef>
+                <a:spcPts val="0"/>
+              </a:spcBef>
+              <a:spcAft>
+                <a:spcPts val="0"/>
+              </a:spcAft>
+              <a:buNone/>
+            </a:pPr>
+            <a:r>
+              <a:rPr lang="en"/>
+              <a:t>01</a:t>
+            </a:r>
+            <a:endParaRPr/>
+          </a:p>
+        </p:txBody>
+      </p:sp>
+      <p:sp>
+        <p:nvSpPr>
+          <p:cNvPr id="316" name="Google Shape;316;p28"/>
+          <p:cNvSpPr txBox="1">
+            <a:spLocks noGrp="1"/>
+          </p:cNvSpPr>
+          <p:nvPr>
+            <p:ph type="title" idx="6"/>
+          </p:nvPr>
+        </p:nvSpPr>
+        <p:spPr>
+          <a:xfrm>
+            <a:off x="4636584" y="1407484"/>
+            <a:ext cx="700200" cy="447600"/>
+          </a:xfrm>
+          <a:prstGeom prst="rect">
+            <a:avLst/>
+          </a:prstGeom>
+        </p:spPr>
+        <p:txBody>
+          <a:bodyPr spcFirstLastPara="1" wrap="square" lIns="91425" tIns="91425" rIns="91425" bIns="91425" anchor="ctr" anchorCtr="0">
+            <a:noAutofit/>
+          </a:bodyPr>
+          <a:lstStyle/>
+          <a:p>
+            <a:pPr marL="0" lvl="0" indent="0" algn="ctr" rtl="0">
+              <a:spcBef>
+                <a:spcPts val="0"/>
+              </a:spcBef>
+              <a:spcAft>
+                <a:spcPts val="0"/>
+              </a:spcAft>
+              <a:buNone/>
+            </a:pPr>
+            <a:r>
+              <a:rPr lang="en" dirty="0"/>
+              <a:t>04</a:t>
+            </a:r>
+            <a:endParaRPr dirty="0"/>
+          </a:p>
+        </p:txBody>
+      </p:sp>
+      <p:sp>
+        <p:nvSpPr>
+          <p:cNvPr id="317" name="Google Shape;317;p28"/>
+          <p:cNvSpPr txBox="1">
+            <a:spLocks noGrp="1"/>
+          </p:cNvSpPr>
+          <p:nvPr>
+            <p:ph type="title" idx="7"/>
+          </p:nvPr>
+        </p:nvSpPr>
+        <p:spPr>
+          <a:xfrm>
+            <a:off x="273423" y="2242518"/>
+            <a:ext cx="700200" cy="447600"/>
+          </a:xfrm>
+          <a:prstGeom prst="rect">
+            <a:avLst/>
+          </a:prstGeom>
+        </p:spPr>
+        <p:txBody>
+          <a:bodyPr spcFirstLastPara="1" wrap="square" lIns="91425" tIns="91425" rIns="91425" bIns="91425" anchor="ctr" anchorCtr="0">
+            <a:noAutofit/>
+          </a:bodyPr>
+          <a:lstStyle/>
+          <a:p>
+            <a:pPr marL="0" lvl="0" indent="0" algn="ctr" rtl="0">
+              <a:spcBef>
+                <a:spcPts val="0"/>
+              </a:spcBef>
+              <a:spcAft>
+                <a:spcPts val="0"/>
+              </a:spcAft>
+              <a:buNone/>
+            </a:pPr>
+            <a:r>
+              <a:rPr lang="en"/>
+              <a:t>02</a:t>
+            </a:r>
+            <a:endParaRPr/>
+          </a:p>
+        </p:txBody>
+      </p:sp>
+      <p:sp>
+        <p:nvSpPr>
+          <p:cNvPr id="318" name="Google Shape;318;p28"/>
+          <p:cNvSpPr txBox="1">
+            <a:spLocks noGrp="1"/>
+          </p:cNvSpPr>
+          <p:nvPr>
+            <p:ph type="title" idx="8"/>
+          </p:nvPr>
+        </p:nvSpPr>
+        <p:spPr>
+          <a:xfrm>
+            <a:off x="4636591" y="2242514"/>
+            <a:ext cx="700200" cy="447600"/>
+          </a:xfrm>
+          <a:prstGeom prst="rect">
+            <a:avLst/>
+          </a:prstGeom>
+        </p:spPr>
+        <p:txBody>
+          <a:bodyPr spcFirstLastPara="1" wrap="square" lIns="91425" tIns="91425" rIns="91425" bIns="91425" anchor="ctr" anchorCtr="0">
+            <a:noAutofit/>
+          </a:bodyPr>
+          <a:lstStyle/>
+          <a:p>
+            <a:pPr marL="0" lvl="0" indent="0" algn="ctr" rtl="0">
+              <a:spcBef>
+                <a:spcPts val="0"/>
+              </a:spcBef>
+              <a:spcAft>
+                <a:spcPts val="0"/>
+              </a:spcAft>
+              <a:buNone/>
+            </a:pPr>
+            <a:r>
+              <a:rPr lang="en" dirty="0"/>
+              <a:t>05</a:t>
+            </a:r>
+            <a:endParaRPr dirty="0"/>
+          </a:p>
+        </p:txBody>
+      </p:sp>
+      <p:sp>
+        <p:nvSpPr>
+          <p:cNvPr id="319" name="Google Shape;319;p28"/>
+          <p:cNvSpPr txBox="1">
+            <a:spLocks noGrp="1"/>
+          </p:cNvSpPr>
+          <p:nvPr>
+            <p:ph type="subTitle" idx="9"/>
+          </p:nvPr>
+        </p:nvSpPr>
+        <p:spPr>
+          <a:xfrm>
+            <a:off x="1033168" y="1213963"/>
+            <a:ext cx="5031600" cy="447600"/>
+          </a:xfrm>
+          <a:prstGeom prst="rect">
+            <a:avLst/>
+          </a:prstGeom>
+        </p:spPr>
+        <p:txBody>
+          <a:bodyPr spcFirstLastPara="1" wrap="square" lIns="91425" tIns="91425" rIns="91425" bIns="91425" anchor="b" anchorCtr="0">
+            <a:noAutofit/>
+          </a:bodyPr>
+          <a:lstStyle/>
+          <a:p>
+            <a:pPr marL="0" lvl="0" indent="0" algn="l" rtl="0">
+              <a:spcBef>
+                <a:spcPts val="0"/>
+              </a:spcBef>
+              <a:spcAft>
+                <a:spcPts val="0"/>
+              </a:spcAft>
+              <a:buNone/>
+            </a:pPr>
+            <a:r>
+              <a:rPr lang="en" dirty="0"/>
+              <a:t>Problem Overview</a:t>
+            </a:r>
+            <a:endParaRPr dirty="0"/>
+          </a:p>
+        </p:txBody>
+      </p:sp>
+      <p:sp>
+        <p:nvSpPr>
+          <p:cNvPr id="320" name="Google Shape;320;p28"/>
+          <p:cNvSpPr txBox="1">
+            <a:spLocks noGrp="1"/>
+          </p:cNvSpPr>
+          <p:nvPr>
+            <p:ph type="subTitle" idx="13"/>
+          </p:nvPr>
+        </p:nvSpPr>
+        <p:spPr>
+          <a:xfrm>
+            <a:off x="1033168" y="2048993"/>
+            <a:ext cx="5031600" cy="447600"/>
+          </a:xfrm>
+          <a:prstGeom prst="rect">
+            <a:avLst/>
+          </a:prstGeom>
+        </p:spPr>
+        <p:txBody>
+          <a:bodyPr spcFirstLastPara="1" wrap="square" lIns="91425" tIns="91425" rIns="91425" bIns="91425" anchor="b" anchorCtr="0">
+            <a:noAutofit/>
+          </a:bodyPr>
+          <a:lstStyle/>
+          <a:p>
+            <a:pPr marL="0" lvl="0" indent="0" algn="l" rtl="0">
+              <a:spcBef>
+                <a:spcPts val="0"/>
+              </a:spcBef>
+              <a:spcAft>
+                <a:spcPts val="0"/>
+              </a:spcAft>
+              <a:buNone/>
+            </a:pPr>
+            <a:r>
+              <a:rPr lang="en" dirty="0"/>
+              <a:t>Background</a:t>
+            </a:r>
+            <a:endParaRPr dirty="0"/>
+          </a:p>
+        </p:txBody>
+      </p:sp>
+      <p:sp>
+        <p:nvSpPr>
+          <p:cNvPr id="321" name="Google Shape;321;p28"/>
+          <p:cNvSpPr txBox="1">
+            <a:spLocks noGrp="1"/>
+          </p:cNvSpPr>
+          <p:nvPr>
+            <p:ph type="subTitle" idx="14"/>
+          </p:nvPr>
+        </p:nvSpPr>
+        <p:spPr>
+          <a:xfrm>
+            <a:off x="5396326" y="1213963"/>
+            <a:ext cx="5031600" cy="447600"/>
+          </a:xfrm>
+          <a:prstGeom prst="rect">
+            <a:avLst/>
+          </a:prstGeom>
+        </p:spPr>
+        <p:txBody>
+          <a:bodyPr spcFirstLastPara="1" wrap="square" lIns="91425" tIns="91425" rIns="91425" bIns="91425" anchor="b" anchorCtr="0">
+            <a:noAutofit/>
+          </a:bodyPr>
+          <a:lstStyle/>
+          <a:p>
+            <a:pPr marL="0" lvl="0" indent="0" algn="l" rtl="0">
+              <a:spcBef>
+                <a:spcPts val="0"/>
+              </a:spcBef>
+              <a:spcAft>
+                <a:spcPts val="0"/>
+              </a:spcAft>
+              <a:buNone/>
+            </a:pPr>
+            <a:r>
+              <a:rPr lang="en" dirty="0"/>
+              <a:t>Algorithm</a:t>
+            </a:r>
+            <a:endParaRPr dirty="0"/>
+          </a:p>
+        </p:txBody>
+      </p:sp>
+      <p:sp>
+        <p:nvSpPr>
+          <p:cNvPr id="322" name="Google Shape;322;p28"/>
+          <p:cNvSpPr txBox="1">
+            <a:spLocks noGrp="1"/>
+          </p:cNvSpPr>
+          <p:nvPr>
+            <p:ph type="subTitle" idx="15"/>
+          </p:nvPr>
+        </p:nvSpPr>
+        <p:spPr>
+          <a:xfrm>
+            <a:off x="5396326" y="2048993"/>
+            <a:ext cx="5031600" cy="447600"/>
+          </a:xfrm>
+          <a:prstGeom prst="rect">
+            <a:avLst/>
+          </a:prstGeom>
+        </p:spPr>
+        <p:txBody>
+          <a:bodyPr spcFirstLastPara="1" wrap="square" lIns="91425" tIns="91425" rIns="91425" bIns="91425" anchor="b" anchorCtr="0">
+            <a:noAutofit/>
+          </a:bodyPr>
+          <a:lstStyle/>
+          <a:p>
+            <a:pPr marL="0" lvl="0" indent="0" algn="l" rtl="0">
+              <a:spcBef>
+                <a:spcPts val="0"/>
+              </a:spcBef>
+              <a:spcAft>
+                <a:spcPts val="0"/>
+              </a:spcAft>
+              <a:buNone/>
+            </a:pPr>
+            <a:r>
+              <a:rPr lang="en" dirty="0"/>
+              <a:t>Analysis and Benchmarking</a:t>
+            </a:r>
+            <a:endParaRPr dirty="0"/>
+          </a:p>
+        </p:txBody>
+      </p:sp>
+      <p:sp>
+        <p:nvSpPr>
+          <p:cNvPr id="9" name="Google Shape;312;p28">
+            <a:extLst>
+              <a:ext uri="{FF2B5EF4-FFF2-40B4-BE49-F238E27FC236}">
+                <a16:creationId xmlns:a16="http://schemas.microsoft.com/office/drawing/2014/main" id="{F1EE9E92-1D64-BCBE-1DC0-D20BEF70B3B9}"/>
+              </a:ext>
+            </a:extLst>
+          </p:cNvPr>
+          <p:cNvSpPr txBox="1">
+            <a:spLocks/>
+          </p:cNvSpPr>
+          <p:nvPr/>
+        </p:nvSpPr>
+        <p:spPr>
+          <a:xfrm>
+            <a:off x="1033168" y="3515770"/>
+            <a:ext cx="3010195" cy="373500"/>
+          </a:xfrm>
+          <a:prstGeom prst="rect">
+            <a:avLst/>
+          </a:prstGeom>
+          <a:noFill/>
+          <a:ln>
+            <a:noFill/>
+          </a:ln>
+        </p:spPr>
+        <p:txBody>
+          <a:bodyPr spcFirstLastPara="1" wrap="square" lIns="91425" tIns="91425" rIns="91425" bIns="91425" anchor="t" anchorCtr="0">
+            <a:noAutofit/>
+          </a:bodyPr>
+          <a:lstStyle>
+            <a:defPPr marR="0" lvl="0" algn="l" rtl="0">
+              <a:lnSpc>
+                <a:spcPct val="100000"/>
+              </a:lnSpc>
+              <a:spcBef>
+                <a:spcPts val="0"/>
+              </a:spcBef>
+              <a:spcAft>
+                <a:spcPts val="0"/>
+              </a:spcAft>
+            </a:defPPr>
+            <a:lvl1pPr marL="457200" marR="0" lvl="0" indent="-317500" algn="l" rtl="0">
+              <a:lnSpc>
+                <a:spcPct val="115000"/>
+              </a:lnSpc>
+              <a:spcBef>
+                <a:spcPts val="0"/>
+              </a:spcBef>
+              <a:spcAft>
+                <a:spcPts val="0"/>
+              </a:spcAft>
+              <a:buClr>
+                <a:schemeClr val="dk1"/>
+              </a:buClr>
+              <a:buSzPts val="1400"/>
+              <a:buFont typeface="Lato"/>
+              <a:buNone/>
+              <a:defRPr sz="1400" b="0" i="0" u="none" strike="noStrike" cap="none">
+                <a:solidFill>
+                  <a:schemeClr val="dk1"/>
+                </a:solidFill>
+                <a:latin typeface="Lato"/>
+                <a:ea typeface="Lato"/>
+                <a:cs typeface="Lato"/>
+                <a:sym typeface="Lato"/>
+              </a:defRPr>
+            </a:lvl1pPr>
+            <a:lvl2pPr marL="914400" marR="0" lvl="1" indent="-317500" algn="ctr" rtl="0">
+              <a:lnSpc>
+                <a:spcPct val="100000"/>
+              </a:lnSpc>
+              <a:spcBef>
+                <a:spcPts val="0"/>
+              </a:spcBef>
+              <a:spcAft>
+                <a:spcPts val="0"/>
+              </a:spcAft>
+              <a:buClr>
+                <a:schemeClr val="dk1"/>
+              </a:buClr>
+              <a:buSzPts val="1400"/>
+              <a:buFont typeface="Lato"/>
+              <a:buNone/>
+              <a:defRPr sz="1400" b="0" i="0" u="none" strike="noStrike" cap="none">
+                <a:solidFill>
+                  <a:schemeClr val="dk1"/>
+                </a:solidFill>
+                <a:latin typeface="Lato"/>
+                <a:ea typeface="Lato"/>
+                <a:cs typeface="Lato"/>
+                <a:sym typeface="Lato"/>
+              </a:defRPr>
+            </a:lvl2pPr>
+            <a:lvl3pPr marL="1371600" marR="0" lvl="2" indent="-317500" algn="ctr" rtl="0">
+              <a:lnSpc>
+                <a:spcPct val="100000"/>
+              </a:lnSpc>
+              <a:spcBef>
+                <a:spcPts val="0"/>
+              </a:spcBef>
+              <a:spcAft>
+                <a:spcPts val="0"/>
+              </a:spcAft>
+              <a:buClr>
+                <a:schemeClr val="dk1"/>
+              </a:buClr>
+              <a:buSzPts val="1400"/>
+              <a:buFont typeface="Lato"/>
+              <a:buNone/>
+              <a:defRPr sz="1400" b="0" i="0" u="none" strike="noStrike" cap="none">
+                <a:solidFill>
+                  <a:schemeClr val="dk1"/>
+                </a:solidFill>
+                <a:latin typeface="Lato"/>
+                <a:ea typeface="Lato"/>
+                <a:cs typeface="Lato"/>
+                <a:sym typeface="Lato"/>
+              </a:defRPr>
+            </a:lvl3pPr>
+            <a:lvl4pPr marL="1828800" marR="0" lvl="3" indent="-317500" algn="ctr" rtl="0">
+              <a:lnSpc>
+                <a:spcPct val="100000"/>
+              </a:lnSpc>
+              <a:spcBef>
+                <a:spcPts val="0"/>
+              </a:spcBef>
+              <a:spcAft>
+                <a:spcPts val="0"/>
+              </a:spcAft>
+              <a:buClr>
+                <a:schemeClr val="dk1"/>
+              </a:buClr>
+              <a:buSzPts val="1400"/>
+              <a:buFont typeface="Lato"/>
+              <a:buNone/>
+              <a:defRPr sz="1400" b="0" i="0" u="none" strike="noStrike" cap="none">
+                <a:solidFill>
+                  <a:schemeClr val="dk1"/>
+                </a:solidFill>
+                <a:latin typeface="Lato"/>
+                <a:ea typeface="Lato"/>
+                <a:cs typeface="Lato"/>
+                <a:sym typeface="Lato"/>
+              </a:defRPr>
+            </a:lvl4pPr>
+            <a:lvl5pPr marL="2286000" marR="0" lvl="4" indent="-317500" algn="ctr" rtl="0">
+              <a:lnSpc>
+                <a:spcPct val="100000"/>
+              </a:lnSpc>
+              <a:spcBef>
+                <a:spcPts val="0"/>
+              </a:spcBef>
+              <a:spcAft>
+                <a:spcPts val="0"/>
+              </a:spcAft>
+              <a:buClr>
+                <a:schemeClr val="dk1"/>
+              </a:buClr>
+              <a:buSzPts val="1400"/>
+              <a:buFont typeface="Lato"/>
+              <a:buNone/>
+              <a:defRPr sz="1400" b="0" i="0" u="none" strike="noStrike" cap="none">
+                <a:solidFill>
+                  <a:schemeClr val="dk1"/>
+                </a:solidFill>
+                <a:latin typeface="Lato"/>
+                <a:ea typeface="Lato"/>
+                <a:cs typeface="Lato"/>
+                <a:sym typeface="Lato"/>
+              </a:defRPr>
+            </a:lvl5pPr>
+            <a:lvl6pPr marL="2743200" marR="0" lvl="5" indent="-317500" algn="ctr" rtl="0">
+              <a:lnSpc>
+                <a:spcPct val="100000"/>
+              </a:lnSpc>
+              <a:spcBef>
+                <a:spcPts val="0"/>
+              </a:spcBef>
+              <a:spcAft>
+                <a:spcPts val="0"/>
+              </a:spcAft>
+              <a:buClr>
+                <a:schemeClr val="dk1"/>
+              </a:buClr>
+              <a:buSzPts val="1400"/>
+              <a:buFont typeface="Lato"/>
+              <a:buNone/>
+              <a:defRPr sz="1400" b="0" i="0" u="none" strike="noStrike" cap="none">
+                <a:solidFill>
+                  <a:schemeClr val="dk1"/>
+                </a:solidFill>
+                <a:latin typeface="Lato"/>
+                <a:ea typeface="Lato"/>
+                <a:cs typeface="Lato"/>
+                <a:sym typeface="Lato"/>
+              </a:defRPr>
+            </a:lvl6pPr>
+            <a:lvl7pPr marL="3200400" marR="0" lvl="6" indent="-317500" algn="ctr" rtl="0">
+              <a:lnSpc>
+                <a:spcPct val="100000"/>
+              </a:lnSpc>
+              <a:spcBef>
+                <a:spcPts val="0"/>
+              </a:spcBef>
+              <a:spcAft>
+                <a:spcPts val="0"/>
+              </a:spcAft>
+              <a:buClr>
+                <a:schemeClr val="dk1"/>
+              </a:buClr>
+              <a:buSzPts val="1400"/>
+              <a:buFont typeface="Lato"/>
+              <a:buNone/>
+              <a:defRPr sz="1400" b="0" i="0" u="none" strike="noStrike" cap="none">
+                <a:solidFill>
+                  <a:schemeClr val="dk1"/>
+                </a:solidFill>
+                <a:latin typeface="Lato"/>
+                <a:ea typeface="Lato"/>
+                <a:cs typeface="Lato"/>
+                <a:sym typeface="Lato"/>
+              </a:defRPr>
+            </a:lvl7pPr>
+            <a:lvl8pPr marL="3657600" marR="0" lvl="7" indent="-317500" algn="ctr" rtl="0">
+              <a:lnSpc>
+                <a:spcPct val="100000"/>
+              </a:lnSpc>
+              <a:spcBef>
+                <a:spcPts val="0"/>
+              </a:spcBef>
+              <a:spcAft>
+                <a:spcPts val="0"/>
+              </a:spcAft>
+              <a:buClr>
+                <a:schemeClr val="dk1"/>
+              </a:buClr>
+              <a:buSzPts val="1400"/>
+              <a:buFont typeface="Lato"/>
+              <a:buNone/>
+              <a:defRPr sz="1400" b="0" i="0" u="none" strike="noStrike" cap="none">
+                <a:solidFill>
+                  <a:schemeClr val="dk1"/>
+                </a:solidFill>
+                <a:latin typeface="Lato"/>
+                <a:ea typeface="Lato"/>
+                <a:cs typeface="Lato"/>
+                <a:sym typeface="Lato"/>
+              </a:defRPr>
+            </a:lvl8pPr>
+            <a:lvl9pPr marL="4114800" marR="0" lvl="8" indent="-317500" algn="ctr" rtl="0">
+              <a:lnSpc>
+                <a:spcPct val="100000"/>
+              </a:lnSpc>
+              <a:spcBef>
+                <a:spcPts val="0"/>
+              </a:spcBef>
+              <a:spcAft>
+                <a:spcPts val="0"/>
+              </a:spcAft>
+              <a:buClr>
+                <a:schemeClr val="dk1"/>
+              </a:buClr>
+              <a:buSzPts val="1400"/>
+              <a:buFont typeface="Lato"/>
+              <a:buNone/>
+              <a:defRPr sz="1400" b="0" i="0" u="none" strike="noStrike" cap="none">
+                <a:solidFill>
+                  <a:schemeClr val="dk1"/>
+                </a:solidFill>
+                <a:latin typeface="Lato"/>
+                <a:ea typeface="Lato"/>
+                <a:cs typeface="Lato"/>
+                <a:sym typeface="Lato"/>
+              </a:defRPr>
+            </a:lvl9pPr>
+          </a:lstStyle>
+          <a:p>
+            <a:pPr marL="0" indent="0"/>
+            <a:r>
+              <a:rPr lang="en-US" dirty="0"/>
+              <a:t>The Data Pipeline</a:t>
+            </a:r>
+          </a:p>
+        </p:txBody>
+      </p:sp>
+      <p:sp>
+        <p:nvSpPr>
+          <p:cNvPr id="10" name="Google Shape;317;p28">
+            <a:extLst>
+              <a:ext uri="{FF2B5EF4-FFF2-40B4-BE49-F238E27FC236}">
+                <a16:creationId xmlns:a16="http://schemas.microsoft.com/office/drawing/2014/main" id="{F2E1C634-9A78-A0F4-4EC3-A28C522A5E65}"/>
+              </a:ext>
+            </a:extLst>
+          </p:cNvPr>
+          <p:cNvSpPr txBox="1">
+            <a:spLocks/>
+          </p:cNvSpPr>
+          <p:nvPr/>
+        </p:nvSpPr>
+        <p:spPr>
+          <a:xfrm>
+            <a:off x="273423" y="3320363"/>
+            <a:ext cx="700200" cy="447600"/>
+          </a:xfrm>
+          <a:prstGeom prst="rect">
+            <a:avLst/>
+          </a:prstGeom>
+          <a:noFill/>
+          <a:ln>
+            <a:noFill/>
+          </a:ln>
+        </p:spPr>
+        <p:txBody>
+          <a:bodyPr spcFirstLastPara="1" wrap="square" lIns="91425" tIns="91425" rIns="91425" bIns="91425" anchor="ctr" anchorCtr="0">
+            <a:noAutofit/>
+          </a:bodyPr>
+          <a:lstStyle>
+            <a:defPPr marR="0" lvl="0" algn="l" rtl="0">
+              <a:lnSpc>
+                <a:spcPct val="100000"/>
+              </a:lnSpc>
+              <a:spcBef>
+                <a:spcPts val="0"/>
+              </a:spcBef>
+              <a:spcAft>
+                <a:spcPts val="0"/>
+              </a:spcAft>
+            </a:defPPr>
+            <a:lvl1pPr marR="0" lvl="0" algn="ctr" rtl="0">
+              <a:lnSpc>
+                <a:spcPct val="100000"/>
+              </a:lnSpc>
+              <a:spcBef>
+                <a:spcPts val="0"/>
+              </a:spcBef>
+              <a:spcAft>
+                <a:spcPts val="0"/>
+              </a:spcAft>
+              <a:buClr>
+                <a:schemeClr val="dk2"/>
+              </a:buClr>
+              <a:buSzPts val="3000"/>
+              <a:buFont typeface="Varela Round"/>
+              <a:buNone/>
+              <a:defRPr sz="2600" b="0" i="0" u="none" strike="noStrike" cap="none">
+                <a:solidFill>
+                  <a:schemeClr val="dk2"/>
+                </a:solidFill>
+                <a:latin typeface="Varela Round"/>
+                <a:ea typeface="Varela Round"/>
+                <a:cs typeface="Varela Round"/>
+                <a:sym typeface="Varela Round"/>
+              </a:defRPr>
+            </a:lvl1pPr>
+            <a:lvl2pPr marR="0" lvl="1" algn="l" rtl="0">
+              <a:lnSpc>
+                <a:spcPct val="100000"/>
+              </a:lnSpc>
+              <a:spcBef>
+                <a:spcPts val="0"/>
+              </a:spcBef>
+              <a:spcAft>
+                <a:spcPts val="0"/>
+              </a:spcAft>
+              <a:buClr>
+                <a:schemeClr val="dk2"/>
+              </a:buClr>
+              <a:buSzPts val="3000"/>
+              <a:buFont typeface="Varela Round"/>
+              <a:buNone/>
+              <a:defRPr sz="3000" b="0" i="0" u="none" strike="noStrike" cap="none">
+                <a:solidFill>
+                  <a:schemeClr val="dk2"/>
+                </a:solidFill>
+                <a:latin typeface="Varela Round"/>
+                <a:ea typeface="Varela Round"/>
+                <a:cs typeface="Varela Round"/>
+                <a:sym typeface="Varela Round"/>
+              </a:defRPr>
+            </a:lvl2pPr>
+            <a:lvl3pPr marR="0" lvl="2" algn="l" rtl="0">
+              <a:lnSpc>
+                <a:spcPct val="100000"/>
+              </a:lnSpc>
+              <a:spcBef>
+                <a:spcPts val="0"/>
+              </a:spcBef>
+              <a:spcAft>
+                <a:spcPts val="0"/>
+              </a:spcAft>
+              <a:buClr>
+                <a:schemeClr val="dk2"/>
+              </a:buClr>
+              <a:buSzPts val="3000"/>
+              <a:buFont typeface="Varela Round"/>
+              <a:buNone/>
+              <a:defRPr sz="3000" b="0" i="0" u="none" strike="noStrike" cap="none">
+                <a:solidFill>
+                  <a:schemeClr val="dk2"/>
+                </a:solidFill>
+                <a:latin typeface="Varela Round"/>
+                <a:ea typeface="Varela Round"/>
+                <a:cs typeface="Varela Round"/>
+                <a:sym typeface="Varela Round"/>
+              </a:defRPr>
+            </a:lvl3pPr>
+            <a:lvl4pPr marR="0" lvl="3" algn="l" rtl="0">
+              <a:lnSpc>
+                <a:spcPct val="100000"/>
+              </a:lnSpc>
+              <a:spcBef>
+                <a:spcPts val="0"/>
+              </a:spcBef>
+              <a:spcAft>
+                <a:spcPts val="0"/>
+              </a:spcAft>
+              <a:buClr>
+                <a:schemeClr val="dk2"/>
+              </a:buClr>
+              <a:buSzPts val="3000"/>
+              <a:buFont typeface="Varela Round"/>
+              <a:buNone/>
+              <a:defRPr sz="3000" b="0" i="0" u="none" strike="noStrike" cap="none">
+                <a:solidFill>
+                  <a:schemeClr val="dk2"/>
+                </a:solidFill>
+                <a:latin typeface="Varela Round"/>
+                <a:ea typeface="Varela Round"/>
+                <a:cs typeface="Varela Round"/>
+                <a:sym typeface="Varela Round"/>
+              </a:defRPr>
+            </a:lvl4pPr>
+            <a:lvl5pPr marR="0" lvl="4" algn="l" rtl="0">
+              <a:lnSpc>
+                <a:spcPct val="100000"/>
+              </a:lnSpc>
+              <a:spcBef>
+                <a:spcPts val="0"/>
+              </a:spcBef>
+              <a:spcAft>
+                <a:spcPts val="0"/>
+              </a:spcAft>
+              <a:buClr>
+                <a:schemeClr val="dk2"/>
+              </a:buClr>
+              <a:buSzPts val="3000"/>
+              <a:buFont typeface="Varela Round"/>
+              <a:buNone/>
+              <a:defRPr sz="3000" b="0" i="0" u="none" strike="noStrike" cap="none">
+                <a:solidFill>
+                  <a:schemeClr val="dk2"/>
+                </a:solidFill>
+                <a:latin typeface="Varela Round"/>
+                <a:ea typeface="Varela Round"/>
+                <a:cs typeface="Varela Round"/>
+                <a:sym typeface="Varela Round"/>
+              </a:defRPr>
+            </a:lvl5pPr>
+            <a:lvl6pPr marR="0" lvl="5" algn="l" rtl="0">
+              <a:lnSpc>
+                <a:spcPct val="100000"/>
+              </a:lnSpc>
+              <a:spcBef>
+                <a:spcPts val="0"/>
+              </a:spcBef>
+              <a:spcAft>
+                <a:spcPts val="0"/>
+              </a:spcAft>
+              <a:buClr>
+                <a:schemeClr val="dk2"/>
+              </a:buClr>
+              <a:buSzPts val="3000"/>
+              <a:buFont typeface="Varela Round"/>
+              <a:buNone/>
+              <a:defRPr sz="3000" b="0" i="0" u="none" strike="noStrike" cap="none">
+                <a:solidFill>
+                  <a:schemeClr val="dk2"/>
+                </a:solidFill>
+                <a:latin typeface="Varela Round"/>
+                <a:ea typeface="Varela Round"/>
+                <a:cs typeface="Varela Round"/>
+                <a:sym typeface="Varela Round"/>
+              </a:defRPr>
+            </a:lvl6pPr>
+            <a:lvl7pPr marR="0" lvl="6" algn="l" rtl="0">
+              <a:lnSpc>
+                <a:spcPct val="100000"/>
+              </a:lnSpc>
+              <a:spcBef>
+                <a:spcPts val="0"/>
+              </a:spcBef>
+              <a:spcAft>
+                <a:spcPts val="0"/>
+              </a:spcAft>
+              <a:buClr>
+                <a:schemeClr val="dk2"/>
+              </a:buClr>
+              <a:buSzPts val="3000"/>
+              <a:buFont typeface="Varela Round"/>
+              <a:buNone/>
+              <a:defRPr sz="3000" b="0" i="0" u="none" strike="noStrike" cap="none">
+                <a:solidFill>
+                  <a:schemeClr val="dk2"/>
+                </a:solidFill>
+                <a:latin typeface="Varela Round"/>
+                <a:ea typeface="Varela Round"/>
+                <a:cs typeface="Varela Round"/>
+                <a:sym typeface="Varela Round"/>
+              </a:defRPr>
+            </a:lvl7pPr>
+            <a:lvl8pPr marR="0" lvl="7" algn="l" rtl="0">
+              <a:lnSpc>
+                <a:spcPct val="100000"/>
+              </a:lnSpc>
+              <a:spcBef>
+                <a:spcPts val="0"/>
+              </a:spcBef>
+              <a:spcAft>
+                <a:spcPts val="0"/>
+              </a:spcAft>
+              <a:buClr>
+                <a:schemeClr val="dk2"/>
+              </a:buClr>
+              <a:buSzPts val="3000"/>
+              <a:buFont typeface="Varela Round"/>
+              <a:buNone/>
+              <a:defRPr sz="3000" b="0" i="0" u="none" strike="noStrike" cap="none">
+                <a:solidFill>
+                  <a:schemeClr val="dk2"/>
+                </a:solidFill>
+                <a:latin typeface="Varela Round"/>
+                <a:ea typeface="Varela Round"/>
+                <a:cs typeface="Varela Round"/>
+                <a:sym typeface="Varela Round"/>
+              </a:defRPr>
+            </a:lvl8pPr>
+            <a:lvl9pPr marR="0" lvl="8" algn="l" rtl="0">
+              <a:lnSpc>
+                <a:spcPct val="100000"/>
+              </a:lnSpc>
+              <a:spcBef>
+                <a:spcPts val="0"/>
+              </a:spcBef>
+              <a:spcAft>
+                <a:spcPts val="0"/>
+              </a:spcAft>
+              <a:buClr>
+                <a:schemeClr val="dk2"/>
+              </a:buClr>
+              <a:buSzPts val="3000"/>
+              <a:buFont typeface="Varela Round"/>
+              <a:buNone/>
+              <a:defRPr sz="3000" b="0" i="0" u="none" strike="noStrike" cap="none">
+                <a:solidFill>
+                  <a:schemeClr val="dk2"/>
+                </a:solidFill>
+                <a:latin typeface="Varela Round"/>
+                <a:ea typeface="Varela Round"/>
+                <a:cs typeface="Varela Round"/>
+                <a:sym typeface="Varela Round"/>
+              </a:defRPr>
+            </a:lvl9pPr>
+          </a:lstStyle>
+          <a:p>
+            <a:r>
+              <a:rPr lang="en" dirty="0"/>
+              <a:t>03</a:t>
+            </a:r>
+          </a:p>
+        </p:txBody>
+      </p:sp>
+      <p:sp>
+        <p:nvSpPr>
+          <p:cNvPr id="11" name="Google Shape;320;p28">
+            <a:extLst>
+              <a:ext uri="{FF2B5EF4-FFF2-40B4-BE49-F238E27FC236}">
+                <a16:creationId xmlns:a16="http://schemas.microsoft.com/office/drawing/2014/main" id="{F19748AC-B10C-4E1C-7556-A519DA770A85}"/>
+              </a:ext>
+            </a:extLst>
+          </p:cNvPr>
+          <p:cNvSpPr txBox="1">
+            <a:spLocks/>
+          </p:cNvSpPr>
+          <p:nvPr/>
+        </p:nvSpPr>
+        <p:spPr>
+          <a:xfrm>
+            <a:off x="1033168" y="3126838"/>
+            <a:ext cx="5031600" cy="447600"/>
+          </a:xfrm>
+          <a:prstGeom prst="rect">
+            <a:avLst/>
+          </a:prstGeom>
+          <a:noFill/>
+          <a:ln>
+            <a:noFill/>
+          </a:ln>
+        </p:spPr>
+        <p:txBody>
+          <a:bodyPr spcFirstLastPara="1" wrap="square" lIns="91425" tIns="91425" rIns="91425" bIns="91425" anchor="b" anchorCtr="0">
+            <a:noAutofit/>
+          </a:bodyPr>
+          <a:lstStyle>
+            <a:defPPr marR="0" lvl="0" algn="l" rtl="0">
+              <a:lnSpc>
+                <a:spcPct val="100000"/>
+              </a:lnSpc>
+              <a:spcBef>
+                <a:spcPts val="0"/>
+              </a:spcBef>
+              <a:spcAft>
+                <a:spcPts val="0"/>
+              </a:spcAft>
+            </a:defPPr>
+            <a:lvl1pPr marL="457200" marR="0" lvl="0" indent="-317500" algn="l" rtl="0">
+              <a:lnSpc>
+                <a:spcPct val="115000"/>
+              </a:lnSpc>
+              <a:spcBef>
+                <a:spcPts val="0"/>
+              </a:spcBef>
+              <a:spcAft>
+                <a:spcPts val="0"/>
+              </a:spcAft>
+              <a:buClr>
+                <a:schemeClr val="dk1"/>
+              </a:buClr>
+              <a:buSzPts val="2000"/>
+              <a:buFont typeface="Varela Round"/>
+              <a:buNone/>
+              <a:defRPr sz="2000" b="0" i="0" u="none" strike="noStrike" cap="none">
+                <a:solidFill>
+                  <a:schemeClr val="dk1"/>
+                </a:solidFill>
+                <a:latin typeface="Varela Round"/>
+                <a:ea typeface="Varela Round"/>
+                <a:cs typeface="Varela Round"/>
+                <a:sym typeface="Varela Round"/>
+              </a:defRPr>
+            </a:lvl1pPr>
+            <a:lvl2pPr marL="914400" marR="0" lvl="1" indent="-317500" algn="l" rtl="0">
+              <a:lnSpc>
+                <a:spcPct val="100000"/>
+              </a:lnSpc>
+              <a:spcBef>
+                <a:spcPts val="0"/>
+              </a:spcBef>
+              <a:spcAft>
+                <a:spcPts val="0"/>
+              </a:spcAft>
+              <a:buClr>
+                <a:schemeClr val="dk1"/>
+              </a:buClr>
+              <a:buSzPts val="2000"/>
+              <a:buFont typeface="Varela Round"/>
+              <a:buNone/>
+              <a:defRPr sz="2000" b="1" i="0" u="none" strike="noStrike" cap="none">
+                <a:solidFill>
+                  <a:schemeClr val="dk1"/>
+                </a:solidFill>
+                <a:latin typeface="Varela Round"/>
+                <a:ea typeface="Varela Round"/>
+                <a:cs typeface="Varela Round"/>
+                <a:sym typeface="Varela Round"/>
+              </a:defRPr>
+            </a:lvl2pPr>
+            <a:lvl3pPr marL="1371600" marR="0" lvl="2" indent="-317500" algn="l" rtl="0">
+              <a:lnSpc>
+                <a:spcPct val="100000"/>
+              </a:lnSpc>
+              <a:spcBef>
+                <a:spcPts val="0"/>
+              </a:spcBef>
+              <a:spcAft>
+                <a:spcPts val="0"/>
+              </a:spcAft>
+              <a:buClr>
+                <a:schemeClr val="dk1"/>
+              </a:buClr>
+              <a:buSzPts val="2000"/>
+              <a:buFont typeface="Varela Round"/>
+              <a:buNone/>
+              <a:defRPr sz="2000" b="1" i="0" u="none" strike="noStrike" cap="none">
+                <a:solidFill>
+                  <a:schemeClr val="dk1"/>
+                </a:solidFill>
+                <a:latin typeface="Varela Round"/>
+                <a:ea typeface="Varela Round"/>
+                <a:cs typeface="Varela Round"/>
+                <a:sym typeface="Varela Round"/>
+              </a:defRPr>
+            </a:lvl3pPr>
+            <a:lvl4pPr marL="1828800" marR="0" lvl="3" indent="-317500" algn="l" rtl="0">
+              <a:lnSpc>
+                <a:spcPct val="100000"/>
+              </a:lnSpc>
+              <a:spcBef>
+                <a:spcPts val="0"/>
+              </a:spcBef>
+              <a:spcAft>
+                <a:spcPts val="0"/>
+              </a:spcAft>
+              <a:buClr>
+                <a:schemeClr val="dk1"/>
+              </a:buClr>
+              <a:buSzPts val="2000"/>
+              <a:buFont typeface="Varela Round"/>
+              <a:buNone/>
+              <a:defRPr sz="2000" b="1" i="0" u="none" strike="noStrike" cap="none">
+                <a:solidFill>
+                  <a:schemeClr val="dk1"/>
+                </a:solidFill>
+                <a:latin typeface="Varela Round"/>
+                <a:ea typeface="Varela Round"/>
+                <a:cs typeface="Varela Round"/>
+                <a:sym typeface="Varela Round"/>
+              </a:defRPr>
+            </a:lvl4pPr>
+            <a:lvl5pPr marL="2286000" marR="0" lvl="4" indent="-317500" algn="l" rtl="0">
+              <a:lnSpc>
+                <a:spcPct val="100000"/>
+              </a:lnSpc>
+              <a:spcBef>
+                <a:spcPts val="0"/>
+              </a:spcBef>
+              <a:spcAft>
+                <a:spcPts val="0"/>
+              </a:spcAft>
+              <a:buClr>
+                <a:schemeClr val="dk1"/>
+              </a:buClr>
+              <a:buSzPts val="2000"/>
+              <a:buFont typeface="Varela Round"/>
+              <a:buNone/>
+              <a:defRPr sz="2000" b="1" i="0" u="none" strike="noStrike" cap="none">
+                <a:solidFill>
+                  <a:schemeClr val="dk1"/>
+                </a:solidFill>
+                <a:latin typeface="Varela Round"/>
+                <a:ea typeface="Varela Round"/>
+                <a:cs typeface="Varela Round"/>
+                <a:sym typeface="Varela Round"/>
+              </a:defRPr>
+            </a:lvl5pPr>
+            <a:lvl6pPr marL="2743200" marR="0" lvl="5" indent="-317500" algn="l" rtl="0">
+              <a:lnSpc>
+                <a:spcPct val="100000"/>
+              </a:lnSpc>
+              <a:spcBef>
+                <a:spcPts val="0"/>
+              </a:spcBef>
+              <a:spcAft>
+                <a:spcPts val="0"/>
+              </a:spcAft>
+              <a:buClr>
+                <a:schemeClr val="dk1"/>
+              </a:buClr>
+              <a:buSzPts val="2000"/>
+              <a:buFont typeface="Varela Round"/>
+              <a:buNone/>
+              <a:defRPr sz="2000" b="1" i="0" u="none" strike="noStrike" cap="none">
+                <a:solidFill>
+                  <a:schemeClr val="dk1"/>
+                </a:solidFill>
+                <a:latin typeface="Varela Round"/>
+                <a:ea typeface="Varela Round"/>
+                <a:cs typeface="Varela Round"/>
+                <a:sym typeface="Varela Round"/>
+              </a:defRPr>
+            </a:lvl6pPr>
+            <a:lvl7pPr marL="3200400" marR="0" lvl="6" indent="-317500" algn="l" rtl="0">
+              <a:lnSpc>
+                <a:spcPct val="100000"/>
+              </a:lnSpc>
+              <a:spcBef>
+                <a:spcPts val="0"/>
+              </a:spcBef>
+              <a:spcAft>
+                <a:spcPts val="0"/>
+              </a:spcAft>
+              <a:buClr>
+                <a:schemeClr val="dk1"/>
+              </a:buClr>
+              <a:buSzPts val="2000"/>
+              <a:buFont typeface="Varela Round"/>
+              <a:buNone/>
+              <a:defRPr sz="2000" b="1" i="0" u="none" strike="noStrike" cap="none">
+                <a:solidFill>
+                  <a:schemeClr val="dk1"/>
+                </a:solidFill>
+                <a:latin typeface="Varela Round"/>
+                <a:ea typeface="Varela Round"/>
+                <a:cs typeface="Varela Round"/>
+                <a:sym typeface="Varela Round"/>
+              </a:defRPr>
+            </a:lvl7pPr>
+            <a:lvl8pPr marL="3657600" marR="0" lvl="7" indent="-317500" algn="l" rtl="0">
+              <a:lnSpc>
+                <a:spcPct val="100000"/>
+              </a:lnSpc>
+              <a:spcBef>
+                <a:spcPts val="0"/>
+              </a:spcBef>
+              <a:spcAft>
+                <a:spcPts val="0"/>
+              </a:spcAft>
+              <a:buClr>
+                <a:schemeClr val="dk1"/>
+              </a:buClr>
+              <a:buSzPts val="2000"/>
+              <a:buFont typeface="Varela Round"/>
+              <a:buNone/>
+              <a:defRPr sz="2000" b="1" i="0" u="none" strike="noStrike" cap="none">
+                <a:solidFill>
+                  <a:schemeClr val="dk1"/>
+                </a:solidFill>
+                <a:latin typeface="Varela Round"/>
+                <a:ea typeface="Varela Round"/>
+                <a:cs typeface="Varela Round"/>
+                <a:sym typeface="Varela Round"/>
+              </a:defRPr>
+            </a:lvl8pPr>
+            <a:lvl9pPr marL="4114800" marR="0" lvl="8" indent="-317500" algn="l" rtl="0">
+              <a:lnSpc>
+                <a:spcPct val="100000"/>
+              </a:lnSpc>
+              <a:spcBef>
+                <a:spcPts val="0"/>
+              </a:spcBef>
+              <a:spcAft>
+                <a:spcPts val="0"/>
+              </a:spcAft>
+              <a:buClr>
+                <a:schemeClr val="dk1"/>
+              </a:buClr>
+              <a:buSzPts val="2000"/>
+              <a:buFont typeface="Varela Round"/>
+              <a:buNone/>
+              <a:defRPr sz="2000" b="1" i="0" u="none" strike="noStrike" cap="none">
+                <a:solidFill>
+                  <a:schemeClr val="dk1"/>
+                </a:solidFill>
+                <a:latin typeface="Varela Round"/>
+                <a:ea typeface="Varela Round"/>
+                <a:cs typeface="Varela Round"/>
+                <a:sym typeface="Varela Round"/>
+              </a:defRPr>
+            </a:lvl9pPr>
+          </a:lstStyle>
+          <a:p>
+            <a:pPr marL="0" indent="0"/>
+            <a:r>
+              <a:rPr lang="en-US" dirty="0"/>
+              <a:t>Data Processing</a:t>
+            </a:r>
+          </a:p>
+        </p:txBody>
+      </p:sp>
+    </p:spTree>
+  </p:cSld>
+  <p:clrMapOvr>
+    <a:masterClrMapping/>
+  </p:clrMapOvr>
+</p:sld>
+</file>
+
+<file path=ppt/slides/slide20.xml><?xml version="1.0" encoding="utf-8"?>
 <p:sld xmlns:a="http://schemas.openxmlformats.org/drawingml/2006/main" xmlns:r="http://schemas.openxmlformats.org/officeDocument/2006/relationships" xmlns:p="http://schemas.openxmlformats.org/presentationml/2006/main">
   <p:cSld>
     <p:spTree>
@@ -36976,1438 +39020,7 @@
 </p:sld>
 </file>
 
-<file path=ppt/slides/slide2.xml><?xml version="1.0" encoding="utf-8"?>
-<p:sld xmlns:a="http://schemas.openxmlformats.org/drawingml/2006/main" xmlns:r="http://schemas.openxmlformats.org/officeDocument/2006/relationships" xmlns:p="http://schemas.openxmlformats.org/presentationml/2006/main">
-  <p:cSld>
-    <p:spTree>
-      <p:nvGrpSpPr>
-        <p:cNvPr id="1" name="Shape 309"/>
-        <p:cNvGrpSpPr/>
-        <p:nvPr/>
-      </p:nvGrpSpPr>
-      <p:grpSpPr>
-        <a:xfrm>
-          <a:off x="0" y="0"/>
-          <a:ext cx="0" cy="0"/>
-          <a:chOff x="0" y="0"/>
-          <a:chExt cx="0" cy="0"/>
-        </a:xfrm>
-      </p:grpSpPr>
-      <p:sp>
-        <p:nvSpPr>
-          <p:cNvPr id="310" name="Google Shape;310;p28"/>
-          <p:cNvSpPr txBox="1">
-            <a:spLocks noGrp="1"/>
-          </p:cNvSpPr>
-          <p:nvPr>
-            <p:ph type="title"/>
-          </p:nvPr>
-        </p:nvSpPr>
-        <p:spPr>
-          <a:xfrm>
-            <a:off x="713100" y="537175"/>
-            <a:ext cx="7717800" cy="572700"/>
-          </a:xfrm>
-          <a:prstGeom prst="rect">
-            <a:avLst/>
-          </a:prstGeom>
-        </p:spPr>
-        <p:txBody>
-          <a:bodyPr spcFirstLastPara="1" wrap="square" lIns="91425" tIns="91425" rIns="91425" bIns="91425" anchor="t" anchorCtr="0">
-            <a:noAutofit/>
-          </a:bodyPr>
-          <a:lstStyle/>
-          <a:p>
-            <a:pPr marL="0" lvl="0" indent="0" algn="l" rtl="0">
-              <a:spcBef>
-                <a:spcPts val="0"/>
-              </a:spcBef>
-              <a:spcAft>
-                <a:spcPts val="0"/>
-              </a:spcAft>
-              <a:buNone/>
-            </a:pPr>
-            <a:r>
-              <a:rPr lang="en" dirty="0"/>
-              <a:t>Table of contents</a:t>
-            </a:r>
-            <a:endParaRPr dirty="0"/>
-          </a:p>
-        </p:txBody>
-      </p:sp>
-      <p:sp>
-        <p:nvSpPr>
-          <p:cNvPr id="311" name="Google Shape;311;p28"/>
-          <p:cNvSpPr txBox="1">
-            <a:spLocks noGrp="1"/>
-          </p:cNvSpPr>
-          <p:nvPr>
-            <p:ph type="subTitle" idx="1"/>
-          </p:nvPr>
-        </p:nvSpPr>
-        <p:spPr>
-          <a:xfrm>
-            <a:off x="1033168" y="1599307"/>
-            <a:ext cx="3348332" cy="373500"/>
-          </a:xfrm>
-          <a:prstGeom prst="rect">
-            <a:avLst/>
-          </a:prstGeom>
-        </p:spPr>
-        <p:txBody>
-          <a:bodyPr spcFirstLastPara="1" wrap="square" lIns="91425" tIns="91425" rIns="91425" bIns="91425" anchor="t" anchorCtr="0">
-            <a:noAutofit/>
-          </a:bodyPr>
-          <a:lstStyle/>
-          <a:p>
-            <a:pPr marL="0" lvl="0" indent="0" algn="l" rtl="0">
-              <a:spcBef>
-                <a:spcPts val="0"/>
-              </a:spcBef>
-              <a:spcAft>
-                <a:spcPts val="0"/>
-              </a:spcAft>
-              <a:buNone/>
-            </a:pPr>
-            <a:r>
-              <a:rPr lang="en" dirty="0"/>
-              <a:t>Path Planning in a dynamic environment</a:t>
-            </a:r>
-            <a:endParaRPr dirty="0"/>
-          </a:p>
-        </p:txBody>
-      </p:sp>
-      <p:sp>
-        <p:nvSpPr>
-          <p:cNvPr id="312" name="Google Shape;312;p28"/>
-          <p:cNvSpPr txBox="1">
-            <a:spLocks noGrp="1"/>
-          </p:cNvSpPr>
-          <p:nvPr>
-            <p:ph type="subTitle" idx="2"/>
-          </p:nvPr>
-        </p:nvSpPr>
-        <p:spPr>
-          <a:xfrm>
-            <a:off x="1033168" y="2437925"/>
-            <a:ext cx="3010195" cy="373500"/>
-          </a:xfrm>
-          <a:prstGeom prst="rect">
-            <a:avLst/>
-          </a:prstGeom>
-        </p:spPr>
-        <p:txBody>
-          <a:bodyPr spcFirstLastPara="1" wrap="square" lIns="91425" tIns="91425" rIns="91425" bIns="91425" anchor="t" anchorCtr="0">
-            <a:noAutofit/>
-          </a:bodyPr>
-          <a:lstStyle/>
-          <a:p>
-            <a:pPr marL="0" lvl="0" indent="0" algn="l" rtl="0">
-              <a:spcBef>
-                <a:spcPts val="0"/>
-              </a:spcBef>
-              <a:spcAft>
-                <a:spcPts val="0"/>
-              </a:spcAft>
-              <a:buNone/>
-            </a:pPr>
-            <a:r>
-              <a:rPr lang="en" dirty="0"/>
-              <a:t>System, SAT, Kripke Structures and Occupancy Indicators</a:t>
-            </a:r>
-            <a:endParaRPr dirty="0"/>
-          </a:p>
-        </p:txBody>
-      </p:sp>
-      <p:sp>
-        <p:nvSpPr>
-          <p:cNvPr id="313" name="Google Shape;313;p28"/>
-          <p:cNvSpPr txBox="1">
-            <a:spLocks noGrp="1"/>
-          </p:cNvSpPr>
-          <p:nvPr>
-            <p:ph type="subTitle" idx="3"/>
-          </p:nvPr>
-        </p:nvSpPr>
-        <p:spPr>
-          <a:xfrm>
-            <a:off x="5396326" y="1602896"/>
-            <a:ext cx="5031600" cy="373500"/>
-          </a:xfrm>
-          <a:prstGeom prst="rect">
-            <a:avLst/>
-          </a:prstGeom>
-        </p:spPr>
-        <p:txBody>
-          <a:bodyPr spcFirstLastPara="1" wrap="square" lIns="91425" tIns="91425" rIns="91425" bIns="91425" anchor="t" anchorCtr="0">
-            <a:noAutofit/>
-          </a:bodyPr>
-          <a:lstStyle/>
-          <a:p>
-            <a:pPr marL="0" lvl="0" indent="0" algn="l" rtl="0">
-              <a:spcBef>
-                <a:spcPts val="0"/>
-              </a:spcBef>
-              <a:spcAft>
-                <a:spcPts val="0"/>
-              </a:spcAft>
-              <a:buNone/>
-            </a:pPr>
-            <a:r>
-              <a:rPr lang="en" dirty="0"/>
-              <a:t>Formula generation and BMC</a:t>
-            </a:r>
-            <a:endParaRPr dirty="0"/>
-          </a:p>
-        </p:txBody>
-      </p:sp>
-      <p:sp>
-        <p:nvSpPr>
-          <p:cNvPr id="314" name="Google Shape;314;p28"/>
-          <p:cNvSpPr txBox="1">
-            <a:spLocks noGrp="1"/>
-          </p:cNvSpPr>
-          <p:nvPr>
-            <p:ph type="subTitle" idx="4"/>
-          </p:nvPr>
-        </p:nvSpPr>
-        <p:spPr>
-          <a:xfrm>
-            <a:off x="5396326" y="2437929"/>
-            <a:ext cx="5031600" cy="373500"/>
-          </a:xfrm>
-          <a:prstGeom prst="rect">
-            <a:avLst/>
-          </a:prstGeom>
-        </p:spPr>
-        <p:txBody>
-          <a:bodyPr spcFirstLastPara="1" wrap="square" lIns="91425" tIns="91425" rIns="91425" bIns="91425" anchor="t" anchorCtr="0">
-            <a:noAutofit/>
-          </a:bodyPr>
-          <a:lstStyle/>
-          <a:p>
-            <a:pPr marL="0" lvl="0" indent="0" algn="l" rtl="0">
-              <a:spcBef>
-                <a:spcPts val="0"/>
-              </a:spcBef>
-              <a:spcAft>
-                <a:spcPts val="0"/>
-              </a:spcAft>
-              <a:buNone/>
-            </a:pPr>
-            <a:r>
-              <a:rPr lang="en" dirty="0"/>
-              <a:t>Test Results, Complexity</a:t>
-            </a:r>
-            <a:endParaRPr dirty="0"/>
-          </a:p>
-        </p:txBody>
-      </p:sp>
-      <p:sp>
-        <p:nvSpPr>
-          <p:cNvPr id="315" name="Google Shape;315;p28"/>
-          <p:cNvSpPr txBox="1">
-            <a:spLocks noGrp="1"/>
-          </p:cNvSpPr>
-          <p:nvPr>
-            <p:ph type="title" idx="5"/>
-          </p:nvPr>
-        </p:nvSpPr>
-        <p:spPr>
-          <a:xfrm>
-            <a:off x="273411" y="1407495"/>
-            <a:ext cx="700200" cy="447600"/>
-          </a:xfrm>
-          <a:prstGeom prst="rect">
-            <a:avLst/>
-          </a:prstGeom>
-        </p:spPr>
-        <p:txBody>
-          <a:bodyPr spcFirstLastPara="1" wrap="square" lIns="91425" tIns="91425" rIns="91425" bIns="91425" anchor="ctr" anchorCtr="0">
-            <a:noAutofit/>
-          </a:bodyPr>
-          <a:lstStyle/>
-          <a:p>
-            <a:pPr marL="0" lvl="0" indent="0" algn="ctr" rtl="0">
-              <a:spcBef>
-                <a:spcPts val="0"/>
-              </a:spcBef>
-              <a:spcAft>
-                <a:spcPts val="0"/>
-              </a:spcAft>
-              <a:buNone/>
-            </a:pPr>
-            <a:r>
-              <a:rPr lang="en"/>
-              <a:t>01</a:t>
-            </a:r>
-            <a:endParaRPr/>
-          </a:p>
-        </p:txBody>
-      </p:sp>
-      <p:sp>
-        <p:nvSpPr>
-          <p:cNvPr id="316" name="Google Shape;316;p28"/>
-          <p:cNvSpPr txBox="1">
-            <a:spLocks noGrp="1"/>
-          </p:cNvSpPr>
-          <p:nvPr>
-            <p:ph type="title" idx="6"/>
-          </p:nvPr>
-        </p:nvSpPr>
-        <p:spPr>
-          <a:xfrm>
-            <a:off x="4636584" y="1407484"/>
-            <a:ext cx="700200" cy="447600"/>
-          </a:xfrm>
-          <a:prstGeom prst="rect">
-            <a:avLst/>
-          </a:prstGeom>
-        </p:spPr>
-        <p:txBody>
-          <a:bodyPr spcFirstLastPara="1" wrap="square" lIns="91425" tIns="91425" rIns="91425" bIns="91425" anchor="ctr" anchorCtr="0">
-            <a:noAutofit/>
-          </a:bodyPr>
-          <a:lstStyle/>
-          <a:p>
-            <a:pPr marL="0" lvl="0" indent="0" algn="ctr" rtl="0">
-              <a:spcBef>
-                <a:spcPts val="0"/>
-              </a:spcBef>
-              <a:spcAft>
-                <a:spcPts val="0"/>
-              </a:spcAft>
-              <a:buNone/>
-            </a:pPr>
-            <a:r>
-              <a:rPr lang="en" dirty="0"/>
-              <a:t>04</a:t>
-            </a:r>
-            <a:endParaRPr dirty="0"/>
-          </a:p>
-        </p:txBody>
-      </p:sp>
-      <p:sp>
-        <p:nvSpPr>
-          <p:cNvPr id="317" name="Google Shape;317;p28"/>
-          <p:cNvSpPr txBox="1">
-            <a:spLocks noGrp="1"/>
-          </p:cNvSpPr>
-          <p:nvPr>
-            <p:ph type="title" idx="7"/>
-          </p:nvPr>
-        </p:nvSpPr>
-        <p:spPr>
-          <a:xfrm>
-            <a:off x="273423" y="2242518"/>
-            <a:ext cx="700200" cy="447600"/>
-          </a:xfrm>
-          <a:prstGeom prst="rect">
-            <a:avLst/>
-          </a:prstGeom>
-        </p:spPr>
-        <p:txBody>
-          <a:bodyPr spcFirstLastPara="1" wrap="square" lIns="91425" tIns="91425" rIns="91425" bIns="91425" anchor="ctr" anchorCtr="0">
-            <a:noAutofit/>
-          </a:bodyPr>
-          <a:lstStyle/>
-          <a:p>
-            <a:pPr marL="0" lvl="0" indent="0" algn="ctr" rtl="0">
-              <a:spcBef>
-                <a:spcPts val="0"/>
-              </a:spcBef>
-              <a:spcAft>
-                <a:spcPts val="0"/>
-              </a:spcAft>
-              <a:buNone/>
-            </a:pPr>
-            <a:r>
-              <a:rPr lang="en"/>
-              <a:t>02</a:t>
-            </a:r>
-            <a:endParaRPr/>
-          </a:p>
-        </p:txBody>
-      </p:sp>
-      <p:sp>
-        <p:nvSpPr>
-          <p:cNvPr id="318" name="Google Shape;318;p28"/>
-          <p:cNvSpPr txBox="1">
-            <a:spLocks noGrp="1"/>
-          </p:cNvSpPr>
-          <p:nvPr>
-            <p:ph type="title" idx="8"/>
-          </p:nvPr>
-        </p:nvSpPr>
-        <p:spPr>
-          <a:xfrm>
-            <a:off x="4636591" y="2242514"/>
-            <a:ext cx="700200" cy="447600"/>
-          </a:xfrm>
-          <a:prstGeom prst="rect">
-            <a:avLst/>
-          </a:prstGeom>
-        </p:spPr>
-        <p:txBody>
-          <a:bodyPr spcFirstLastPara="1" wrap="square" lIns="91425" tIns="91425" rIns="91425" bIns="91425" anchor="ctr" anchorCtr="0">
-            <a:noAutofit/>
-          </a:bodyPr>
-          <a:lstStyle/>
-          <a:p>
-            <a:pPr marL="0" lvl="0" indent="0" algn="ctr" rtl="0">
-              <a:spcBef>
-                <a:spcPts val="0"/>
-              </a:spcBef>
-              <a:spcAft>
-                <a:spcPts val="0"/>
-              </a:spcAft>
-              <a:buNone/>
-            </a:pPr>
-            <a:r>
-              <a:rPr lang="en" dirty="0"/>
-              <a:t>05</a:t>
-            </a:r>
-            <a:endParaRPr dirty="0"/>
-          </a:p>
-        </p:txBody>
-      </p:sp>
-      <p:sp>
-        <p:nvSpPr>
-          <p:cNvPr id="319" name="Google Shape;319;p28"/>
-          <p:cNvSpPr txBox="1">
-            <a:spLocks noGrp="1"/>
-          </p:cNvSpPr>
-          <p:nvPr>
-            <p:ph type="subTitle" idx="9"/>
-          </p:nvPr>
-        </p:nvSpPr>
-        <p:spPr>
-          <a:xfrm>
-            <a:off x="1033168" y="1213963"/>
-            <a:ext cx="5031600" cy="447600"/>
-          </a:xfrm>
-          <a:prstGeom prst="rect">
-            <a:avLst/>
-          </a:prstGeom>
-        </p:spPr>
-        <p:txBody>
-          <a:bodyPr spcFirstLastPara="1" wrap="square" lIns="91425" tIns="91425" rIns="91425" bIns="91425" anchor="b" anchorCtr="0">
-            <a:noAutofit/>
-          </a:bodyPr>
-          <a:lstStyle/>
-          <a:p>
-            <a:pPr marL="0" lvl="0" indent="0" algn="l" rtl="0">
-              <a:spcBef>
-                <a:spcPts val="0"/>
-              </a:spcBef>
-              <a:spcAft>
-                <a:spcPts val="0"/>
-              </a:spcAft>
-              <a:buNone/>
-            </a:pPr>
-            <a:r>
-              <a:rPr lang="en" dirty="0"/>
-              <a:t>Problem Overview</a:t>
-            </a:r>
-            <a:endParaRPr dirty="0"/>
-          </a:p>
-        </p:txBody>
-      </p:sp>
-      <p:sp>
-        <p:nvSpPr>
-          <p:cNvPr id="320" name="Google Shape;320;p28"/>
-          <p:cNvSpPr txBox="1">
-            <a:spLocks noGrp="1"/>
-          </p:cNvSpPr>
-          <p:nvPr>
-            <p:ph type="subTitle" idx="13"/>
-          </p:nvPr>
-        </p:nvSpPr>
-        <p:spPr>
-          <a:xfrm>
-            <a:off x="1033168" y="2048993"/>
-            <a:ext cx="5031600" cy="447600"/>
-          </a:xfrm>
-          <a:prstGeom prst="rect">
-            <a:avLst/>
-          </a:prstGeom>
-        </p:spPr>
-        <p:txBody>
-          <a:bodyPr spcFirstLastPara="1" wrap="square" lIns="91425" tIns="91425" rIns="91425" bIns="91425" anchor="b" anchorCtr="0">
-            <a:noAutofit/>
-          </a:bodyPr>
-          <a:lstStyle/>
-          <a:p>
-            <a:pPr marL="0" lvl="0" indent="0" algn="l" rtl="0">
-              <a:spcBef>
-                <a:spcPts val="0"/>
-              </a:spcBef>
-              <a:spcAft>
-                <a:spcPts val="0"/>
-              </a:spcAft>
-              <a:buNone/>
-            </a:pPr>
-            <a:r>
-              <a:rPr lang="en" dirty="0"/>
-              <a:t>Background</a:t>
-            </a:r>
-            <a:endParaRPr dirty="0"/>
-          </a:p>
-        </p:txBody>
-      </p:sp>
-      <p:sp>
-        <p:nvSpPr>
-          <p:cNvPr id="321" name="Google Shape;321;p28"/>
-          <p:cNvSpPr txBox="1">
-            <a:spLocks noGrp="1"/>
-          </p:cNvSpPr>
-          <p:nvPr>
-            <p:ph type="subTitle" idx="14"/>
-          </p:nvPr>
-        </p:nvSpPr>
-        <p:spPr>
-          <a:xfrm>
-            <a:off x="5396326" y="1213963"/>
-            <a:ext cx="5031600" cy="447600"/>
-          </a:xfrm>
-          <a:prstGeom prst="rect">
-            <a:avLst/>
-          </a:prstGeom>
-        </p:spPr>
-        <p:txBody>
-          <a:bodyPr spcFirstLastPara="1" wrap="square" lIns="91425" tIns="91425" rIns="91425" bIns="91425" anchor="b" anchorCtr="0">
-            <a:noAutofit/>
-          </a:bodyPr>
-          <a:lstStyle/>
-          <a:p>
-            <a:pPr marL="0" lvl="0" indent="0" algn="l" rtl="0">
-              <a:spcBef>
-                <a:spcPts val="0"/>
-              </a:spcBef>
-              <a:spcAft>
-                <a:spcPts val="0"/>
-              </a:spcAft>
-              <a:buNone/>
-            </a:pPr>
-            <a:r>
-              <a:rPr lang="en" dirty="0"/>
-              <a:t>Algorithm</a:t>
-            </a:r>
-            <a:endParaRPr dirty="0"/>
-          </a:p>
-        </p:txBody>
-      </p:sp>
-      <p:sp>
-        <p:nvSpPr>
-          <p:cNvPr id="322" name="Google Shape;322;p28"/>
-          <p:cNvSpPr txBox="1">
-            <a:spLocks noGrp="1"/>
-          </p:cNvSpPr>
-          <p:nvPr>
-            <p:ph type="subTitle" idx="15"/>
-          </p:nvPr>
-        </p:nvSpPr>
-        <p:spPr>
-          <a:xfrm>
-            <a:off x="5396326" y="2048993"/>
-            <a:ext cx="5031600" cy="447600"/>
-          </a:xfrm>
-          <a:prstGeom prst="rect">
-            <a:avLst/>
-          </a:prstGeom>
-        </p:spPr>
-        <p:txBody>
-          <a:bodyPr spcFirstLastPara="1" wrap="square" lIns="91425" tIns="91425" rIns="91425" bIns="91425" anchor="b" anchorCtr="0">
-            <a:noAutofit/>
-          </a:bodyPr>
-          <a:lstStyle/>
-          <a:p>
-            <a:pPr marL="0" lvl="0" indent="0" algn="l" rtl="0">
-              <a:spcBef>
-                <a:spcPts val="0"/>
-              </a:spcBef>
-              <a:spcAft>
-                <a:spcPts val="0"/>
-              </a:spcAft>
-              <a:buNone/>
-            </a:pPr>
-            <a:r>
-              <a:rPr lang="en" dirty="0"/>
-              <a:t>Analysis and Benchmarking</a:t>
-            </a:r>
-            <a:endParaRPr dirty="0"/>
-          </a:p>
-        </p:txBody>
-      </p:sp>
-      <p:sp>
-        <p:nvSpPr>
-          <p:cNvPr id="9" name="Google Shape;312;p28">
-            <a:extLst>
-              <a:ext uri="{FF2B5EF4-FFF2-40B4-BE49-F238E27FC236}">
-                <a16:creationId xmlns:a16="http://schemas.microsoft.com/office/drawing/2014/main" id="{F1EE9E92-1D64-BCBE-1DC0-D20BEF70B3B9}"/>
-              </a:ext>
-            </a:extLst>
-          </p:cNvPr>
-          <p:cNvSpPr txBox="1">
-            <a:spLocks/>
-          </p:cNvSpPr>
-          <p:nvPr/>
-        </p:nvSpPr>
-        <p:spPr>
-          <a:xfrm>
-            <a:off x="1033168" y="3515770"/>
-            <a:ext cx="3010195" cy="373500"/>
-          </a:xfrm>
-          <a:prstGeom prst="rect">
-            <a:avLst/>
-          </a:prstGeom>
-          <a:noFill/>
-          <a:ln>
-            <a:noFill/>
-          </a:ln>
-        </p:spPr>
-        <p:txBody>
-          <a:bodyPr spcFirstLastPara="1" wrap="square" lIns="91425" tIns="91425" rIns="91425" bIns="91425" anchor="t" anchorCtr="0">
-            <a:noAutofit/>
-          </a:bodyPr>
-          <a:lstStyle>
-            <a:defPPr marR="0" lvl="0" algn="l" rtl="0">
-              <a:lnSpc>
-                <a:spcPct val="100000"/>
-              </a:lnSpc>
-              <a:spcBef>
-                <a:spcPts val="0"/>
-              </a:spcBef>
-              <a:spcAft>
-                <a:spcPts val="0"/>
-              </a:spcAft>
-            </a:defPPr>
-            <a:lvl1pPr marL="457200" marR="0" lvl="0" indent="-317500" algn="l" rtl="0">
-              <a:lnSpc>
-                <a:spcPct val="115000"/>
-              </a:lnSpc>
-              <a:spcBef>
-                <a:spcPts val="0"/>
-              </a:spcBef>
-              <a:spcAft>
-                <a:spcPts val="0"/>
-              </a:spcAft>
-              <a:buClr>
-                <a:schemeClr val="dk1"/>
-              </a:buClr>
-              <a:buSzPts val="1400"/>
-              <a:buFont typeface="Lato"/>
-              <a:buNone/>
-              <a:defRPr sz="1400" b="0" i="0" u="none" strike="noStrike" cap="none">
-                <a:solidFill>
-                  <a:schemeClr val="dk1"/>
-                </a:solidFill>
-                <a:latin typeface="Lato"/>
-                <a:ea typeface="Lato"/>
-                <a:cs typeface="Lato"/>
-                <a:sym typeface="Lato"/>
-              </a:defRPr>
-            </a:lvl1pPr>
-            <a:lvl2pPr marL="914400" marR="0" lvl="1" indent="-317500" algn="ctr" rtl="0">
-              <a:lnSpc>
-                <a:spcPct val="100000"/>
-              </a:lnSpc>
-              <a:spcBef>
-                <a:spcPts val="0"/>
-              </a:spcBef>
-              <a:spcAft>
-                <a:spcPts val="0"/>
-              </a:spcAft>
-              <a:buClr>
-                <a:schemeClr val="dk1"/>
-              </a:buClr>
-              <a:buSzPts val="1400"/>
-              <a:buFont typeface="Lato"/>
-              <a:buNone/>
-              <a:defRPr sz="1400" b="0" i="0" u="none" strike="noStrike" cap="none">
-                <a:solidFill>
-                  <a:schemeClr val="dk1"/>
-                </a:solidFill>
-                <a:latin typeface="Lato"/>
-                <a:ea typeface="Lato"/>
-                <a:cs typeface="Lato"/>
-                <a:sym typeface="Lato"/>
-              </a:defRPr>
-            </a:lvl2pPr>
-            <a:lvl3pPr marL="1371600" marR="0" lvl="2" indent="-317500" algn="ctr" rtl="0">
-              <a:lnSpc>
-                <a:spcPct val="100000"/>
-              </a:lnSpc>
-              <a:spcBef>
-                <a:spcPts val="0"/>
-              </a:spcBef>
-              <a:spcAft>
-                <a:spcPts val="0"/>
-              </a:spcAft>
-              <a:buClr>
-                <a:schemeClr val="dk1"/>
-              </a:buClr>
-              <a:buSzPts val="1400"/>
-              <a:buFont typeface="Lato"/>
-              <a:buNone/>
-              <a:defRPr sz="1400" b="0" i="0" u="none" strike="noStrike" cap="none">
-                <a:solidFill>
-                  <a:schemeClr val="dk1"/>
-                </a:solidFill>
-                <a:latin typeface="Lato"/>
-                <a:ea typeface="Lato"/>
-                <a:cs typeface="Lato"/>
-                <a:sym typeface="Lato"/>
-              </a:defRPr>
-            </a:lvl3pPr>
-            <a:lvl4pPr marL="1828800" marR="0" lvl="3" indent="-317500" algn="ctr" rtl="0">
-              <a:lnSpc>
-                <a:spcPct val="100000"/>
-              </a:lnSpc>
-              <a:spcBef>
-                <a:spcPts val="0"/>
-              </a:spcBef>
-              <a:spcAft>
-                <a:spcPts val="0"/>
-              </a:spcAft>
-              <a:buClr>
-                <a:schemeClr val="dk1"/>
-              </a:buClr>
-              <a:buSzPts val="1400"/>
-              <a:buFont typeface="Lato"/>
-              <a:buNone/>
-              <a:defRPr sz="1400" b="0" i="0" u="none" strike="noStrike" cap="none">
-                <a:solidFill>
-                  <a:schemeClr val="dk1"/>
-                </a:solidFill>
-                <a:latin typeface="Lato"/>
-                <a:ea typeface="Lato"/>
-                <a:cs typeface="Lato"/>
-                <a:sym typeface="Lato"/>
-              </a:defRPr>
-            </a:lvl4pPr>
-            <a:lvl5pPr marL="2286000" marR="0" lvl="4" indent="-317500" algn="ctr" rtl="0">
-              <a:lnSpc>
-                <a:spcPct val="100000"/>
-              </a:lnSpc>
-              <a:spcBef>
-                <a:spcPts val="0"/>
-              </a:spcBef>
-              <a:spcAft>
-                <a:spcPts val="0"/>
-              </a:spcAft>
-              <a:buClr>
-                <a:schemeClr val="dk1"/>
-              </a:buClr>
-              <a:buSzPts val="1400"/>
-              <a:buFont typeface="Lato"/>
-              <a:buNone/>
-              <a:defRPr sz="1400" b="0" i="0" u="none" strike="noStrike" cap="none">
-                <a:solidFill>
-                  <a:schemeClr val="dk1"/>
-                </a:solidFill>
-                <a:latin typeface="Lato"/>
-                <a:ea typeface="Lato"/>
-                <a:cs typeface="Lato"/>
-                <a:sym typeface="Lato"/>
-              </a:defRPr>
-            </a:lvl5pPr>
-            <a:lvl6pPr marL="2743200" marR="0" lvl="5" indent="-317500" algn="ctr" rtl="0">
-              <a:lnSpc>
-                <a:spcPct val="100000"/>
-              </a:lnSpc>
-              <a:spcBef>
-                <a:spcPts val="0"/>
-              </a:spcBef>
-              <a:spcAft>
-                <a:spcPts val="0"/>
-              </a:spcAft>
-              <a:buClr>
-                <a:schemeClr val="dk1"/>
-              </a:buClr>
-              <a:buSzPts val="1400"/>
-              <a:buFont typeface="Lato"/>
-              <a:buNone/>
-              <a:defRPr sz="1400" b="0" i="0" u="none" strike="noStrike" cap="none">
-                <a:solidFill>
-                  <a:schemeClr val="dk1"/>
-                </a:solidFill>
-                <a:latin typeface="Lato"/>
-                <a:ea typeface="Lato"/>
-                <a:cs typeface="Lato"/>
-                <a:sym typeface="Lato"/>
-              </a:defRPr>
-            </a:lvl6pPr>
-            <a:lvl7pPr marL="3200400" marR="0" lvl="6" indent="-317500" algn="ctr" rtl="0">
-              <a:lnSpc>
-                <a:spcPct val="100000"/>
-              </a:lnSpc>
-              <a:spcBef>
-                <a:spcPts val="0"/>
-              </a:spcBef>
-              <a:spcAft>
-                <a:spcPts val="0"/>
-              </a:spcAft>
-              <a:buClr>
-                <a:schemeClr val="dk1"/>
-              </a:buClr>
-              <a:buSzPts val="1400"/>
-              <a:buFont typeface="Lato"/>
-              <a:buNone/>
-              <a:defRPr sz="1400" b="0" i="0" u="none" strike="noStrike" cap="none">
-                <a:solidFill>
-                  <a:schemeClr val="dk1"/>
-                </a:solidFill>
-                <a:latin typeface="Lato"/>
-                <a:ea typeface="Lato"/>
-                <a:cs typeface="Lato"/>
-                <a:sym typeface="Lato"/>
-              </a:defRPr>
-            </a:lvl7pPr>
-            <a:lvl8pPr marL="3657600" marR="0" lvl="7" indent="-317500" algn="ctr" rtl="0">
-              <a:lnSpc>
-                <a:spcPct val="100000"/>
-              </a:lnSpc>
-              <a:spcBef>
-                <a:spcPts val="0"/>
-              </a:spcBef>
-              <a:spcAft>
-                <a:spcPts val="0"/>
-              </a:spcAft>
-              <a:buClr>
-                <a:schemeClr val="dk1"/>
-              </a:buClr>
-              <a:buSzPts val="1400"/>
-              <a:buFont typeface="Lato"/>
-              <a:buNone/>
-              <a:defRPr sz="1400" b="0" i="0" u="none" strike="noStrike" cap="none">
-                <a:solidFill>
-                  <a:schemeClr val="dk1"/>
-                </a:solidFill>
-                <a:latin typeface="Lato"/>
-                <a:ea typeface="Lato"/>
-                <a:cs typeface="Lato"/>
-                <a:sym typeface="Lato"/>
-              </a:defRPr>
-            </a:lvl8pPr>
-            <a:lvl9pPr marL="4114800" marR="0" lvl="8" indent="-317500" algn="ctr" rtl="0">
-              <a:lnSpc>
-                <a:spcPct val="100000"/>
-              </a:lnSpc>
-              <a:spcBef>
-                <a:spcPts val="0"/>
-              </a:spcBef>
-              <a:spcAft>
-                <a:spcPts val="0"/>
-              </a:spcAft>
-              <a:buClr>
-                <a:schemeClr val="dk1"/>
-              </a:buClr>
-              <a:buSzPts val="1400"/>
-              <a:buFont typeface="Lato"/>
-              <a:buNone/>
-              <a:defRPr sz="1400" b="0" i="0" u="none" strike="noStrike" cap="none">
-                <a:solidFill>
-                  <a:schemeClr val="dk1"/>
-                </a:solidFill>
-                <a:latin typeface="Lato"/>
-                <a:ea typeface="Lato"/>
-                <a:cs typeface="Lato"/>
-                <a:sym typeface="Lato"/>
-              </a:defRPr>
-            </a:lvl9pPr>
-          </a:lstStyle>
-          <a:p>
-            <a:pPr marL="0" indent="0"/>
-            <a:r>
-              <a:rPr lang="en-US" dirty="0"/>
-              <a:t>The Data Pipeline</a:t>
-            </a:r>
-          </a:p>
-        </p:txBody>
-      </p:sp>
-      <p:sp>
-        <p:nvSpPr>
-          <p:cNvPr id="10" name="Google Shape;317;p28">
-            <a:extLst>
-              <a:ext uri="{FF2B5EF4-FFF2-40B4-BE49-F238E27FC236}">
-                <a16:creationId xmlns:a16="http://schemas.microsoft.com/office/drawing/2014/main" id="{F2E1C634-9A78-A0F4-4EC3-A28C522A5E65}"/>
-              </a:ext>
-            </a:extLst>
-          </p:cNvPr>
-          <p:cNvSpPr txBox="1">
-            <a:spLocks/>
-          </p:cNvSpPr>
-          <p:nvPr/>
-        </p:nvSpPr>
-        <p:spPr>
-          <a:xfrm>
-            <a:off x="273423" y="3320363"/>
-            <a:ext cx="700200" cy="447600"/>
-          </a:xfrm>
-          <a:prstGeom prst="rect">
-            <a:avLst/>
-          </a:prstGeom>
-          <a:noFill/>
-          <a:ln>
-            <a:noFill/>
-          </a:ln>
-        </p:spPr>
-        <p:txBody>
-          <a:bodyPr spcFirstLastPara="1" wrap="square" lIns="91425" tIns="91425" rIns="91425" bIns="91425" anchor="ctr" anchorCtr="0">
-            <a:noAutofit/>
-          </a:bodyPr>
-          <a:lstStyle>
-            <a:defPPr marR="0" lvl="0" algn="l" rtl="0">
-              <a:lnSpc>
-                <a:spcPct val="100000"/>
-              </a:lnSpc>
-              <a:spcBef>
-                <a:spcPts val="0"/>
-              </a:spcBef>
-              <a:spcAft>
-                <a:spcPts val="0"/>
-              </a:spcAft>
-            </a:defPPr>
-            <a:lvl1pPr marR="0" lvl="0" algn="ctr" rtl="0">
-              <a:lnSpc>
-                <a:spcPct val="100000"/>
-              </a:lnSpc>
-              <a:spcBef>
-                <a:spcPts val="0"/>
-              </a:spcBef>
-              <a:spcAft>
-                <a:spcPts val="0"/>
-              </a:spcAft>
-              <a:buClr>
-                <a:schemeClr val="dk2"/>
-              </a:buClr>
-              <a:buSzPts val="3000"/>
-              <a:buFont typeface="Varela Round"/>
-              <a:buNone/>
-              <a:defRPr sz="2600" b="0" i="0" u="none" strike="noStrike" cap="none">
-                <a:solidFill>
-                  <a:schemeClr val="dk2"/>
-                </a:solidFill>
-                <a:latin typeface="Varela Round"/>
-                <a:ea typeface="Varela Round"/>
-                <a:cs typeface="Varela Round"/>
-                <a:sym typeface="Varela Round"/>
-              </a:defRPr>
-            </a:lvl1pPr>
-            <a:lvl2pPr marR="0" lvl="1" algn="l" rtl="0">
-              <a:lnSpc>
-                <a:spcPct val="100000"/>
-              </a:lnSpc>
-              <a:spcBef>
-                <a:spcPts val="0"/>
-              </a:spcBef>
-              <a:spcAft>
-                <a:spcPts val="0"/>
-              </a:spcAft>
-              <a:buClr>
-                <a:schemeClr val="dk2"/>
-              </a:buClr>
-              <a:buSzPts val="3000"/>
-              <a:buFont typeface="Varela Round"/>
-              <a:buNone/>
-              <a:defRPr sz="3000" b="0" i="0" u="none" strike="noStrike" cap="none">
-                <a:solidFill>
-                  <a:schemeClr val="dk2"/>
-                </a:solidFill>
-                <a:latin typeface="Varela Round"/>
-                <a:ea typeface="Varela Round"/>
-                <a:cs typeface="Varela Round"/>
-                <a:sym typeface="Varela Round"/>
-              </a:defRPr>
-            </a:lvl2pPr>
-            <a:lvl3pPr marR="0" lvl="2" algn="l" rtl="0">
-              <a:lnSpc>
-                <a:spcPct val="100000"/>
-              </a:lnSpc>
-              <a:spcBef>
-                <a:spcPts val="0"/>
-              </a:spcBef>
-              <a:spcAft>
-                <a:spcPts val="0"/>
-              </a:spcAft>
-              <a:buClr>
-                <a:schemeClr val="dk2"/>
-              </a:buClr>
-              <a:buSzPts val="3000"/>
-              <a:buFont typeface="Varela Round"/>
-              <a:buNone/>
-              <a:defRPr sz="3000" b="0" i="0" u="none" strike="noStrike" cap="none">
-                <a:solidFill>
-                  <a:schemeClr val="dk2"/>
-                </a:solidFill>
-                <a:latin typeface="Varela Round"/>
-                <a:ea typeface="Varela Round"/>
-                <a:cs typeface="Varela Round"/>
-                <a:sym typeface="Varela Round"/>
-              </a:defRPr>
-            </a:lvl3pPr>
-            <a:lvl4pPr marR="0" lvl="3" algn="l" rtl="0">
-              <a:lnSpc>
-                <a:spcPct val="100000"/>
-              </a:lnSpc>
-              <a:spcBef>
-                <a:spcPts val="0"/>
-              </a:spcBef>
-              <a:spcAft>
-                <a:spcPts val="0"/>
-              </a:spcAft>
-              <a:buClr>
-                <a:schemeClr val="dk2"/>
-              </a:buClr>
-              <a:buSzPts val="3000"/>
-              <a:buFont typeface="Varela Round"/>
-              <a:buNone/>
-              <a:defRPr sz="3000" b="0" i="0" u="none" strike="noStrike" cap="none">
-                <a:solidFill>
-                  <a:schemeClr val="dk2"/>
-                </a:solidFill>
-                <a:latin typeface="Varela Round"/>
-                <a:ea typeface="Varela Round"/>
-                <a:cs typeface="Varela Round"/>
-                <a:sym typeface="Varela Round"/>
-              </a:defRPr>
-            </a:lvl4pPr>
-            <a:lvl5pPr marR="0" lvl="4" algn="l" rtl="0">
-              <a:lnSpc>
-                <a:spcPct val="100000"/>
-              </a:lnSpc>
-              <a:spcBef>
-                <a:spcPts val="0"/>
-              </a:spcBef>
-              <a:spcAft>
-                <a:spcPts val="0"/>
-              </a:spcAft>
-              <a:buClr>
-                <a:schemeClr val="dk2"/>
-              </a:buClr>
-              <a:buSzPts val="3000"/>
-              <a:buFont typeface="Varela Round"/>
-              <a:buNone/>
-              <a:defRPr sz="3000" b="0" i="0" u="none" strike="noStrike" cap="none">
-                <a:solidFill>
-                  <a:schemeClr val="dk2"/>
-                </a:solidFill>
-                <a:latin typeface="Varela Round"/>
-                <a:ea typeface="Varela Round"/>
-                <a:cs typeface="Varela Round"/>
-                <a:sym typeface="Varela Round"/>
-              </a:defRPr>
-            </a:lvl5pPr>
-            <a:lvl6pPr marR="0" lvl="5" algn="l" rtl="0">
-              <a:lnSpc>
-                <a:spcPct val="100000"/>
-              </a:lnSpc>
-              <a:spcBef>
-                <a:spcPts val="0"/>
-              </a:spcBef>
-              <a:spcAft>
-                <a:spcPts val="0"/>
-              </a:spcAft>
-              <a:buClr>
-                <a:schemeClr val="dk2"/>
-              </a:buClr>
-              <a:buSzPts val="3000"/>
-              <a:buFont typeface="Varela Round"/>
-              <a:buNone/>
-              <a:defRPr sz="3000" b="0" i="0" u="none" strike="noStrike" cap="none">
-                <a:solidFill>
-                  <a:schemeClr val="dk2"/>
-                </a:solidFill>
-                <a:latin typeface="Varela Round"/>
-                <a:ea typeface="Varela Round"/>
-                <a:cs typeface="Varela Round"/>
-                <a:sym typeface="Varela Round"/>
-              </a:defRPr>
-            </a:lvl6pPr>
-            <a:lvl7pPr marR="0" lvl="6" algn="l" rtl="0">
-              <a:lnSpc>
-                <a:spcPct val="100000"/>
-              </a:lnSpc>
-              <a:spcBef>
-                <a:spcPts val="0"/>
-              </a:spcBef>
-              <a:spcAft>
-                <a:spcPts val="0"/>
-              </a:spcAft>
-              <a:buClr>
-                <a:schemeClr val="dk2"/>
-              </a:buClr>
-              <a:buSzPts val="3000"/>
-              <a:buFont typeface="Varela Round"/>
-              <a:buNone/>
-              <a:defRPr sz="3000" b="0" i="0" u="none" strike="noStrike" cap="none">
-                <a:solidFill>
-                  <a:schemeClr val="dk2"/>
-                </a:solidFill>
-                <a:latin typeface="Varela Round"/>
-                <a:ea typeface="Varela Round"/>
-                <a:cs typeface="Varela Round"/>
-                <a:sym typeface="Varela Round"/>
-              </a:defRPr>
-            </a:lvl7pPr>
-            <a:lvl8pPr marR="0" lvl="7" algn="l" rtl="0">
-              <a:lnSpc>
-                <a:spcPct val="100000"/>
-              </a:lnSpc>
-              <a:spcBef>
-                <a:spcPts val="0"/>
-              </a:spcBef>
-              <a:spcAft>
-                <a:spcPts val="0"/>
-              </a:spcAft>
-              <a:buClr>
-                <a:schemeClr val="dk2"/>
-              </a:buClr>
-              <a:buSzPts val="3000"/>
-              <a:buFont typeface="Varela Round"/>
-              <a:buNone/>
-              <a:defRPr sz="3000" b="0" i="0" u="none" strike="noStrike" cap="none">
-                <a:solidFill>
-                  <a:schemeClr val="dk2"/>
-                </a:solidFill>
-                <a:latin typeface="Varela Round"/>
-                <a:ea typeface="Varela Round"/>
-                <a:cs typeface="Varela Round"/>
-                <a:sym typeface="Varela Round"/>
-              </a:defRPr>
-            </a:lvl8pPr>
-            <a:lvl9pPr marR="0" lvl="8" algn="l" rtl="0">
-              <a:lnSpc>
-                <a:spcPct val="100000"/>
-              </a:lnSpc>
-              <a:spcBef>
-                <a:spcPts val="0"/>
-              </a:spcBef>
-              <a:spcAft>
-                <a:spcPts val="0"/>
-              </a:spcAft>
-              <a:buClr>
-                <a:schemeClr val="dk2"/>
-              </a:buClr>
-              <a:buSzPts val="3000"/>
-              <a:buFont typeface="Varela Round"/>
-              <a:buNone/>
-              <a:defRPr sz="3000" b="0" i="0" u="none" strike="noStrike" cap="none">
-                <a:solidFill>
-                  <a:schemeClr val="dk2"/>
-                </a:solidFill>
-                <a:latin typeface="Varela Round"/>
-                <a:ea typeface="Varela Round"/>
-                <a:cs typeface="Varela Round"/>
-                <a:sym typeface="Varela Round"/>
-              </a:defRPr>
-            </a:lvl9pPr>
-          </a:lstStyle>
-          <a:p>
-            <a:r>
-              <a:rPr lang="en" dirty="0"/>
-              <a:t>03</a:t>
-            </a:r>
-          </a:p>
-        </p:txBody>
-      </p:sp>
-      <p:sp>
-        <p:nvSpPr>
-          <p:cNvPr id="11" name="Google Shape;320;p28">
-            <a:extLst>
-              <a:ext uri="{FF2B5EF4-FFF2-40B4-BE49-F238E27FC236}">
-                <a16:creationId xmlns:a16="http://schemas.microsoft.com/office/drawing/2014/main" id="{F19748AC-B10C-4E1C-7556-A519DA770A85}"/>
-              </a:ext>
-            </a:extLst>
-          </p:cNvPr>
-          <p:cNvSpPr txBox="1">
-            <a:spLocks/>
-          </p:cNvSpPr>
-          <p:nvPr/>
-        </p:nvSpPr>
-        <p:spPr>
-          <a:xfrm>
-            <a:off x="1033168" y="3126838"/>
-            <a:ext cx="5031600" cy="447600"/>
-          </a:xfrm>
-          <a:prstGeom prst="rect">
-            <a:avLst/>
-          </a:prstGeom>
-          <a:noFill/>
-          <a:ln>
-            <a:noFill/>
-          </a:ln>
-        </p:spPr>
-        <p:txBody>
-          <a:bodyPr spcFirstLastPara="1" wrap="square" lIns="91425" tIns="91425" rIns="91425" bIns="91425" anchor="b" anchorCtr="0">
-            <a:noAutofit/>
-          </a:bodyPr>
-          <a:lstStyle>
-            <a:defPPr marR="0" lvl="0" algn="l" rtl="0">
-              <a:lnSpc>
-                <a:spcPct val="100000"/>
-              </a:lnSpc>
-              <a:spcBef>
-                <a:spcPts val="0"/>
-              </a:spcBef>
-              <a:spcAft>
-                <a:spcPts val="0"/>
-              </a:spcAft>
-            </a:defPPr>
-            <a:lvl1pPr marL="457200" marR="0" lvl="0" indent="-317500" algn="l" rtl="0">
-              <a:lnSpc>
-                <a:spcPct val="115000"/>
-              </a:lnSpc>
-              <a:spcBef>
-                <a:spcPts val="0"/>
-              </a:spcBef>
-              <a:spcAft>
-                <a:spcPts val="0"/>
-              </a:spcAft>
-              <a:buClr>
-                <a:schemeClr val="dk1"/>
-              </a:buClr>
-              <a:buSzPts val="2000"/>
-              <a:buFont typeface="Varela Round"/>
-              <a:buNone/>
-              <a:defRPr sz="2000" b="0" i="0" u="none" strike="noStrike" cap="none">
-                <a:solidFill>
-                  <a:schemeClr val="dk1"/>
-                </a:solidFill>
-                <a:latin typeface="Varela Round"/>
-                <a:ea typeface="Varela Round"/>
-                <a:cs typeface="Varela Round"/>
-                <a:sym typeface="Varela Round"/>
-              </a:defRPr>
-            </a:lvl1pPr>
-            <a:lvl2pPr marL="914400" marR="0" lvl="1" indent="-317500" algn="l" rtl="0">
-              <a:lnSpc>
-                <a:spcPct val="100000"/>
-              </a:lnSpc>
-              <a:spcBef>
-                <a:spcPts val="0"/>
-              </a:spcBef>
-              <a:spcAft>
-                <a:spcPts val="0"/>
-              </a:spcAft>
-              <a:buClr>
-                <a:schemeClr val="dk1"/>
-              </a:buClr>
-              <a:buSzPts val="2000"/>
-              <a:buFont typeface="Varela Round"/>
-              <a:buNone/>
-              <a:defRPr sz="2000" b="1" i="0" u="none" strike="noStrike" cap="none">
-                <a:solidFill>
-                  <a:schemeClr val="dk1"/>
-                </a:solidFill>
-                <a:latin typeface="Varela Round"/>
-                <a:ea typeface="Varela Round"/>
-                <a:cs typeface="Varela Round"/>
-                <a:sym typeface="Varela Round"/>
-              </a:defRPr>
-            </a:lvl2pPr>
-            <a:lvl3pPr marL="1371600" marR="0" lvl="2" indent="-317500" algn="l" rtl="0">
-              <a:lnSpc>
-                <a:spcPct val="100000"/>
-              </a:lnSpc>
-              <a:spcBef>
-                <a:spcPts val="0"/>
-              </a:spcBef>
-              <a:spcAft>
-                <a:spcPts val="0"/>
-              </a:spcAft>
-              <a:buClr>
-                <a:schemeClr val="dk1"/>
-              </a:buClr>
-              <a:buSzPts val="2000"/>
-              <a:buFont typeface="Varela Round"/>
-              <a:buNone/>
-              <a:defRPr sz="2000" b="1" i="0" u="none" strike="noStrike" cap="none">
-                <a:solidFill>
-                  <a:schemeClr val="dk1"/>
-                </a:solidFill>
-                <a:latin typeface="Varela Round"/>
-                <a:ea typeface="Varela Round"/>
-                <a:cs typeface="Varela Round"/>
-                <a:sym typeface="Varela Round"/>
-              </a:defRPr>
-            </a:lvl3pPr>
-            <a:lvl4pPr marL="1828800" marR="0" lvl="3" indent="-317500" algn="l" rtl="0">
-              <a:lnSpc>
-                <a:spcPct val="100000"/>
-              </a:lnSpc>
-              <a:spcBef>
-                <a:spcPts val="0"/>
-              </a:spcBef>
-              <a:spcAft>
-                <a:spcPts val="0"/>
-              </a:spcAft>
-              <a:buClr>
-                <a:schemeClr val="dk1"/>
-              </a:buClr>
-              <a:buSzPts val="2000"/>
-              <a:buFont typeface="Varela Round"/>
-              <a:buNone/>
-              <a:defRPr sz="2000" b="1" i="0" u="none" strike="noStrike" cap="none">
-                <a:solidFill>
-                  <a:schemeClr val="dk1"/>
-                </a:solidFill>
-                <a:latin typeface="Varela Round"/>
-                <a:ea typeface="Varela Round"/>
-                <a:cs typeface="Varela Round"/>
-                <a:sym typeface="Varela Round"/>
-              </a:defRPr>
-            </a:lvl4pPr>
-            <a:lvl5pPr marL="2286000" marR="0" lvl="4" indent="-317500" algn="l" rtl="0">
-              <a:lnSpc>
-                <a:spcPct val="100000"/>
-              </a:lnSpc>
-              <a:spcBef>
-                <a:spcPts val="0"/>
-              </a:spcBef>
-              <a:spcAft>
-                <a:spcPts val="0"/>
-              </a:spcAft>
-              <a:buClr>
-                <a:schemeClr val="dk1"/>
-              </a:buClr>
-              <a:buSzPts val="2000"/>
-              <a:buFont typeface="Varela Round"/>
-              <a:buNone/>
-              <a:defRPr sz="2000" b="1" i="0" u="none" strike="noStrike" cap="none">
-                <a:solidFill>
-                  <a:schemeClr val="dk1"/>
-                </a:solidFill>
-                <a:latin typeface="Varela Round"/>
-                <a:ea typeface="Varela Round"/>
-                <a:cs typeface="Varela Round"/>
-                <a:sym typeface="Varela Round"/>
-              </a:defRPr>
-            </a:lvl5pPr>
-            <a:lvl6pPr marL="2743200" marR="0" lvl="5" indent="-317500" algn="l" rtl="0">
-              <a:lnSpc>
-                <a:spcPct val="100000"/>
-              </a:lnSpc>
-              <a:spcBef>
-                <a:spcPts val="0"/>
-              </a:spcBef>
-              <a:spcAft>
-                <a:spcPts val="0"/>
-              </a:spcAft>
-              <a:buClr>
-                <a:schemeClr val="dk1"/>
-              </a:buClr>
-              <a:buSzPts val="2000"/>
-              <a:buFont typeface="Varela Round"/>
-              <a:buNone/>
-              <a:defRPr sz="2000" b="1" i="0" u="none" strike="noStrike" cap="none">
-                <a:solidFill>
-                  <a:schemeClr val="dk1"/>
-                </a:solidFill>
-                <a:latin typeface="Varela Round"/>
-                <a:ea typeface="Varela Round"/>
-                <a:cs typeface="Varela Round"/>
-                <a:sym typeface="Varela Round"/>
-              </a:defRPr>
-            </a:lvl6pPr>
-            <a:lvl7pPr marL="3200400" marR="0" lvl="6" indent="-317500" algn="l" rtl="0">
-              <a:lnSpc>
-                <a:spcPct val="100000"/>
-              </a:lnSpc>
-              <a:spcBef>
-                <a:spcPts val="0"/>
-              </a:spcBef>
-              <a:spcAft>
-                <a:spcPts val="0"/>
-              </a:spcAft>
-              <a:buClr>
-                <a:schemeClr val="dk1"/>
-              </a:buClr>
-              <a:buSzPts val="2000"/>
-              <a:buFont typeface="Varela Round"/>
-              <a:buNone/>
-              <a:defRPr sz="2000" b="1" i="0" u="none" strike="noStrike" cap="none">
-                <a:solidFill>
-                  <a:schemeClr val="dk1"/>
-                </a:solidFill>
-                <a:latin typeface="Varela Round"/>
-                <a:ea typeface="Varela Round"/>
-                <a:cs typeface="Varela Round"/>
-                <a:sym typeface="Varela Round"/>
-              </a:defRPr>
-            </a:lvl7pPr>
-            <a:lvl8pPr marL="3657600" marR="0" lvl="7" indent="-317500" algn="l" rtl="0">
-              <a:lnSpc>
-                <a:spcPct val="100000"/>
-              </a:lnSpc>
-              <a:spcBef>
-                <a:spcPts val="0"/>
-              </a:spcBef>
-              <a:spcAft>
-                <a:spcPts val="0"/>
-              </a:spcAft>
-              <a:buClr>
-                <a:schemeClr val="dk1"/>
-              </a:buClr>
-              <a:buSzPts val="2000"/>
-              <a:buFont typeface="Varela Round"/>
-              <a:buNone/>
-              <a:defRPr sz="2000" b="1" i="0" u="none" strike="noStrike" cap="none">
-                <a:solidFill>
-                  <a:schemeClr val="dk1"/>
-                </a:solidFill>
-                <a:latin typeface="Varela Round"/>
-                <a:ea typeface="Varela Round"/>
-                <a:cs typeface="Varela Round"/>
-                <a:sym typeface="Varela Round"/>
-              </a:defRPr>
-            </a:lvl8pPr>
-            <a:lvl9pPr marL="4114800" marR="0" lvl="8" indent="-317500" algn="l" rtl="0">
-              <a:lnSpc>
-                <a:spcPct val="100000"/>
-              </a:lnSpc>
-              <a:spcBef>
-                <a:spcPts val="0"/>
-              </a:spcBef>
-              <a:spcAft>
-                <a:spcPts val="0"/>
-              </a:spcAft>
-              <a:buClr>
-                <a:schemeClr val="dk1"/>
-              </a:buClr>
-              <a:buSzPts val="2000"/>
-              <a:buFont typeface="Varela Round"/>
-              <a:buNone/>
-              <a:defRPr sz="2000" b="1" i="0" u="none" strike="noStrike" cap="none">
-                <a:solidFill>
-                  <a:schemeClr val="dk1"/>
-                </a:solidFill>
-                <a:latin typeface="Varela Round"/>
-                <a:ea typeface="Varela Round"/>
-                <a:cs typeface="Varela Round"/>
-                <a:sym typeface="Varela Round"/>
-              </a:defRPr>
-            </a:lvl9pPr>
-          </a:lstStyle>
-          <a:p>
-            <a:pPr marL="0" indent="0"/>
-            <a:r>
-              <a:rPr lang="en-US" dirty="0"/>
-              <a:t>Data Processing</a:t>
-            </a:r>
-          </a:p>
-        </p:txBody>
-      </p:sp>
-    </p:spTree>
-  </p:cSld>
-  <p:clrMapOvr>
-    <a:masterClrMapping/>
-  </p:clrMapOvr>
-</p:sld>
-</file>
-
-<file path=ppt/slides/slide20.xml><?xml version="1.0" encoding="utf-8"?>
+<file path=ppt/slides/slide21.xml><?xml version="1.0" encoding="utf-8"?>
 <p:sld xmlns:a="http://schemas.openxmlformats.org/drawingml/2006/main" xmlns:r="http://schemas.openxmlformats.org/officeDocument/2006/relationships" xmlns:p="http://schemas.openxmlformats.org/presentationml/2006/main">
   <p:cSld>
     <p:spTree>
@@ -38905,7 +39518,43 @@
                             <a:ea typeface="Times New Roman" panose="02020603050405020304" pitchFamily="18" charset="0"/>
                             <a:cs typeface="Arial" panose="020B0604020202020204" pitchFamily="34" charset="0"/>
                           </a:rPr>
-                          <m:t>0,0,0</m:t>
+                          <m:t>0</m:t>
+                        </m:r>
+                        <m:r>
+                          <a:rPr lang="en-US" sz="1400" i="1">
+                            <a:effectLst/>
+                            <a:latin typeface="Cambria Math" panose="02040503050406030204" pitchFamily="18" charset="0"/>
+                            <a:ea typeface="Times New Roman" panose="02020603050405020304" pitchFamily="18" charset="0"/>
+                            <a:cs typeface="Arial" panose="020B0604020202020204" pitchFamily="34" charset="0"/>
+                          </a:rPr>
+                          <m:t>,</m:t>
+                        </m:r>
+                        <m:r>
+                          <a:rPr lang="en-US" sz="1400" i="1">
+                            <a:effectLst/>
+                            <a:latin typeface="Cambria Math" panose="02040503050406030204" pitchFamily="18" charset="0"/>
+                            <a:ea typeface="Times New Roman" panose="02020603050405020304" pitchFamily="18" charset="0"/>
+                            <a:cs typeface="Arial" panose="020B0604020202020204" pitchFamily="34" charset="0"/>
+                          </a:rPr>
+                          <m:t>0</m:t>
+                        </m:r>
+                        <m:r>
+                          <a:rPr lang="en-US" sz="1400" i="1">
+                            <a:effectLst/>
+                            <a:latin typeface="Cambria Math" panose="02040503050406030204" pitchFamily="18" charset="0"/>
+                            <a:ea typeface="Times New Roman" panose="02020603050405020304" pitchFamily="18" charset="0"/>
+                            <a:cs typeface="Arial" panose="020B0604020202020204" pitchFamily="34" charset="0"/>
+                          </a:rPr>
+                          <m:t>,</m:t>
+                        </m:r>
+                        <m:r>
+                          <a:rPr lang="en-US" sz="1400" i="1">
+                            <a:effectLst/>
+                            <a:latin typeface="Cambria Math" panose="02040503050406030204" pitchFamily="18" charset="0"/>
+                            <a:ea typeface="Times New Roman" panose="02020603050405020304" pitchFamily="18" charset="0"/>
+                            <a:cs typeface="Arial" panose="020B0604020202020204" pitchFamily="34" charset="0"/>
+                          </a:rPr>
+                          <m:t>0</m:t>
                         </m:r>
                       </m:sub>
                     </m:sSub>
@@ -38982,7 +39631,43 @@
                               <a:ea typeface="Times New Roman" panose="02020603050405020304" pitchFamily="18" charset="0"/>
                               <a:cs typeface="Arial" panose="020B0604020202020204" pitchFamily="34" charset="0"/>
                             </a:rPr>
-                            <m:t>0,0,0</m:t>
+                            <m:t>0</m:t>
+                          </m:r>
+                          <m:r>
+                            <a:rPr lang="en-US" sz="1400" i="1">
+                              <a:effectLst/>
+                              <a:latin typeface="Cambria Math" panose="02040503050406030204" pitchFamily="18" charset="0"/>
+                              <a:ea typeface="Times New Roman" panose="02020603050405020304" pitchFamily="18" charset="0"/>
+                              <a:cs typeface="Arial" panose="020B0604020202020204" pitchFamily="34" charset="0"/>
+                            </a:rPr>
+                            <m:t>,</m:t>
+                          </m:r>
+                          <m:r>
+                            <a:rPr lang="en-US" sz="1400" i="1">
+                              <a:effectLst/>
+                              <a:latin typeface="Cambria Math" panose="02040503050406030204" pitchFamily="18" charset="0"/>
+                              <a:ea typeface="Times New Roman" panose="02020603050405020304" pitchFamily="18" charset="0"/>
+                              <a:cs typeface="Arial" panose="020B0604020202020204" pitchFamily="34" charset="0"/>
+                            </a:rPr>
+                            <m:t>0</m:t>
+                          </m:r>
+                          <m:r>
+                            <a:rPr lang="en-US" sz="1400" i="1">
+                              <a:effectLst/>
+                              <a:latin typeface="Cambria Math" panose="02040503050406030204" pitchFamily="18" charset="0"/>
+                              <a:ea typeface="Times New Roman" panose="02020603050405020304" pitchFamily="18" charset="0"/>
+                              <a:cs typeface="Arial" panose="020B0604020202020204" pitchFamily="34" charset="0"/>
+                            </a:rPr>
+                            <m:t>,</m:t>
+                          </m:r>
+                          <m:r>
+                            <a:rPr lang="en-US" sz="1400" i="1">
+                              <a:effectLst/>
+                              <a:latin typeface="Cambria Math" panose="02040503050406030204" pitchFamily="18" charset="0"/>
+                              <a:ea typeface="Times New Roman" panose="02020603050405020304" pitchFamily="18" charset="0"/>
+                              <a:cs typeface="Arial" panose="020B0604020202020204" pitchFamily="34" charset="0"/>
+                            </a:rPr>
+                            <m:t>0</m:t>
                           </m:r>
                         </m:sub>
                       </m:sSub>
@@ -39025,7 +39710,16 @@
                               <a:ea typeface="Times New Roman" panose="02020603050405020304" pitchFamily="18" charset="0"/>
                               <a:cs typeface="Arial" panose="020B0604020202020204" pitchFamily="34" charset="0"/>
                             </a:rPr>
-                            <m:t>1,</m:t>
+                            <m:t>1</m:t>
+                          </m:r>
+                          <m:r>
+                            <a:rPr lang="en-US" sz="1400" i="1">
+                              <a:effectLst/>
+                              <a:latin typeface="Cambria Math" panose="02040503050406030204" pitchFamily="18" charset="0"/>
+                              <a:ea typeface="Times New Roman" panose="02020603050405020304" pitchFamily="18" charset="0"/>
+                              <a:cs typeface="Arial" panose="020B0604020202020204" pitchFamily="34" charset="0"/>
+                            </a:rPr>
+                            <m:t>,</m:t>
                           </m:r>
                           <m:sSub>
                             <m:sSubPr>
@@ -39145,7 +39839,16 @@
                               <a:ea typeface="Times New Roman" panose="02020603050405020304" pitchFamily="18" charset="0"/>
                               <a:cs typeface="Arial" panose="020B0604020202020204" pitchFamily="34" charset="0"/>
                             </a:rPr>
-                            <m:t>2,</m:t>
+                            <m:t>2</m:t>
+                          </m:r>
+                          <m:r>
+                            <a:rPr lang="en-US" sz="1400" i="1">
+                              <a:effectLst/>
+                              <a:latin typeface="Cambria Math" panose="02040503050406030204" pitchFamily="18" charset="0"/>
+                              <a:ea typeface="Times New Roman" panose="02020603050405020304" pitchFamily="18" charset="0"/>
+                              <a:cs typeface="Arial" panose="020B0604020202020204" pitchFamily="34" charset="0"/>
+                            </a:rPr>
+                            <m:t>,</m:t>
                           </m:r>
                           <m:sSub>
                             <m:sSubPr>
@@ -39265,7 +39968,16 @@
                               <a:ea typeface="Times New Roman" panose="02020603050405020304" pitchFamily="18" charset="0"/>
                               <a:cs typeface="Arial" panose="020B0604020202020204" pitchFamily="34" charset="0"/>
                             </a:rPr>
-                            <m:t>3,</m:t>
+                            <m:t>3</m:t>
+                          </m:r>
+                          <m:r>
+                            <a:rPr lang="en-US" sz="1400" i="1">
+                              <a:effectLst/>
+                              <a:latin typeface="Cambria Math" panose="02040503050406030204" pitchFamily="18" charset="0"/>
+                              <a:ea typeface="Times New Roman" panose="02020603050405020304" pitchFamily="18" charset="0"/>
+                              <a:cs typeface="Arial" panose="020B0604020202020204" pitchFamily="34" charset="0"/>
+                            </a:rPr>
+                            <m:t>,</m:t>
                           </m:r>
                           <m:sSub>
                             <m:sSubPr>
@@ -39394,7 +40106,25 @@
                               <a:ea typeface="Times New Roman" panose="02020603050405020304" pitchFamily="18" charset="0"/>
                               <a:cs typeface="Arial" panose="020B0604020202020204" pitchFamily="34" charset="0"/>
                             </a:rPr>
-                            <m:t>−1,</m:t>
+                            <m:t>−</m:t>
+                          </m:r>
+                          <m:r>
+                            <a:rPr lang="en-US" sz="1400" i="1">
+                              <a:effectLst/>
+                              <a:latin typeface="Cambria Math" panose="02040503050406030204" pitchFamily="18" charset="0"/>
+                              <a:ea typeface="Times New Roman" panose="02020603050405020304" pitchFamily="18" charset="0"/>
+                              <a:cs typeface="Arial" panose="020B0604020202020204" pitchFamily="34" charset="0"/>
+                            </a:rPr>
+                            <m:t>1</m:t>
+                          </m:r>
+                          <m:r>
+                            <a:rPr lang="en-US" sz="1400" i="1">
+                              <a:effectLst/>
+                              <a:latin typeface="Cambria Math" panose="02040503050406030204" pitchFamily="18" charset="0"/>
+                              <a:ea typeface="Times New Roman" panose="02020603050405020304" pitchFamily="18" charset="0"/>
+                              <a:cs typeface="Arial" panose="020B0604020202020204" pitchFamily="34" charset="0"/>
+                            </a:rPr>
+                            <m:t>,</m:t>
                           </m:r>
                           <m:sSub>
                             <m:sSubPr>
@@ -39435,7 +40165,16 @@
                                   <a:ea typeface="Times New Roman" panose="02020603050405020304" pitchFamily="18" charset="0"/>
                                   <a:cs typeface="Arial" panose="020B0604020202020204" pitchFamily="34" charset="0"/>
                                 </a:rPr>
-                                <m:t>−1</m:t>
+                                <m:t>−</m:t>
+                              </m:r>
+                              <m:r>
+                                <a:rPr lang="en-US" sz="1400" i="1">
+                                  <a:effectLst/>
+                                  <a:latin typeface="Cambria Math" panose="02040503050406030204" pitchFamily="18" charset="0"/>
+                                  <a:ea typeface="Times New Roman" panose="02020603050405020304" pitchFamily="18" charset="0"/>
+                                  <a:cs typeface="Arial" panose="020B0604020202020204" pitchFamily="34" charset="0"/>
+                                </a:rPr>
+                                <m:t>1</m:t>
                               </m:r>
                             </m:sub>
                           </m:sSub>
@@ -39487,7 +40226,16 @@
                                   <a:ea typeface="Times New Roman" panose="02020603050405020304" pitchFamily="18" charset="0"/>
                                   <a:cs typeface="Arial" panose="020B0604020202020204" pitchFamily="34" charset="0"/>
                                 </a:rPr>
-                                <m:t>−1</m:t>
+                                <m:t>−</m:t>
+                              </m:r>
+                              <m:r>
+                                <a:rPr lang="en-US" sz="1400" i="1">
+                                  <a:effectLst/>
+                                  <a:latin typeface="Cambria Math" panose="02040503050406030204" pitchFamily="18" charset="0"/>
+                                  <a:ea typeface="Times New Roman" panose="02020603050405020304" pitchFamily="18" charset="0"/>
+                                  <a:cs typeface="Arial" panose="020B0604020202020204" pitchFamily="34" charset="0"/>
+                                </a:rPr>
+                                <m:t>1</m:t>
                               </m:r>
                             </m:sub>
                           </m:sSub>
@@ -39559,7 +40307,25 @@
                               <a:ea typeface="Times New Roman" panose="02020603050405020304" pitchFamily="18" charset="0"/>
                               <a:cs typeface="Arial" panose="020B0604020202020204" pitchFamily="34" charset="0"/>
                             </a:rPr>
-                            <m:t>−1,</m:t>
+                            <m:t>−</m:t>
+                          </m:r>
+                          <m:r>
+                            <a:rPr lang="en-US" sz="1400" i="1">
+                              <a:effectLst/>
+                              <a:latin typeface="Cambria Math" panose="02040503050406030204" pitchFamily="18" charset="0"/>
+                              <a:ea typeface="Times New Roman" panose="02020603050405020304" pitchFamily="18" charset="0"/>
+                              <a:cs typeface="Arial" panose="020B0604020202020204" pitchFamily="34" charset="0"/>
+                            </a:rPr>
+                            <m:t>1</m:t>
+                          </m:r>
+                          <m:r>
+                            <a:rPr lang="en-US" sz="1400" i="1">
+                              <a:effectLst/>
+                              <a:latin typeface="Cambria Math" panose="02040503050406030204" pitchFamily="18" charset="0"/>
+                              <a:ea typeface="Times New Roman" panose="02020603050405020304" pitchFamily="18" charset="0"/>
+                              <a:cs typeface="Arial" panose="020B0604020202020204" pitchFamily="34" charset="0"/>
+                            </a:rPr>
+                            <m:t>,</m:t>
                           </m:r>
                           <m:r>
                             <a:rPr lang="en-US" sz="1400" i="1">
@@ -39577,7 +40343,16 @@
                               <a:ea typeface="Times New Roman" panose="02020603050405020304" pitchFamily="18" charset="0"/>
                               <a:cs typeface="Arial" panose="020B0604020202020204" pitchFamily="34" charset="0"/>
                             </a:rPr>
-                            <m:t>−1</m:t>
+                            <m:t>−</m:t>
+                          </m:r>
+                          <m:r>
+                            <a:rPr lang="en-US" sz="1400" i="1">
+                              <a:effectLst/>
+                              <a:latin typeface="Cambria Math" panose="02040503050406030204" pitchFamily="18" charset="0"/>
+                              <a:ea typeface="Times New Roman" panose="02020603050405020304" pitchFamily="18" charset="0"/>
+                              <a:cs typeface="Arial" panose="020B0604020202020204" pitchFamily="34" charset="0"/>
+                            </a:rPr>
+                            <m:t>1</m:t>
                           </m:r>
                         </m:sub>
                       </m:sSub>
@@ -39652,7 +40427,7 @@
 </p:sld>
 </file>
 
-<file path=ppt/slides/slide21.xml><?xml version="1.0" encoding="utf-8"?>
+<file path=ppt/slides/slide22.xml><?xml version="1.0" encoding="utf-8"?>
 <p:sld xmlns:a="http://schemas.openxmlformats.org/drawingml/2006/main" xmlns:r="http://schemas.openxmlformats.org/officeDocument/2006/relationships" xmlns:p="http://schemas.openxmlformats.org/presentationml/2006/main">
   <p:cSld>
     <p:spTree>
@@ -39705,14 +40480,14 @@
             </a:pPr>
             <a:r>
               <a:rPr lang="en-US" dirty="0"/>
-              <a:t>Algorithm – BMC &amp; Reconstruction</a:t>
+              <a:t>Algorithm – BMC</a:t>
             </a:r>
             <a:endParaRPr dirty="0"/>
           </a:p>
         </p:txBody>
       </p:sp>
-      <mc:AlternateContent xmlns:mc="http://schemas.openxmlformats.org/markup-compatibility/2006" xmlns:a14="http://schemas.microsoft.com/office/drawing/2010/main">
-        <mc:Choice Requires="a14">
+      <mc:AlternateContent xmlns:mc="http://schemas.openxmlformats.org/markup-compatibility/2006">
+        <mc:Choice xmlns:a14="http://schemas.microsoft.com/office/drawing/2010/main" Requires="a14">
           <p:sp>
             <p:nvSpPr>
               <p:cNvPr id="342" name="Google Shape;342;p31"/>
@@ -39725,8 +40500,8 @@
             </p:nvSpPr>
             <p:spPr>
               <a:xfrm>
-                <a:off x="498786" y="1334664"/>
-                <a:ext cx="6130613" cy="1365674"/>
+                <a:off x="498786" y="1334663"/>
+                <a:ext cx="4627691" cy="3295645"/>
               </a:xfrm>
               <a:prstGeom prst="rect">
                 <a:avLst/>
@@ -39741,7 +40516,14 @@
                 <a:pPr marL="285750" indent="-285750"/>
                 <a:r>
                   <a:rPr lang="en-US" dirty="0"/>
-                  <a:t>The algorithm is bounded by the path maximum length (denoted as </a:t>
+                  <a:t>The pathfinding algorithm is bounded</a:t>
+                </a:r>
+                <a:br>
+                  <a:rPr lang="en-US" dirty="0"/>
+                </a:br>
+                <a:r>
+                  <a:rPr lang="en-US" dirty="0"/>
+                  <a:t> by the path maximum length (denoted as </a:t>
                 </a:r>
                 <a14:m>
                   <m:oMath xmlns:m="http://schemas.openxmlformats.org/officeDocument/2006/math">
@@ -39755,14 +40537,20 @@
                 </a14:m>
                 <a:r>
                   <a:rPr lang="en-US" dirty="0"/>
-                  <a:t>).</a:t>
+                  <a:t>)</a:t>
                 </a:r>
+              </a:p>
+              <a:p>
+                <a:pPr marL="0" indent="0">
+                  <a:buNone/>
+                </a:pPr>
+                <a:endParaRPr lang="en-US" dirty="0"/>
               </a:p>
               <a:p>
                 <a:pPr marL="285750" indent="-285750"/>
                 <a:r>
                   <a:rPr lang="en-US" dirty="0"/>
-                  <a:t>The algorithm begins with </a:t>
+                  <a:t>The algorithm initially begins with </a:t>
                 </a:r>
                 <a14:m>
                   <m:oMath xmlns:m="http://schemas.openxmlformats.org/officeDocument/2006/math">
@@ -39776,7 +40564,13 @@
                       <a:rPr lang="en-US" b="0" i="1" smtClean="0">
                         <a:latin typeface="Cambria Math" panose="02040503050406030204" pitchFamily="18" charset="0"/>
                       </a:rPr>
-                      <m:t>=2</m:t>
+                      <m:t>=</m:t>
+                    </m:r>
+                    <m:r>
+                      <a:rPr lang="en-US" b="0" i="1" smtClean="0">
+                        <a:latin typeface="Cambria Math" panose="02040503050406030204" pitchFamily="18" charset="0"/>
+                      </a:rPr>
+                      <m:t>2</m:t>
                     </m:r>
                     <m:r>
                       <a:rPr lang="en-US" b="0" i="1" smtClean="0">
@@ -39788,18 +40582,92 @@
                       <a:rPr lang="en-US" b="0" i="1" smtClean="0">
                         <a:latin typeface="Cambria Math" panose="02040503050406030204" pitchFamily="18" charset="0"/>
                       </a:rPr>
-                      <m:t>−1</m:t>
+                      <m:t>−</m:t>
+                    </m:r>
+                    <m:r>
+                      <a:rPr lang="en-US" b="0" i="1" smtClean="0">
+                        <a:latin typeface="Cambria Math" panose="02040503050406030204" pitchFamily="18" charset="0"/>
+                      </a:rPr>
+                      <m:t>1</m:t>
                     </m:r>
                   </m:oMath>
                 </a14:m>
                 <a:endParaRPr lang="en-US" dirty="0"/>
               </a:p>
               <a:p>
+                <a:pPr marL="0" indent="0">
+                  <a:buNone/>
+                </a:pPr>
+                <a:endParaRPr lang="he-IL" dirty="0"/>
+              </a:p>
+              <a:p>
                 <a:pPr marL="285750" indent="-285750"/>
                 <a:r>
                   <a:rPr lang="en-US" dirty="0"/>
-                  <a:t>Algorithm iterates, seeking solution until bound 𝐾 is reached</a:t>
+                  <a:t>The algorithm generates a formula for each </a:t>
                 </a:r>
+                <a14:m>
+                  <m:oMath xmlns:m="http://schemas.openxmlformats.org/officeDocument/2006/math">
+                    <m:r>
+                      <a:rPr lang="en-US" b="0" i="1" smtClean="0">
+                        <a:latin typeface="Cambria Math" panose="02040503050406030204" pitchFamily="18" charset="0"/>
+                      </a:rPr>
+                      <m:t>𝑘</m:t>
+                    </m:r>
+                  </m:oMath>
+                </a14:m>
+                <a:endParaRPr lang="en-US" dirty="0"/>
+              </a:p>
+              <a:p>
+                <a:pPr marL="0" indent="0">
+                  <a:buNone/>
+                </a:pPr>
+                <a:endParaRPr lang="en-US" dirty="0"/>
+              </a:p>
+              <a:p>
+                <a:pPr marL="285750" indent="-285750"/>
+                <a:r>
+                  <a:rPr lang="en-US" dirty="0"/>
+                  <a:t>The algorithm has three stop conditions</a:t>
+                </a:r>
+              </a:p>
+              <a:p>
+                <a:pPr marL="742950" lvl="1" indent="-285750"/>
+                <a:r>
+                  <a:rPr lang="en-US" dirty="0"/>
+                  <a:t>A path was found</a:t>
+                </a:r>
+              </a:p>
+              <a:p>
+                <a:pPr marL="742950" lvl="1" indent="-285750"/>
+                <a:r>
+                  <a:rPr lang="en-US" dirty="0"/>
+                  <a:t>The path’s length has exceeded </a:t>
+                </a:r>
+                <a14:m>
+                  <m:oMath xmlns:m="http://schemas.openxmlformats.org/officeDocument/2006/math">
+                    <m:r>
+                      <a:rPr lang="en-US" b="0" i="1" smtClean="0">
+                        <a:latin typeface="Cambria Math" panose="02040503050406030204" pitchFamily="18" charset="0"/>
+                      </a:rPr>
+                      <m:t>𝐾</m:t>
+                    </m:r>
+                  </m:oMath>
+                </a14:m>
+                <a:endParaRPr lang="en-US" dirty="0"/>
+              </a:p>
+              <a:p>
+                <a:pPr marL="742950" lvl="1" indent="-285750"/>
+                <a:r>
+                  <a:rPr lang="en-US" dirty="0"/>
+                  <a:t>The timeout period has elapsed</a:t>
+                </a:r>
+              </a:p>
+              <a:p>
+                <a:pPr marL="457200" lvl="1" indent="0">
+                  <a:buNone/>
+                </a:pPr>
+                <a:endParaRPr lang="en-US" dirty="0"/>
               </a:p>
               <a:p>
                 <a:pPr marL="285750" indent="-285750"/>
@@ -39819,7 +40687,7 @@
             </p:txBody>
           </p:sp>
         </mc:Choice>
-        <mc:Fallback xmlns="">
+        <mc:Fallback>
           <p:sp>
             <p:nvSpPr>
               <p:cNvPr id="342" name="Google Shape;342;p31"/>
@@ -39832,8 +40700,8 @@
             </p:nvSpPr>
             <p:spPr>
               <a:xfrm>
-                <a:off x="498786" y="1334664"/>
-                <a:ext cx="6130613" cy="1365674"/>
+                <a:off x="498786" y="1334663"/>
+                <a:ext cx="4627691" cy="3295645"/>
               </a:xfrm>
               <a:prstGeom prst="rect">
                 <a:avLst/>
@@ -39841,7 +40709,7 @@
               <a:blipFill>
                 <a:blip r:embed="rId3"/>
                 <a:stretch>
-                  <a:fillRect l="-100"/>
+                  <a:fillRect l="-132"/>
                 </a:stretch>
               </a:blipFill>
             </p:spPr>
@@ -39860,1125 +40728,73 @@
           </p:sp>
         </mc:Fallback>
       </mc:AlternateContent>
-      <mc:AlternateContent xmlns:mc="http://schemas.openxmlformats.org/markup-compatibility/2006" xmlns:a14="http://schemas.microsoft.com/office/drawing/2010/main">
-        <mc:Choice Requires="a14">
-          <p:sp>
-            <p:nvSpPr>
-              <p:cNvPr id="3" name="TextBox 2">
-                <a:extLst>
-                  <a:ext uri="{FF2B5EF4-FFF2-40B4-BE49-F238E27FC236}">
-                    <a16:creationId xmlns:a16="http://schemas.microsoft.com/office/drawing/2014/main" id="{D67E581C-8274-CE9B-73E6-2930AB876CF4}"/>
-                  </a:ext>
-                </a:extLst>
-              </p:cNvPr>
-              <p:cNvSpPr txBox="1"/>
-              <p:nvPr/>
-            </p:nvSpPr>
-            <p:spPr>
-              <a:xfrm>
-                <a:off x="1965722" y="2500313"/>
-                <a:ext cx="5212556" cy="391582"/>
-              </a:xfrm>
-              <a:prstGeom prst="rect">
-                <a:avLst/>
-              </a:prstGeom>
-              <a:noFill/>
-            </p:spPr>
-            <p:txBody>
-              <a:bodyPr wrap="square">
-                <a:spAutoFit/>
-              </a:bodyPr>
-              <a:lstStyle/>
-              <a:p>
-                <a:pPr/>
-                <a14:m>
-                  <m:oMathPara xmlns:m="http://schemas.openxmlformats.org/officeDocument/2006/math">
-                    <m:oMathParaPr>
-                      <m:jc m:val="centerGroup"/>
-                    </m:oMathParaPr>
-                    <m:oMath xmlns:m="http://schemas.openxmlformats.org/officeDocument/2006/math">
-                      <m:r>
-                        <a:rPr lang="en-IL" sz="1800" i="1" smtClean="0">
-                          <a:latin typeface="Cambria Math" panose="02040503050406030204" pitchFamily="18" charset="0"/>
-                        </a:rPr>
-                        <m:t>𝛼</m:t>
-                      </m:r>
-                      <m:r>
-                        <a:rPr lang="en-IL" sz="1800" i="0">
-                          <a:latin typeface="Cambria Math" panose="02040503050406030204" pitchFamily="18" charset="0"/>
-                        </a:rPr>
-                        <m:t>=</m:t>
-                      </m:r>
-                      <m:sSub>
-                        <m:sSubPr>
-                          <m:ctrlPr>
-                            <a:rPr lang="en-IL" sz="1800" i="1">
-                              <a:solidFill>
-                                <a:srgbClr val="836967"/>
-                              </a:solidFill>
-                              <a:latin typeface="Cambria Math" panose="02040503050406030204" pitchFamily="18" charset="0"/>
-                            </a:rPr>
-                          </m:ctrlPr>
-                        </m:sSubPr>
-                        <m:e>
-                          <m:r>
-                            <a:rPr lang="en-IL" sz="1800" i="1">
-                              <a:latin typeface="Cambria Math" panose="02040503050406030204" pitchFamily="18" charset="0"/>
-                            </a:rPr>
-                            <m:t>𝛼</m:t>
-                          </m:r>
-                        </m:e>
-                        <m:sub>
-                          <m:r>
-                            <a:rPr lang="en-IL" sz="1800" i="1">
-                              <a:latin typeface="Cambria Math" panose="02040503050406030204" pitchFamily="18" charset="0"/>
-                            </a:rPr>
-                            <m:t>𝑖</m:t>
-                          </m:r>
-                        </m:sub>
-                      </m:sSub>
-                      <m:r>
-                        <a:rPr lang="en-IL" sz="1800" i="0">
-                          <a:latin typeface="Cambria Math" panose="02040503050406030204" pitchFamily="18" charset="0"/>
-                        </a:rPr>
-                        <m:t>∧</m:t>
-                      </m:r>
-                      <m:sSub>
-                        <m:sSubPr>
-                          <m:ctrlPr>
-                            <a:rPr lang="en-IL" sz="1800" i="1">
-                              <a:solidFill>
-                                <a:srgbClr val="836967"/>
-                              </a:solidFill>
-                              <a:latin typeface="Cambria Math" panose="02040503050406030204" pitchFamily="18" charset="0"/>
-                            </a:rPr>
-                          </m:ctrlPr>
-                        </m:sSubPr>
-                        <m:e>
-                          <m:r>
-                            <a:rPr lang="en-IL" sz="1800" i="1">
-                              <a:latin typeface="Cambria Math" panose="02040503050406030204" pitchFamily="18" charset="0"/>
-                            </a:rPr>
-                            <m:t>𝛼</m:t>
-                          </m:r>
-                        </m:e>
-                        <m:sub>
-                          <m:r>
-                            <a:rPr lang="en-IL" sz="1800" i="1">
-                              <a:latin typeface="Cambria Math" panose="02040503050406030204" pitchFamily="18" charset="0"/>
-                            </a:rPr>
-                            <m:t>𝑓</m:t>
-                          </m:r>
-                        </m:sub>
-                      </m:sSub>
-                      <m:r>
-                        <a:rPr lang="en-IL" sz="1800" i="0">
-                          <a:latin typeface="Cambria Math" panose="02040503050406030204" pitchFamily="18" charset="0"/>
-                        </a:rPr>
-                        <m:t>∧</m:t>
-                      </m:r>
-                      <m:sSub>
-                        <m:sSubPr>
-                          <m:ctrlPr>
-                            <a:rPr lang="en-IL" sz="1800" i="1">
-                              <a:solidFill>
-                                <a:srgbClr val="836967"/>
-                              </a:solidFill>
-                              <a:latin typeface="Cambria Math" panose="02040503050406030204" pitchFamily="18" charset="0"/>
-                            </a:rPr>
-                          </m:ctrlPr>
-                        </m:sSubPr>
-                        <m:e>
-                          <m:r>
-                            <a:rPr lang="en-IL" sz="1800" i="1">
-                              <a:latin typeface="Cambria Math" panose="02040503050406030204" pitchFamily="18" charset="0"/>
-                            </a:rPr>
-                            <m:t>𝛼</m:t>
-                          </m:r>
-                        </m:e>
-                        <m:sub>
-                          <m:r>
-                            <a:rPr lang="en-IL" sz="1800" i="1">
-                              <a:latin typeface="Cambria Math" panose="02040503050406030204" pitchFamily="18" charset="0"/>
-                            </a:rPr>
-                            <m:t>𝑘</m:t>
-                          </m:r>
-                        </m:sub>
-                      </m:sSub>
-                      <m:r>
-                        <a:rPr lang="en-IL" sz="1800" i="0">
-                          <a:latin typeface="Cambria Math" panose="02040503050406030204" pitchFamily="18" charset="0"/>
-                        </a:rPr>
-                        <m:t>∧</m:t>
-                      </m:r>
-                      <m:sSub>
-                        <m:sSubPr>
-                          <m:ctrlPr>
-                            <a:rPr lang="en-IL" sz="1800" i="1">
-                              <a:solidFill>
-                                <a:srgbClr val="836967"/>
-                              </a:solidFill>
-                              <a:latin typeface="Cambria Math" panose="02040503050406030204" pitchFamily="18" charset="0"/>
-                            </a:rPr>
-                          </m:ctrlPr>
-                        </m:sSubPr>
-                        <m:e>
-                          <m:r>
-                            <a:rPr lang="en-IL" sz="1800" i="1">
-                              <a:latin typeface="Cambria Math" panose="02040503050406030204" pitchFamily="18" charset="0"/>
-                            </a:rPr>
-                            <m:t>𝛼</m:t>
-                          </m:r>
-                        </m:e>
-                        <m:sub>
-                          <m:r>
-                            <a:rPr lang="en-IL" sz="1800" i="1">
-                              <a:latin typeface="Cambria Math" panose="02040503050406030204" pitchFamily="18" charset="0"/>
-                            </a:rPr>
-                            <m:t>𝑠</m:t>
-                          </m:r>
-                        </m:sub>
-                      </m:sSub>
-                      <m:r>
-                        <a:rPr lang="en-IL" sz="1800" i="0">
-                          <a:latin typeface="Cambria Math" panose="02040503050406030204" pitchFamily="18" charset="0"/>
-                        </a:rPr>
-                        <m:t>∧</m:t>
-                      </m:r>
-                      <m:sSub>
-                        <m:sSubPr>
-                          <m:ctrlPr>
-                            <a:rPr lang="en-IL" sz="1800" i="1">
-                              <a:solidFill>
-                                <a:srgbClr val="836967"/>
-                              </a:solidFill>
-                              <a:latin typeface="Cambria Math" panose="02040503050406030204" pitchFamily="18" charset="0"/>
-                            </a:rPr>
-                          </m:ctrlPr>
-                        </m:sSubPr>
-                        <m:e>
-                          <m:r>
-                            <a:rPr lang="en-IL" sz="1800" i="1">
-                              <a:latin typeface="Cambria Math" panose="02040503050406030204" pitchFamily="18" charset="0"/>
-                            </a:rPr>
-                            <m:t>𝛼</m:t>
-                          </m:r>
-                        </m:e>
-                        <m:sub>
-                          <m:r>
-                            <a:rPr lang="en-IL" sz="1800" i="1">
-                              <a:latin typeface="Cambria Math" panose="02040503050406030204" pitchFamily="18" charset="0"/>
-                            </a:rPr>
-                            <m:t>𝑠𝑝</m:t>
-                          </m:r>
-                        </m:sub>
-                      </m:sSub>
-                    </m:oMath>
-                  </m:oMathPara>
-                </a14:m>
-                <a:endParaRPr lang="en-IL" sz="1800" dirty="0"/>
-              </a:p>
-            </p:txBody>
-          </p:sp>
-        </mc:Choice>
-        <mc:Fallback xmlns="">
-          <p:sp>
-            <p:nvSpPr>
-              <p:cNvPr id="3" name="TextBox 2">
-                <a:extLst>
-                  <a:ext uri="{FF2B5EF4-FFF2-40B4-BE49-F238E27FC236}">
-                    <a16:creationId xmlns:a16="http://schemas.microsoft.com/office/drawing/2014/main" id="{D67E581C-8274-CE9B-73E6-2930AB876CF4}"/>
-                  </a:ext>
-                </a:extLst>
-              </p:cNvPr>
-              <p:cNvSpPr txBox="1">
-                <a:spLocks noRot="1" noChangeAspect="1" noMove="1" noResize="1" noEditPoints="1" noAdjustHandles="1" noChangeArrowheads="1" noChangeShapeType="1" noTextEdit="1"/>
-              </p:cNvSpPr>
-              <p:nvPr/>
-            </p:nvSpPr>
-            <p:spPr>
-              <a:xfrm>
-                <a:off x="1965722" y="2500313"/>
-                <a:ext cx="5212556" cy="391582"/>
-              </a:xfrm>
-              <a:prstGeom prst="rect">
-                <a:avLst/>
-              </a:prstGeom>
-              <a:blipFill>
-                <a:blip r:embed="rId4"/>
-                <a:stretch>
-                  <a:fillRect b="-10938"/>
-                </a:stretch>
-              </a:blipFill>
-            </p:spPr>
-            <p:txBody>
-              <a:bodyPr/>
-              <a:lstStyle/>
-              <a:p>
-                <a:r>
-                  <a:rPr lang="en-IL">
-                    <a:noFill/>
-                  </a:rPr>
-                  <a:t> </a:t>
-                </a:r>
-              </a:p>
-            </p:txBody>
-          </p:sp>
-        </mc:Fallback>
-      </mc:AlternateContent>
-      <mc:AlternateContent xmlns:mc="http://schemas.openxmlformats.org/markup-compatibility/2006" xmlns:a14="http://schemas.microsoft.com/office/drawing/2010/main">
-        <mc:Choice Requires="a14">
-          <p:sp>
-            <p:nvSpPr>
-              <p:cNvPr id="6" name="TextBox 5">
-                <a:extLst>
-                  <a:ext uri="{FF2B5EF4-FFF2-40B4-BE49-F238E27FC236}">
-                    <a16:creationId xmlns:a16="http://schemas.microsoft.com/office/drawing/2014/main" id="{9B84636E-1EE3-7120-A440-5EF386207BD0}"/>
-                  </a:ext>
-                </a:extLst>
-              </p:cNvPr>
-              <p:cNvSpPr txBox="1"/>
-              <p:nvPr/>
-            </p:nvSpPr>
-            <p:spPr>
-              <a:xfrm>
-                <a:off x="1234678" y="3126720"/>
-                <a:ext cx="6837760" cy="1551450"/>
-              </a:xfrm>
-              <a:prstGeom prst="rect">
-                <a:avLst/>
-              </a:prstGeom>
-              <a:noFill/>
-            </p:spPr>
-            <p:txBody>
-              <a:bodyPr wrap="square">
-                <a:spAutoFit/>
-              </a:bodyPr>
-              <a:lstStyle/>
-              <a:p>
-                <a:pPr algn="ctr">
-                  <a:lnSpc>
-                    <a:spcPct val="107000"/>
-                  </a:lnSpc>
-                  <a:spcAft>
-                    <a:spcPts val="800"/>
-                  </a:spcAft>
-                </a:pPr>
-                <a:r>
-                  <a:rPr lang="en-US" sz="1400" dirty="0">
-                    <a:effectLst/>
-                    <a:latin typeface="Arial" panose="020B0604020202020204" pitchFamily="34" charset="0"/>
-                    <a:ea typeface="Times New Roman" panose="02020603050405020304" pitchFamily="18" charset="0"/>
-                    <a:cs typeface="Arial" panose="020B0604020202020204" pitchFamily="34" charset="0"/>
-                  </a:rPr>
-                  <a:t>To reconstruct the path,</a:t>
-                </a:r>
-                <a:r>
-                  <a:rPr lang="en-US" sz="1200" dirty="0">
-                    <a:effectLst/>
-                    <a:latin typeface="Calibri" panose="020F0502020204030204" pitchFamily="34" charset="0"/>
-                    <a:ea typeface="Calibri" panose="020F0502020204030204" pitchFamily="34" charset="0"/>
-                    <a:cs typeface="Arial" panose="020B0604020202020204" pitchFamily="34" charset="0"/>
-                  </a:rPr>
-                  <a:t> </a:t>
-                </a:r>
-                <a:r>
-                  <a:rPr lang="en-US" sz="1400" dirty="0">
-                    <a:effectLst/>
-                    <a:latin typeface="Arial" panose="020B0604020202020204" pitchFamily="34" charset="0"/>
-                    <a:ea typeface="Times New Roman" panose="02020603050405020304" pitchFamily="18" charset="0"/>
-                    <a:cs typeface="Arial" panose="020B0604020202020204" pitchFamily="34" charset="0"/>
-                  </a:rPr>
-                  <a:t>we iterate through the satisfying assignment </a:t>
-                </a:r>
-                <a14:m>
-                  <m:oMath xmlns:m="http://schemas.openxmlformats.org/officeDocument/2006/math">
-                    <m:r>
-                      <a:rPr lang="en-US" sz="1400" i="1">
-                        <a:effectLst/>
-                        <a:latin typeface="Cambria Math" panose="02040503050406030204" pitchFamily="18" charset="0"/>
-                        <a:ea typeface="Times New Roman" panose="02020603050405020304" pitchFamily="18" charset="0"/>
-                        <a:cs typeface="Arial" panose="020B0604020202020204" pitchFamily="34" charset="0"/>
-                      </a:rPr>
-                      <m:t>𝑆</m:t>
-                    </m:r>
-                  </m:oMath>
-                </a14:m>
-                <a:r>
-                  <a:rPr lang="en-US" sz="1400" dirty="0">
-                    <a:effectLst/>
-                    <a:latin typeface="Arial" panose="020B0604020202020204" pitchFamily="34" charset="0"/>
-                    <a:ea typeface="Times New Roman" panose="02020603050405020304" pitchFamily="18" charset="0"/>
-                    <a:cs typeface="Arial" panose="020B0604020202020204" pitchFamily="34" charset="0"/>
-                  </a:rPr>
-                  <a:t> and trace the movement of the robot. Starting from the initial state </a:t>
-                </a:r>
-                <a14:m>
-                  <m:oMath xmlns:m="http://schemas.openxmlformats.org/officeDocument/2006/math">
-                    <m:sSub>
-                      <m:sSubPr>
-                        <m:ctrlPr>
-                          <a:rPr lang="en-IL" sz="1400" i="1">
-                            <a:effectLst/>
-                            <a:latin typeface="Cambria Math" panose="02040503050406030204" pitchFamily="18" charset="0"/>
-                            <a:ea typeface="Times New Roman" panose="02020603050405020304" pitchFamily="18" charset="0"/>
-                            <a:cs typeface="Arial" panose="020B0604020202020204" pitchFamily="34" charset="0"/>
-                          </a:rPr>
-                        </m:ctrlPr>
-                      </m:sSubPr>
-                      <m:e>
-                        <m:r>
-                          <a:rPr lang="en-US" sz="1400" i="1">
-                            <a:effectLst/>
-                            <a:latin typeface="Cambria Math" panose="02040503050406030204" pitchFamily="18" charset="0"/>
-                            <a:ea typeface="Times New Roman" panose="02020603050405020304" pitchFamily="18" charset="0"/>
-                            <a:cs typeface="Arial" panose="020B0604020202020204" pitchFamily="34" charset="0"/>
-                          </a:rPr>
-                          <m:t>𝑝</m:t>
-                        </m:r>
-                      </m:e>
-                      <m:sub>
-                        <m:r>
-                          <a:rPr lang="en-US" sz="1400" i="1">
-                            <a:effectLst/>
-                            <a:latin typeface="Cambria Math" panose="02040503050406030204" pitchFamily="18" charset="0"/>
-                            <a:ea typeface="Times New Roman" panose="02020603050405020304" pitchFamily="18" charset="0"/>
-                            <a:cs typeface="Arial" panose="020B0604020202020204" pitchFamily="34" charset="0"/>
-                          </a:rPr>
-                          <m:t>0,0,0</m:t>
-                        </m:r>
-                      </m:sub>
-                    </m:sSub>
-                  </m:oMath>
-                </a14:m>
-                <a:r>
-                  <a:rPr lang="en-US" sz="1400" dirty="0">
-                    <a:effectLst/>
-                    <a:latin typeface="Arial" panose="020B0604020202020204" pitchFamily="34" charset="0"/>
-                    <a:ea typeface="Times New Roman" panose="02020603050405020304" pitchFamily="18" charset="0"/>
-                    <a:cs typeface="Arial" panose="020B0604020202020204" pitchFamily="34" charset="0"/>
-                  </a:rPr>
-                  <a:t> we follow the sequence of transitions dictated by the satisfying assignment:</a:t>
-                </a:r>
-              </a:p>
-              <a:p>
-                <a:pPr algn="ctr">
-                  <a:lnSpc>
-                    <a:spcPct val="107000"/>
-                  </a:lnSpc>
-                  <a:spcAft>
-                    <a:spcPts val="800"/>
-                  </a:spcAft>
-                </a:pPr>
-                <a:endParaRPr lang="en-IL" sz="1200" dirty="0">
-                  <a:effectLst/>
-                  <a:latin typeface="Calibri" panose="020F0502020204030204" pitchFamily="34" charset="0"/>
-                  <a:ea typeface="Calibri" panose="020F0502020204030204" pitchFamily="34" charset="0"/>
-                  <a:cs typeface="Arial" panose="020B0604020202020204" pitchFamily="34" charset="0"/>
-                </a:endParaRPr>
-              </a:p>
-              <a:p>
-                <a:pPr algn="ctr">
-                  <a:lnSpc>
-                    <a:spcPct val="107000"/>
-                  </a:lnSpc>
-                  <a:spcAft>
-                    <a:spcPts val="800"/>
-                  </a:spcAft>
-                </a:pPr>
-                <a14:m>
-                  <m:oMathPara xmlns:m="http://schemas.openxmlformats.org/officeDocument/2006/math">
-                    <m:oMathParaPr>
-                      <m:jc m:val="centerGroup"/>
-                    </m:oMathParaPr>
-                    <m:oMath xmlns:m="http://schemas.openxmlformats.org/officeDocument/2006/math">
-                      <m:sSub>
-                        <m:sSubPr>
-                          <m:ctrlPr>
-                            <a:rPr lang="en-IL" sz="1400" i="1">
-                              <a:effectLst/>
-                              <a:latin typeface="Cambria Math" panose="02040503050406030204" pitchFamily="18" charset="0"/>
-                              <a:ea typeface="Times New Roman" panose="02020603050405020304" pitchFamily="18" charset="0"/>
-                              <a:cs typeface="Arial" panose="020B0604020202020204" pitchFamily="34" charset="0"/>
-                            </a:rPr>
-                          </m:ctrlPr>
-                        </m:sSubPr>
-                        <m:e>
-                          <m:r>
-                            <a:rPr lang="en-US" sz="1400" i="1">
-                              <a:effectLst/>
-                              <a:latin typeface="Cambria Math" panose="02040503050406030204" pitchFamily="18" charset="0"/>
-                              <a:ea typeface="Times New Roman" panose="02020603050405020304" pitchFamily="18" charset="0"/>
-                              <a:cs typeface="Arial" panose="020B0604020202020204" pitchFamily="34" charset="0"/>
-                            </a:rPr>
-                            <m:t>𝑝</m:t>
-                          </m:r>
-                        </m:e>
-                        <m:sub>
-                          <m:r>
-                            <a:rPr lang="en-US" sz="1400" i="1">
-                              <a:effectLst/>
-                              <a:latin typeface="Cambria Math" panose="02040503050406030204" pitchFamily="18" charset="0"/>
-                              <a:ea typeface="Times New Roman" panose="02020603050405020304" pitchFamily="18" charset="0"/>
-                              <a:cs typeface="Arial" panose="020B0604020202020204" pitchFamily="34" charset="0"/>
-                            </a:rPr>
-                            <m:t>0,0,0</m:t>
-                          </m:r>
-                        </m:sub>
-                      </m:sSub>
-                      <m:r>
-                        <a:rPr lang="en-US" sz="1400" i="1">
-                          <a:effectLst/>
-                          <a:latin typeface="Cambria Math" panose="02040503050406030204" pitchFamily="18" charset="0"/>
-                          <a:ea typeface="Times New Roman" panose="02020603050405020304" pitchFamily="18" charset="0"/>
-                          <a:cs typeface="Arial" panose="020B0604020202020204" pitchFamily="34" charset="0"/>
-                        </a:rPr>
-                        <m:t>→</m:t>
-                      </m:r>
-                      <m:sSub>
-                        <m:sSubPr>
-                          <m:ctrlPr>
-                            <a:rPr lang="en-IL" sz="1400" i="1">
-                              <a:effectLst/>
-                              <a:latin typeface="Cambria Math" panose="02040503050406030204" pitchFamily="18" charset="0"/>
-                              <a:ea typeface="Times New Roman" panose="02020603050405020304" pitchFamily="18" charset="0"/>
-                              <a:cs typeface="Arial" panose="020B0604020202020204" pitchFamily="34" charset="0"/>
-                            </a:rPr>
-                          </m:ctrlPr>
-                        </m:sSubPr>
-                        <m:e>
-                          <m:r>
-                            <a:rPr lang="en-US" sz="1400" i="1">
-                              <a:effectLst/>
-                              <a:latin typeface="Cambria Math" panose="02040503050406030204" pitchFamily="18" charset="0"/>
-                              <a:ea typeface="Times New Roman" panose="02020603050405020304" pitchFamily="18" charset="0"/>
-                              <a:cs typeface="Arial" panose="020B0604020202020204" pitchFamily="34" charset="0"/>
-                            </a:rPr>
-                            <m:t>𝑝</m:t>
-                          </m:r>
-                        </m:e>
-                        <m:sub>
-                          <m:r>
-                            <a:rPr lang="en-US" sz="1400" i="1">
-                              <a:effectLst/>
-                              <a:latin typeface="Cambria Math" panose="02040503050406030204" pitchFamily="18" charset="0"/>
-                              <a:ea typeface="Times New Roman" panose="02020603050405020304" pitchFamily="18" charset="0"/>
-                              <a:cs typeface="Arial" panose="020B0604020202020204" pitchFamily="34" charset="0"/>
-                            </a:rPr>
-                            <m:t>1,</m:t>
-                          </m:r>
-                          <m:sSub>
-                            <m:sSubPr>
-                              <m:ctrlPr>
-                                <a:rPr lang="en-IL" sz="1400" i="1">
-                                  <a:effectLst/>
-                                  <a:latin typeface="Cambria Math" panose="02040503050406030204" pitchFamily="18" charset="0"/>
-                                  <a:ea typeface="Times New Roman" panose="02020603050405020304" pitchFamily="18" charset="0"/>
-                                  <a:cs typeface="Arial" panose="020B0604020202020204" pitchFamily="34" charset="0"/>
-                                </a:rPr>
-                              </m:ctrlPr>
-                            </m:sSubPr>
-                            <m:e>
-                              <m:r>
-                                <a:rPr lang="en-US" sz="1400" i="1">
-                                  <a:effectLst/>
-                                  <a:latin typeface="Cambria Math" panose="02040503050406030204" pitchFamily="18" charset="0"/>
-                                  <a:ea typeface="Times New Roman" panose="02020603050405020304" pitchFamily="18" charset="0"/>
-                                  <a:cs typeface="Arial" panose="020B0604020202020204" pitchFamily="34" charset="0"/>
-                                </a:rPr>
-                                <m:t>𝑟</m:t>
-                              </m:r>
-                            </m:e>
-                            <m:sub>
-                              <m:r>
-                                <a:rPr lang="en-US" sz="1400" i="1">
-                                  <a:effectLst/>
-                                  <a:latin typeface="Cambria Math" panose="02040503050406030204" pitchFamily="18" charset="0"/>
-                                  <a:ea typeface="Times New Roman" panose="02020603050405020304" pitchFamily="18" charset="0"/>
-                                  <a:cs typeface="Arial" panose="020B0604020202020204" pitchFamily="34" charset="0"/>
-                                </a:rPr>
-                                <m:t>1</m:t>
-                              </m:r>
-                            </m:sub>
-                          </m:sSub>
-                          <m:r>
-                            <a:rPr lang="en-US" sz="1400" i="1">
-                              <a:effectLst/>
-                              <a:latin typeface="Cambria Math" panose="02040503050406030204" pitchFamily="18" charset="0"/>
-                              <a:ea typeface="Times New Roman" panose="02020603050405020304" pitchFamily="18" charset="0"/>
-                              <a:cs typeface="Arial" panose="020B0604020202020204" pitchFamily="34" charset="0"/>
-                            </a:rPr>
-                            <m:t>,</m:t>
-                          </m:r>
-                          <m:sSub>
-                            <m:sSubPr>
-                              <m:ctrlPr>
-                                <a:rPr lang="en-IL" sz="1400" i="1">
-                                  <a:effectLst/>
-                                  <a:latin typeface="Cambria Math" panose="02040503050406030204" pitchFamily="18" charset="0"/>
-                                  <a:ea typeface="Times New Roman" panose="02020603050405020304" pitchFamily="18" charset="0"/>
-                                  <a:cs typeface="Arial" panose="020B0604020202020204" pitchFamily="34" charset="0"/>
-                                </a:rPr>
-                              </m:ctrlPr>
-                            </m:sSubPr>
-                            <m:e>
-                              <m:r>
-                                <a:rPr lang="en-US" sz="1400" i="1">
-                                  <a:effectLst/>
-                                  <a:latin typeface="Cambria Math" panose="02040503050406030204" pitchFamily="18" charset="0"/>
-                                  <a:ea typeface="Times New Roman" panose="02020603050405020304" pitchFamily="18" charset="0"/>
-                                  <a:cs typeface="Arial" panose="020B0604020202020204" pitchFamily="34" charset="0"/>
-                                </a:rPr>
-                                <m:t>𝑐</m:t>
-                              </m:r>
-                            </m:e>
-                            <m:sub>
-                              <m:r>
-                                <a:rPr lang="en-US" sz="1400" i="1">
-                                  <a:effectLst/>
-                                  <a:latin typeface="Cambria Math" panose="02040503050406030204" pitchFamily="18" charset="0"/>
-                                  <a:ea typeface="Times New Roman" panose="02020603050405020304" pitchFamily="18" charset="0"/>
-                                  <a:cs typeface="Arial" panose="020B0604020202020204" pitchFamily="34" charset="0"/>
-                                </a:rPr>
-                                <m:t>1</m:t>
-                              </m:r>
-                            </m:sub>
-                          </m:sSub>
-                        </m:sub>
-                      </m:sSub>
-                      <m:r>
-                        <a:rPr lang="en-US" sz="1400" i="1">
-                          <a:effectLst/>
-                          <a:latin typeface="Cambria Math" panose="02040503050406030204" pitchFamily="18" charset="0"/>
-                          <a:ea typeface="Times New Roman" panose="02020603050405020304" pitchFamily="18" charset="0"/>
-                          <a:cs typeface="Arial" panose="020B0604020202020204" pitchFamily="34" charset="0"/>
-                        </a:rPr>
-                        <m:t>→</m:t>
-                      </m:r>
-                      <m:sSub>
-                        <m:sSubPr>
-                          <m:ctrlPr>
-                            <a:rPr lang="en-IL" sz="1400" i="1">
-                              <a:effectLst/>
-                              <a:latin typeface="Cambria Math" panose="02040503050406030204" pitchFamily="18" charset="0"/>
-                              <a:ea typeface="Times New Roman" panose="02020603050405020304" pitchFamily="18" charset="0"/>
-                              <a:cs typeface="Arial" panose="020B0604020202020204" pitchFamily="34" charset="0"/>
-                            </a:rPr>
-                          </m:ctrlPr>
-                        </m:sSubPr>
-                        <m:e>
-                          <m:r>
-                            <a:rPr lang="en-US" sz="1400" i="1">
-                              <a:effectLst/>
-                              <a:latin typeface="Cambria Math" panose="02040503050406030204" pitchFamily="18" charset="0"/>
-                              <a:ea typeface="Times New Roman" panose="02020603050405020304" pitchFamily="18" charset="0"/>
-                              <a:cs typeface="Arial" panose="020B0604020202020204" pitchFamily="34" charset="0"/>
-                            </a:rPr>
-                            <m:t>𝑝</m:t>
-                          </m:r>
-                        </m:e>
-                        <m:sub>
-                          <m:r>
-                            <a:rPr lang="en-US" sz="1400" i="1">
-                              <a:effectLst/>
-                              <a:latin typeface="Cambria Math" panose="02040503050406030204" pitchFamily="18" charset="0"/>
-                              <a:ea typeface="Times New Roman" panose="02020603050405020304" pitchFamily="18" charset="0"/>
-                              <a:cs typeface="Arial" panose="020B0604020202020204" pitchFamily="34" charset="0"/>
-                            </a:rPr>
-                            <m:t>2,</m:t>
-                          </m:r>
-                          <m:sSub>
-                            <m:sSubPr>
-                              <m:ctrlPr>
-                                <a:rPr lang="en-IL" sz="1400" i="1">
-                                  <a:effectLst/>
-                                  <a:latin typeface="Cambria Math" panose="02040503050406030204" pitchFamily="18" charset="0"/>
-                                  <a:ea typeface="Times New Roman" panose="02020603050405020304" pitchFamily="18" charset="0"/>
-                                  <a:cs typeface="Arial" panose="020B0604020202020204" pitchFamily="34" charset="0"/>
-                                </a:rPr>
-                              </m:ctrlPr>
-                            </m:sSubPr>
-                            <m:e>
-                              <m:r>
-                                <a:rPr lang="en-US" sz="1400" i="1">
-                                  <a:effectLst/>
-                                  <a:latin typeface="Cambria Math" panose="02040503050406030204" pitchFamily="18" charset="0"/>
-                                  <a:ea typeface="Times New Roman" panose="02020603050405020304" pitchFamily="18" charset="0"/>
-                                  <a:cs typeface="Arial" panose="020B0604020202020204" pitchFamily="34" charset="0"/>
-                                </a:rPr>
-                                <m:t>𝑟</m:t>
-                              </m:r>
-                            </m:e>
-                            <m:sub>
-                              <m:r>
-                                <a:rPr lang="en-US" sz="1400" i="1">
-                                  <a:effectLst/>
-                                  <a:latin typeface="Cambria Math" panose="02040503050406030204" pitchFamily="18" charset="0"/>
-                                  <a:ea typeface="Times New Roman" panose="02020603050405020304" pitchFamily="18" charset="0"/>
-                                  <a:cs typeface="Arial" panose="020B0604020202020204" pitchFamily="34" charset="0"/>
-                                </a:rPr>
-                                <m:t>2</m:t>
-                              </m:r>
-                            </m:sub>
-                          </m:sSub>
-                          <m:r>
-                            <a:rPr lang="en-US" sz="1400" i="1">
-                              <a:effectLst/>
-                              <a:latin typeface="Cambria Math" panose="02040503050406030204" pitchFamily="18" charset="0"/>
-                              <a:ea typeface="Times New Roman" panose="02020603050405020304" pitchFamily="18" charset="0"/>
-                              <a:cs typeface="Arial" panose="020B0604020202020204" pitchFamily="34" charset="0"/>
-                            </a:rPr>
-                            <m:t>,</m:t>
-                          </m:r>
-                          <m:sSub>
-                            <m:sSubPr>
-                              <m:ctrlPr>
-                                <a:rPr lang="en-IL" sz="1400" i="1">
-                                  <a:effectLst/>
-                                  <a:latin typeface="Cambria Math" panose="02040503050406030204" pitchFamily="18" charset="0"/>
-                                  <a:ea typeface="Times New Roman" panose="02020603050405020304" pitchFamily="18" charset="0"/>
-                                  <a:cs typeface="Arial" panose="020B0604020202020204" pitchFamily="34" charset="0"/>
-                                </a:rPr>
-                              </m:ctrlPr>
-                            </m:sSubPr>
-                            <m:e>
-                              <m:r>
-                                <a:rPr lang="en-US" sz="1400" i="1">
-                                  <a:effectLst/>
-                                  <a:latin typeface="Cambria Math" panose="02040503050406030204" pitchFamily="18" charset="0"/>
-                                  <a:ea typeface="Times New Roman" panose="02020603050405020304" pitchFamily="18" charset="0"/>
-                                  <a:cs typeface="Arial" panose="020B0604020202020204" pitchFamily="34" charset="0"/>
-                                </a:rPr>
-                                <m:t>𝑐</m:t>
-                              </m:r>
-                            </m:e>
-                            <m:sub>
-                              <m:r>
-                                <a:rPr lang="en-US" sz="1400" i="1">
-                                  <a:effectLst/>
-                                  <a:latin typeface="Cambria Math" panose="02040503050406030204" pitchFamily="18" charset="0"/>
-                                  <a:ea typeface="Times New Roman" panose="02020603050405020304" pitchFamily="18" charset="0"/>
-                                  <a:cs typeface="Arial" panose="020B0604020202020204" pitchFamily="34" charset="0"/>
-                                </a:rPr>
-                                <m:t>2</m:t>
-                              </m:r>
-                            </m:sub>
-                          </m:sSub>
-                        </m:sub>
-                      </m:sSub>
-                      <m:r>
-                        <a:rPr lang="en-US" sz="1400" i="1">
-                          <a:effectLst/>
-                          <a:latin typeface="Cambria Math" panose="02040503050406030204" pitchFamily="18" charset="0"/>
-                          <a:ea typeface="Times New Roman" panose="02020603050405020304" pitchFamily="18" charset="0"/>
-                          <a:cs typeface="Arial" panose="020B0604020202020204" pitchFamily="34" charset="0"/>
-                        </a:rPr>
-                        <m:t>→</m:t>
-                      </m:r>
-                      <m:sSub>
-                        <m:sSubPr>
-                          <m:ctrlPr>
-                            <a:rPr lang="en-IL" sz="1400" i="1">
-                              <a:effectLst/>
-                              <a:latin typeface="Cambria Math" panose="02040503050406030204" pitchFamily="18" charset="0"/>
-                              <a:ea typeface="Times New Roman" panose="02020603050405020304" pitchFamily="18" charset="0"/>
-                              <a:cs typeface="Arial" panose="020B0604020202020204" pitchFamily="34" charset="0"/>
-                            </a:rPr>
-                          </m:ctrlPr>
-                        </m:sSubPr>
-                        <m:e>
-                          <m:r>
-                            <a:rPr lang="en-US" sz="1400" i="1">
-                              <a:effectLst/>
-                              <a:latin typeface="Cambria Math" panose="02040503050406030204" pitchFamily="18" charset="0"/>
-                              <a:ea typeface="Times New Roman" panose="02020603050405020304" pitchFamily="18" charset="0"/>
-                              <a:cs typeface="Arial" panose="020B0604020202020204" pitchFamily="34" charset="0"/>
-                            </a:rPr>
-                            <m:t>𝑝</m:t>
-                          </m:r>
-                        </m:e>
-                        <m:sub>
-                          <m:r>
-                            <a:rPr lang="en-US" sz="1400" i="1">
-                              <a:effectLst/>
-                              <a:latin typeface="Cambria Math" panose="02040503050406030204" pitchFamily="18" charset="0"/>
-                              <a:ea typeface="Times New Roman" panose="02020603050405020304" pitchFamily="18" charset="0"/>
-                              <a:cs typeface="Arial" panose="020B0604020202020204" pitchFamily="34" charset="0"/>
-                            </a:rPr>
-                            <m:t>3,</m:t>
-                          </m:r>
-                          <m:sSub>
-                            <m:sSubPr>
-                              <m:ctrlPr>
-                                <a:rPr lang="en-IL" sz="1400" i="1">
-                                  <a:effectLst/>
-                                  <a:latin typeface="Cambria Math" panose="02040503050406030204" pitchFamily="18" charset="0"/>
-                                  <a:ea typeface="Times New Roman" panose="02020603050405020304" pitchFamily="18" charset="0"/>
-                                  <a:cs typeface="Arial" panose="020B0604020202020204" pitchFamily="34" charset="0"/>
-                                </a:rPr>
-                              </m:ctrlPr>
-                            </m:sSubPr>
-                            <m:e>
-                              <m:r>
-                                <a:rPr lang="en-US" sz="1400" i="1">
-                                  <a:effectLst/>
-                                  <a:latin typeface="Cambria Math" panose="02040503050406030204" pitchFamily="18" charset="0"/>
-                                  <a:ea typeface="Times New Roman" panose="02020603050405020304" pitchFamily="18" charset="0"/>
-                                  <a:cs typeface="Arial" panose="020B0604020202020204" pitchFamily="34" charset="0"/>
-                                </a:rPr>
-                                <m:t>𝑟</m:t>
-                              </m:r>
-                            </m:e>
-                            <m:sub>
-                              <m:r>
-                                <a:rPr lang="en-US" sz="1400" i="1">
-                                  <a:effectLst/>
-                                  <a:latin typeface="Cambria Math" panose="02040503050406030204" pitchFamily="18" charset="0"/>
-                                  <a:ea typeface="Times New Roman" panose="02020603050405020304" pitchFamily="18" charset="0"/>
-                                  <a:cs typeface="Arial" panose="020B0604020202020204" pitchFamily="34" charset="0"/>
-                                </a:rPr>
-                                <m:t>3</m:t>
-                              </m:r>
-                            </m:sub>
-                          </m:sSub>
-                          <m:r>
-                            <a:rPr lang="en-US" sz="1400" i="1">
-                              <a:effectLst/>
-                              <a:latin typeface="Cambria Math" panose="02040503050406030204" pitchFamily="18" charset="0"/>
-                              <a:ea typeface="Times New Roman" panose="02020603050405020304" pitchFamily="18" charset="0"/>
-                              <a:cs typeface="Arial" panose="020B0604020202020204" pitchFamily="34" charset="0"/>
-                            </a:rPr>
-                            <m:t>,</m:t>
-                          </m:r>
-                          <m:sSub>
-                            <m:sSubPr>
-                              <m:ctrlPr>
-                                <a:rPr lang="en-IL" sz="1400" i="1">
-                                  <a:effectLst/>
-                                  <a:latin typeface="Cambria Math" panose="02040503050406030204" pitchFamily="18" charset="0"/>
-                                  <a:ea typeface="Times New Roman" panose="02020603050405020304" pitchFamily="18" charset="0"/>
-                                  <a:cs typeface="Arial" panose="020B0604020202020204" pitchFamily="34" charset="0"/>
-                                </a:rPr>
-                              </m:ctrlPr>
-                            </m:sSubPr>
-                            <m:e>
-                              <m:r>
-                                <a:rPr lang="en-US" sz="1400" i="1">
-                                  <a:effectLst/>
-                                  <a:latin typeface="Cambria Math" panose="02040503050406030204" pitchFamily="18" charset="0"/>
-                                  <a:ea typeface="Times New Roman" panose="02020603050405020304" pitchFamily="18" charset="0"/>
-                                  <a:cs typeface="Arial" panose="020B0604020202020204" pitchFamily="34" charset="0"/>
-                                </a:rPr>
-                                <m:t>𝑐</m:t>
-                              </m:r>
-                            </m:e>
-                            <m:sub>
-                              <m:r>
-                                <a:rPr lang="en-US" sz="1400" i="1">
-                                  <a:effectLst/>
-                                  <a:latin typeface="Cambria Math" panose="02040503050406030204" pitchFamily="18" charset="0"/>
-                                  <a:ea typeface="Times New Roman" panose="02020603050405020304" pitchFamily="18" charset="0"/>
-                                  <a:cs typeface="Arial" panose="020B0604020202020204" pitchFamily="34" charset="0"/>
-                                </a:rPr>
-                                <m:t>3</m:t>
-                              </m:r>
-                            </m:sub>
-                          </m:sSub>
-                        </m:sub>
-                      </m:sSub>
-                      <m:r>
-                        <a:rPr lang="en-US" sz="1400" i="1">
-                          <a:effectLst/>
-                          <a:latin typeface="Cambria Math" panose="02040503050406030204" pitchFamily="18" charset="0"/>
-                          <a:ea typeface="Times New Roman" panose="02020603050405020304" pitchFamily="18" charset="0"/>
-                          <a:cs typeface="Arial" panose="020B0604020202020204" pitchFamily="34" charset="0"/>
-                        </a:rPr>
-                        <m:t>→…→</m:t>
-                      </m:r>
-                      <m:sSub>
-                        <m:sSubPr>
-                          <m:ctrlPr>
-                            <a:rPr lang="en-IL" sz="1400" i="1">
-                              <a:effectLst/>
-                              <a:latin typeface="Cambria Math" panose="02040503050406030204" pitchFamily="18" charset="0"/>
-                              <a:ea typeface="Times New Roman" panose="02020603050405020304" pitchFamily="18" charset="0"/>
-                              <a:cs typeface="Arial" panose="020B0604020202020204" pitchFamily="34" charset="0"/>
-                            </a:rPr>
-                          </m:ctrlPr>
-                        </m:sSubPr>
-                        <m:e>
-                          <m:r>
-                            <a:rPr lang="en-US" sz="1400" i="1">
-                              <a:effectLst/>
-                              <a:latin typeface="Cambria Math" panose="02040503050406030204" pitchFamily="18" charset="0"/>
-                              <a:ea typeface="Times New Roman" panose="02020603050405020304" pitchFamily="18" charset="0"/>
-                              <a:cs typeface="Arial" panose="020B0604020202020204" pitchFamily="34" charset="0"/>
-                            </a:rPr>
-                            <m:t>𝑝</m:t>
-                          </m:r>
-                        </m:e>
-                        <m:sub>
-                          <m:r>
-                            <a:rPr lang="en-US" sz="1400" i="1">
-                              <a:effectLst/>
-                              <a:latin typeface="Cambria Math" panose="02040503050406030204" pitchFamily="18" charset="0"/>
-                              <a:ea typeface="Times New Roman" panose="02020603050405020304" pitchFamily="18" charset="0"/>
-                              <a:cs typeface="Arial" panose="020B0604020202020204" pitchFamily="34" charset="0"/>
-                            </a:rPr>
-                            <m:t>𝑘</m:t>
-                          </m:r>
-                          <m:r>
-                            <a:rPr lang="en-US" sz="1400" i="1">
-                              <a:effectLst/>
-                              <a:latin typeface="Cambria Math" panose="02040503050406030204" pitchFamily="18" charset="0"/>
-                              <a:ea typeface="Times New Roman" panose="02020603050405020304" pitchFamily="18" charset="0"/>
-                              <a:cs typeface="Arial" panose="020B0604020202020204" pitchFamily="34" charset="0"/>
-                            </a:rPr>
-                            <m:t>−1,</m:t>
-                          </m:r>
-                          <m:sSub>
-                            <m:sSubPr>
-                              <m:ctrlPr>
-                                <a:rPr lang="en-IL" sz="1400" i="1">
-                                  <a:effectLst/>
-                                  <a:latin typeface="Cambria Math" panose="02040503050406030204" pitchFamily="18" charset="0"/>
-                                  <a:ea typeface="Times New Roman" panose="02020603050405020304" pitchFamily="18" charset="0"/>
-                                  <a:cs typeface="Arial" panose="020B0604020202020204" pitchFamily="34" charset="0"/>
-                                </a:rPr>
-                              </m:ctrlPr>
-                            </m:sSubPr>
-                            <m:e>
-                              <m:r>
-                                <a:rPr lang="en-US" sz="1400" i="1">
-                                  <a:effectLst/>
-                                  <a:latin typeface="Cambria Math" panose="02040503050406030204" pitchFamily="18" charset="0"/>
-                                  <a:ea typeface="Times New Roman" panose="02020603050405020304" pitchFamily="18" charset="0"/>
-                                  <a:cs typeface="Arial" panose="020B0604020202020204" pitchFamily="34" charset="0"/>
-                                </a:rPr>
-                                <m:t>𝑟</m:t>
-                              </m:r>
-                            </m:e>
-                            <m:sub>
-                              <m:r>
-                                <a:rPr lang="en-US" sz="1400" i="1">
-                                  <a:effectLst/>
-                                  <a:latin typeface="Cambria Math" panose="02040503050406030204" pitchFamily="18" charset="0"/>
-                                  <a:ea typeface="Times New Roman" panose="02020603050405020304" pitchFamily="18" charset="0"/>
-                                  <a:cs typeface="Arial" panose="020B0604020202020204" pitchFamily="34" charset="0"/>
-                                </a:rPr>
-                                <m:t>𝑘</m:t>
-                              </m:r>
-                              <m:r>
-                                <a:rPr lang="en-US" sz="1400" i="1">
-                                  <a:effectLst/>
-                                  <a:latin typeface="Cambria Math" panose="02040503050406030204" pitchFamily="18" charset="0"/>
-                                  <a:ea typeface="Times New Roman" panose="02020603050405020304" pitchFamily="18" charset="0"/>
-                                  <a:cs typeface="Arial" panose="020B0604020202020204" pitchFamily="34" charset="0"/>
-                                </a:rPr>
-                                <m:t>−1</m:t>
-                              </m:r>
-                            </m:sub>
-                          </m:sSub>
-                          <m:r>
-                            <a:rPr lang="en-US" sz="1400" i="1">
-                              <a:effectLst/>
-                              <a:latin typeface="Cambria Math" panose="02040503050406030204" pitchFamily="18" charset="0"/>
-                              <a:ea typeface="Times New Roman" panose="02020603050405020304" pitchFamily="18" charset="0"/>
-                              <a:cs typeface="Arial" panose="020B0604020202020204" pitchFamily="34" charset="0"/>
-                            </a:rPr>
-                            <m:t>,</m:t>
-                          </m:r>
-                          <m:sSub>
-                            <m:sSubPr>
-                              <m:ctrlPr>
-                                <a:rPr lang="en-IL" sz="1400" i="1">
-                                  <a:effectLst/>
-                                  <a:latin typeface="Cambria Math" panose="02040503050406030204" pitchFamily="18" charset="0"/>
-                                  <a:ea typeface="Times New Roman" panose="02020603050405020304" pitchFamily="18" charset="0"/>
-                                  <a:cs typeface="Arial" panose="020B0604020202020204" pitchFamily="34" charset="0"/>
-                                </a:rPr>
-                              </m:ctrlPr>
-                            </m:sSubPr>
-                            <m:e>
-                              <m:r>
-                                <a:rPr lang="en-US" sz="1400" i="1">
-                                  <a:effectLst/>
-                                  <a:latin typeface="Cambria Math" panose="02040503050406030204" pitchFamily="18" charset="0"/>
-                                  <a:ea typeface="Times New Roman" panose="02020603050405020304" pitchFamily="18" charset="0"/>
-                                  <a:cs typeface="Arial" panose="020B0604020202020204" pitchFamily="34" charset="0"/>
-                                </a:rPr>
-                                <m:t>𝑐</m:t>
-                              </m:r>
-                            </m:e>
-                            <m:sub>
-                              <m:r>
-                                <a:rPr lang="en-US" sz="1400" i="1">
-                                  <a:effectLst/>
-                                  <a:latin typeface="Cambria Math" panose="02040503050406030204" pitchFamily="18" charset="0"/>
-                                  <a:ea typeface="Times New Roman" panose="02020603050405020304" pitchFamily="18" charset="0"/>
-                                  <a:cs typeface="Arial" panose="020B0604020202020204" pitchFamily="34" charset="0"/>
-                                </a:rPr>
-                                <m:t>𝑘</m:t>
-                              </m:r>
-                              <m:r>
-                                <a:rPr lang="en-US" sz="1400" i="1">
-                                  <a:effectLst/>
-                                  <a:latin typeface="Cambria Math" panose="02040503050406030204" pitchFamily="18" charset="0"/>
-                                  <a:ea typeface="Times New Roman" panose="02020603050405020304" pitchFamily="18" charset="0"/>
-                                  <a:cs typeface="Arial" panose="020B0604020202020204" pitchFamily="34" charset="0"/>
-                                </a:rPr>
-                                <m:t>−1</m:t>
-                              </m:r>
-                            </m:sub>
-                          </m:sSub>
-                        </m:sub>
-                      </m:sSub>
-                      <m:r>
-                        <a:rPr lang="en-US" sz="1400" i="1">
-                          <a:effectLst/>
-                          <a:latin typeface="Cambria Math" panose="02040503050406030204" pitchFamily="18" charset="0"/>
-                          <a:ea typeface="Times New Roman" panose="02020603050405020304" pitchFamily="18" charset="0"/>
-                          <a:cs typeface="Arial" panose="020B0604020202020204" pitchFamily="34" charset="0"/>
-                        </a:rPr>
-                        <m:t>→</m:t>
-                      </m:r>
-                      <m:sSub>
-                        <m:sSubPr>
-                          <m:ctrlPr>
-                            <a:rPr lang="en-IL" sz="1400" i="1">
-                              <a:effectLst/>
-                              <a:latin typeface="Cambria Math" panose="02040503050406030204" pitchFamily="18" charset="0"/>
-                              <a:ea typeface="Times New Roman" panose="02020603050405020304" pitchFamily="18" charset="0"/>
-                              <a:cs typeface="Arial" panose="020B0604020202020204" pitchFamily="34" charset="0"/>
-                            </a:rPr>
-                          </m:ctrlPr>
-                        </m:sSubPr>
-                        <m:e>
-                          <m:r>
-                            <a:rPr lang="en-US" sz="1400" i="1">
-                              <a:effectLst/>
-                              <a:latin typeface="Cambria Math" panose="02040503050406030204" pitchFamily="18" charset="0"/>
-                              <a:ea typeface="Times New Roman" panose="02020603050405020304" pitchFamily="18" charset="0"/>
-                              <a:cs typeface="Arial" panose="020B0604020202020204" pitchFamily="34" charset="0"/>
-                            </a:rPr>
-                            <m:t>𝑝</m:t>
-                          </m:r>
-                        </m:e>
-                        <m:sub>
-                          <m:r>
-                            <a:rPr lang="en-US" sz="1400" i="1">
-                              <a:effectLst/>
-                              <a:latin typeface="Cambria Math" panose="02040503050406030204" pitchFamily="18" charset="0"/>
-                              <a:ea typeface="Times New Roman" panose="02020603050405020304" pitchFamily="18" charset="0"/>
-                              <a:cs typeface="Arial" panose="020B0604020202020204" pitchFamily="34" charset="0"/>
-                            </a:rPr>
-                            <m:t>𝑘</m:t>
-                          </m:r>
-                          <m:r>
-                            <a:rPr lang="en-US" sz="1400" i="1">
-                              <a:effectLst/>
-                              <a:latin typeface="Cambria Math" panose="02040503050406030204" pitchFamily="18" charset="0"/>
-                              <a:ea typeface="Times New Roman" panose="02020603050405020304" pitchFamily="18" charset="0"/>
-                              <a:cs typeface="Arial" panose="020B0604020202020204" pitchFamily="34" charset="0"/>
-                            </a:rPr>
-                            <m:t>,</m:t>
-                          </m:r>
-                          <m:r>
-                            <a:rPr lang="en-US" sz="1400" i="1">
-                              <a:effectLst/>
-                              <a:latin typeface="Cambria Math" panose="02040503050406030204" pitchFamily="18" charset="0"/>
-                              <a:ea typeface="Times New Roman" panose="02020603050405020304" pitchFamily="18" charset="0"/>
-                              <a:cs typeface="Arial" panose="020B0604020202020204" pitchFamily="34" charset="0"/>
-                            </a:rPr>
-                            <m:t>𝑛</m:t>
-                          </m:r>
-                          <m:r>
-                            <a:rPr lang="en-US" sz="1400" i="1">
-                              <a:effectLst/>
-                              <a:latin typeface="Cambria Math" panose="02040503050406030204" pitchFamily="18" charset="0"/>
-                              <a:ea typeface="Times New Roman" panose="02020603050405020304" pitchFamily="18" charset="0"/>
-                              <a:cs typeface="Arial" panose="020B0604020202020204" pitchFamily="34" charset="0"/>
-                            </a:rPr>
-                            <m:t>−1,</m:t>
-                          </m:r>
-                          <m:r>
-                            <a:rPr lang="en-US" sz="1400" i="1">
-                              <a:effectLst/>
-                              <a:latin typeface="Cambria Math" panose="02040503050406030204" pitchFamily="18" charset="0"/>
-                              <a:ea typeface="Times New Roman" panose="02020603050405020304" pitchFamily="18" charset="0"/>
-                              <a:cs typeface="Arial" panose="020B0604020202020204" pitchFamily="34" charset="0"/>
-                            </a:rPr>
-                            <m:t>𝑛</m:t>
-                          </m:r>
-                          <m:r>
-                            <a:rPr lang="en-US" sz="1400" i="1">
-                              <a:effectLst/>
-                              <a:latin typeface="Cambria Math" panose="02040503050406030204" pitchFamily="18" charset="0"/>
-                              <a:ea typeface="Times New Roman" panose="02020603050405020304" pitchFamily="18" charset="0"/>
-                              <a:cs typeface="Arial" panose="020B0604020202020204" pitchFamily="34" charset="0"/>
-                            </a:rPr>
-                            <m:t>−1</m:t>
-                          </m:r>
-                        </m:sub>
-                      </m:sSub>
-                    </m:oMath>
-                  </m:oMathPara>
-                </a14:m>
-                <a:endParaRPr lang="en-IL" sz="1200" dirty="0">
-                  <a:effectLst/>
-                  <a:latin typeface="Calibri" panose="020F0502020204030204" pitchFamily="34" charset="0"/>
-                  <a:ea typeface="Calibri" panose="020F0502020204030204" pitchFamily="34" charset="0"/>
-                  <a:cs typeface="Arial" panose="020B0604020202020204" pitchFamily="34" charset="0"/>
-                </a:endParaRPr>
-              </a:p>
-            </p:txBody>
-          </p:sp>
-        </mc:Choice>
-        <mc:Fallback xmlns="">
-          <p:sp>
-            <p:nvSpPr>
-              <p:cNvPr id="6" name="TextBox 5">
-                <a:extLst>
-                  <a:ext uri="{FF2B5EF4-FFF2-40B4-BE49-F238E27FC236}">
-                    <a16:creationId xmlns:a16="http://schemas.microsoft.com/office/drawing/2014/main" id="{9B84636E-1EE3-7120-A440-5EF386207BD0}"/>
-                  </a:ext>
-                </a:extLst>
-              </p:cNvPr>
-              <p:cNvSpPr txBox="1">
-                <a:spLocks noRot="1" noChangeAspect="1" noMove="1" noResize="1" noEditPoints="1" noAdjustHandles="1" noChangeArrowheads="1" noChangeShapeType="1" noTextEdit="1"/>
-              </p:cNvSpPr>
-              <p:nvPr/>
-            </p:nvSpPr>
-            <p:spPr>
-              <a:xfrm>
-                <a:off x="1234678" y="3126720"/>
-                <a:ext cx="6837760" cy="1551450"/>
-              </a:xfrm>
-              <a:prstGeom prst="rect">
-                <a:avLst/>
-              </a:prstGeom>
-              <a:blipFill>
-                <a:blip r:embed="rId5"/>
-                <a:stretch>
-                  <a:fillRect t="-787" r="-535"/>
-                </a:stretch>
-              </a:blipFill>
-            </p:spPr>
-            <p:txBody>
-              <a:bodyPr/>
-              <a:lstStyle/>
-              <a:p>
-                <a:r>
-                  <a:rPr lang="en-IL">
-                    <a:noFill/>
-                  </a:rPr>
-                  <a:t> </a:t>
-                </a:r>
-              </a:p>
-            </p:txBody>
-          </p:sp>
-        </mc:Fallback>
-      </mc:AlternateContent>
+      <p:pic>
+        <p:nvPicPr>
+          <p:cNvPr id="2" name="Picture 1">
+            <a:extLst>
+              <a:ext uri="{FF2B5EF4-FFF2-40B4-BE49-F238E27FC236}">
+                <a16:creationId xmlns:a16="http://schemas.microsoft.com/office/drawing/2014/main" id="{ADBBFEC3-D44B-8462-5168-203FC23DFC7F}"/>
+              </a:ext>
+            </a:extLst>
+          </p:cNvPr>
+          <p:cNvPicPr>
+            <a:picLocks noChangeAspect="1"/>
+          </p:cNvPicPr>
+          <p:nvPr/>
+        </p:nvPicPr>
+        <p:blipFill>
+          <a:blip r:embed="rId4">
+            <a:extLst>
+              <a:ext uri="{28A0092B-C50C-407E-A947-70E740481C1C}">
+                <a14:useLocalDpi xmlns:a14="http://schemas.microsoft.com/office/drawing/2010/main" val="0"/>
+              </a:ext>
+            </a:extLst>
+          </a:blip>
+          <a:srcRect/>
+          <a:stretch>
+            <a:fillRect/>
+          </a:stretch>
+        </p:blipFill>
+        <p:spPr bwMode="auto">
+          <a:xfrm>
+            <a:off x="4902740" y="513191"/>
+            <a:ext cx="3528160" cy="4372573"/>
+          </a:xfrm>
+          <a:prstGeom prst="rect">
+            <a:avLst/>
+          </a:prstGeom>
+          <a:solidFill>
+            <a:srgbClr val="FFFFFF">
+              <a:shade val="85000"/>
+            </a:srgbClr>
+          </a:solidFill>
+          <a:ln w="88900" cap="sq">
+            <a:solidFill>
+              <a:srgbClr val="FFFFFF"/>
+            </a:solidFill>
+            <a:miter lim="800000"/>
+          </a:ln>
+          <a:effectLst>
+            <a:outerShdw blurRad="55000" dist="18000" dir="5400000" algn="tl" rotWithShape="0">
+              <a:srgbClr val="000000">
+                <a:alpha val="40000"/>
+              </a:srgbClr>
+            </a:outerShdw>
+          </a:effectLst>
+          <a:scene3d>
+            <a:camera prst="orthographicFront"/>
+            <a:lightRig rig="twoPt" dir="t">
+              <a:rot lat="0" lon="0" rev="7200000"/>
+            </a:lightRig>
+          </a:scene3d>
+          <a:sp3d>
+            <a:bevelT w="25400" h="19050"/>
+            <a:contourClr>
+              <a:srgbClr val="FFFFFF"/>
+            </a:contourClr>
+          </a:sp3d>
+        </p:spPr>
+      </p:pic>
     </p:spTree>
     <p:extLst>
       <p:ext uri="{BB962C8B-B14F-4D97-AF65-F5344CB8AC3E}">
@@ -40992,7 +40808,7 @@
 </p:sld>
 </file>
 
-<file path=ppt/slides/slide22.xml><?xml version="1.0" encoding="utf-8"?>
+<file path=ppt/slides/slide23.xml><?xml version="1.0" encoding="utf-8"?>
 <p:sld xmlns:a="http://schemas.openxmlformats.org/drawingml/2006/main" xmlns:r="http://schemas.openxmlformats.org/officeDocument/2006/relationships" xmlns:p="http://schemas.openxmlformats.org/presentationml/2006/main">
   <p:cSld>
     <p:spTree>
@@ -41105,7 +40921,7 @@
 </p:sld>
 </file>
 
-<file path=ppt/slides/slide23.xml><?xml version="1.0" encoding="utf-8"?>
+<file path=ppt/slides/slide24.xml><?xml version="1.0" encoding="utf-8"?>
 <p:sld xmlns:a="http://schemas.openxmlformats.org/drawingml/2006/main" xmlns:r="http://schemas.openxmlformats.org/officeDocument/2006/relationships" xmlns:p="http://schemas.openxmlformats.org/presentationml/2006/main">
   <p:cSld>
     <p:spTree>
@@ -41246,7 +41062,7 @@
 </p:sld>
 </file>
 
-<file path=ppt/slides/slide24.xml><?xml version="1.0" encoding="utf-8"?>
+<file path=ppt/slides/slide25.xml><?xml version="1.0" encoding="utf-8"?>
 <p:sld xmlns:a="http://schemas.openxmlformats.org/drawingml/2006/main" xmlns:r="http://schemas.openxmlformats.org/officeDocument/2006/relationships" xmlns:p="http://schemas.openxmlformats.org/presentationml/2006/main">
   <p:cSld>
     <p:spTree>
@@ -41387,7 +41203,7 @@
 </p:sld>
 </file>
 
-<file path=ppt/slides/slide25.xml><?xml version="1.0" encoding="utf-8"?>
+<file path=ppt/slides/slide26.xml><?xml version="1.0" encoding="utf-8"?>
 <p:sld xmlns:a="http://schemas.openxmlformats.org/drawingml/2006/main" xmlns:r="http://schemas.openxmlformats.org/officeDocument/2006/relationships" xmlns:p="http://schemas.openxmlformats.org/presentationml/2006/main">
   <p:cSld>
     <p:spTree>
@@ -41528,7 +41344,7 @@
 </p:sld>
 </file>
 
-<file path=ppt/slides/slide26.xml><?xml version="1.0" encoding="utf-8"?>
+<file path=ppt/slides/slide27.xml><?xml version="1.0" encoding="utf-8"?>
 <p:sld xmlns:a="http://schemas.openxmlformats.org/drawingml/2006/main" xmlns:r="http://schemas.openxmlformats.org/officeDocument/2006/relationships" xmlns:p="http://schemas.openxmlformats.org/presentationml/2006/main">
   <p:cSld>
     <p:spTree>
@@ -41677,7 +41493,7 @@
 </p:sld>
 </file>
 
-<file path=ppt/slides/slide27.xml><?xml version="1.0" encoding="utf-8"?>
+<file path=ppt/slides/slide28.xml><?xml version="1.0" encoding="utf-8"?>
 <p:sld xmlns:a="http://schemas.openxmlformats.org/drawingml/2006/main" xmlns:r="http://schemas.openxmlformats.org/officeDocument/2006/relationships" xmlns:p="http://schemas.openxmlformats.org/presentationml/2006/main">
   <p:cSld>
     <p:spTree>
@@ -41834,12 +41650,12 @@
 </p:sld>
 </file>
 
-<file path=ppt/slides/slide28.xml><?xml version="1.0" encoding="utf-8"?>
+<file path=ppt/slides/slide29.xml><?xml version="1.0" encoding="utf-8"?>
 <p:sld xmlns:a="http://schemas.openxmlformats.org/drawingml/2006/main" xmlns:r="http://schemas.openxmlformats.org/officeDocument/2006/relationships" xmlns:p="http://schemas.openxmlformats.org/presentationml/2006/main">
   <p:cSld>
     <p:spTree>
       <p:nvGrpSpPr>
-        <p:cNvPr id="1" name="Shape 783"/>
+        <p:cNvPr id="1" name="Shape 340"/>
         <p:cNvGrpSpPr/>
         <p:nvPr/>
       </p:nvGrpSpPr>
@@ -41853,7 +41669,7 @@
       </p:grpSpPr>
       <p:sp>
         <p:nvSpPr>
-          <p:cNvPr id="784" name="Google Shape;784;p45"/>
+          <p:cNvPr id="341" name="Google Shape;341;p31"/>
           <p:cNvSpPr txBox="1">
             <a:spLocks noGrp="1"/>
           </p:cNvSpPr>
@@ -41863,8 +41679,8 @@
         </p:nvSpPr>
         <p:spPr>
           <a:xfrm>
-            <a:off x="1965713" y="2178450"/>
-            <a:ext cx="5031600" cy="786600"/>
+            <a:off x="713100" y="442163"/>
+            <a:ext cx="7359338" cy="1047600"/>
           </a:xfrm>
           <a:prstGeom prst="rect">
             <a:avLst/>
@@ -41876,7 +41692,7 @@
           </a:bodyPr>
           <a:lstStyle/>
           <a:p>
-            <a:pPr marL="0" lvl="0" indent="0" algn="ctr" rtl="0">
+            <a:pPr marL="0" lvl="0" indent="0" algn="l" rtl="0">
               <a:spcBef>
                 <a:spcPts val="0"/>
               </a:spcBef>
@@ -41886,14 +41702,172 @@
               <a:buNone/>
             </a:pPr>
             <a:r>
-              <a:rPr lang="en" dirty="0"/>
-              <a:t>Thanks!</a:t>
+              <a:rPr lang="en-US" dirty="0"/>
+              <a:t>Conclusions</a:t>
             </a:r>
             <a:endParaRPr dirty="0"/>
           </a:p>
         </p:txBody>
       </p:sp>
+      <mc:AlternateContent xmlns:mc="http://schemas.openxmlformats.org/markup-compatibility/2006">
+        <mc:Choice xmlns:a14="http://schemas.microsoft.com/office/drawing/2010/main" Requires="a14">
+          <p:sp>
+            <p:nvSpPr>
+              <p:cNvPr id="4" name="Text Placeholder 3">
+                <a:extLst>
+                  <a:ext uri="{FF2B5EF4-FFF2-40B4-BE49-F238E27FC236}">
+                    <a16:creationId xmlns:a16="http://schemas.microsoft.com/office/drawing/2014/main" id="{0F2B2CC3-0EB9-62ED-A19D-2AE1E4968028}"/>
+                  </a:ext>
+                </a:extLst>
+              </p:cNvPr>
+              <p:cNvSpPr>
+                <a:spLocks noGrp="1"/>
+              </p:cNvSpPr>
+              <p:nvPr>
+                <p:ph type="body" idx="1"/>
+              </p:nvPr>
+            </p:nvSpPr>
+            <p:spPr>
+              <a:xfrm>
+                <a:off x="1160572" y="1387446"/>
+                <a:ext cx="6203266" cy="2821200"/>
+              </a:xfrm>
+            </p:spPr>
+            <p:txBody>
+              <a:bodyPr/>
+              <a:lstStyle/>
+              <a:p>
+                <a:r>
+                  <a:rPr lang="en-US" dirty="0"/>
+                  <a:t>The</a:t>
+                </a:r>
+                <a:r>
+                  <a:rPr lang="en-US" i="1" dirty="0"/>
+                  <a:t> #counter-agents, stray radius, and stay chance </a:t>
+                </a:r>
+                <a:r>
+                  <a:rPr lang="en-US" dirty="0"/>
+                  <a:t>raise cell occupancy</a:t>
+                </a:r>
+                <a:r>
+                  <a:rPr lang="en-US" i="1" dirty="0"/>
+                  <a:t>, </a:t>
+                </a:r>
+                <a:r>
+                  <a:rPr lang="en-US" dirty="0"/>
+                  <a:t>impacting grid solvability</a:t>
+                </a:r>
+                <a:r>
+                  <a:rPr lang="en-US" i="1" dirty="0"/>
+                  <a:t>.</a:t>
+                </a:r>
+              </a:p>
+              <a:p>
+                <a:pPr marL="152400" indent="0">
+                  <a:buNone/>
+                </a:pPr>
+                <a:endParaRPr lang="en-US" i="1" dirty="0"/>
+              </a:p>
+              <a:p>
+                <a:r>
+                  <a:rPr lang="en-US" dirty="0"/>
+                  <a:t>The length of the path </a:t>
+                </a:r>
+                <a14:m>
+                  <m:oMath xmlns:m="http://schemas.openxmlformats.org/officeDocument/2006/math">
+                    <m:d>
+                      <m:dPr>
+                        <m:ctrlPr>
+                          <a:rPr lang="en-US" b="0" i="1" smtClean="0">
+                            <a:latin typeface="Cambria Math" panose="02040503050406030204" pitchFamily="18" charset="0"/>
+                          </a:rPr>
+                        </m:ctrlPr>
+                      </m:dPr>
+                      <m:e>
+                        <m:r>
+                          <a:rPr lang="en-US" b="0" i="1" smtClean="0">
+                            <a:latin typeface="Cambria Math" panose="02040503050406030204" pitchFamily="18" charset="0"/>
+                          </a:rPr>
+                          <m:t>𝑘</m:t>
+                        </m:r>
+                      </m:e>
+                    </m:d>
+                    <m:r>
+                      <a:rPr lang="en-US" b="0" i="1" smtClean="0">
+                        <a:latin typeface="Cambria Math" panose="02040503050406030204" pitchFamily="18" charset="0"/>
+                      </a:rPr>
+                      <m:t> </m:t>
+                    </m:r>
+                  </m:oMath>
+                </a14:m>
+                <a:r>
+                  <a:rPr lang="en-US" dirty="0"/>
+                  <a:t>directly influences formula complexity and the total count of atomic propositions, consequently affecting time complexity, it also affects BMC runtime.</a:t>
+                </a:r>
+              </a:p>
+              <a:p>
+                <a:endParaRPr lang="en-US" dirty="0"/>
+              </a:p>
+              <a:p>
+                <a:r>
+                  <a:rPr lang="en-US" dirty="0"/>
+                  <a:t>The grid size directly impacts the atomic proposition count, significantly influencing the size of elements in each formula and leading to exponential time complexity in the algorithm.</a:t>
+                </a:r>
+                <a:endParaRPr lang="en-IL" dirty="0"/>
+              </a:p>
+            </p:txBody>
+          </p:sp>
+        </mc:Choice>
+        <mc:Fallback>
+          <p:sp>
+            <p:nvSpPr>
+              <p:cNvPr id="4" name="Text Placeholder 3">
+                <a:extLst>
+                  <a:ext uri="{FF2B5EF4-FFF2-40B4-BE49-F238E27FC236}">
+                    <a16:creationId xmlns:a16="http://schemas.microsoft.com/office/drawing/2014/main" id="{0F2B2CC3-0EB9-62ED-A19D-2AE1E4968028}"/>
+                  </a:ext>
+                </a:extLst>
+              </p:cNvPr>
+              <p:cNvSpPr>
+                <a:spLocks noGrp="1" noRot="1" noChangeAspect="1" noMove="1" noResize="1" noEditPoints="1" noAdjustHandles="1" noChangeArrowheads="1" noChangeShapeType="1" noTextEdit="1"/>
+              </p:cNvSpPr>
+              <p:nvPr>
+                <p:ph type="body" idx="1"/>
+              </p:nvPr>
+            </p:nvSpPr>
+            <p:spPr>
+              <a:xfrm>
+                <a:off x="1160572" y="1387446"/>
+                <a:ext cx="6203266" cy="2821200"/>
+              </a:xfrm>
+              <a:blipFill>
+                <a:blip r:embed="rId3"/>
+                <a:stretch>
+                  <a:fillRect/>
+                </a:stretch>
+              </a:blipFill>
+            </p:spPr>
+            <p:txBody>
+              <a:bodyPr/>
+              <a:lstStyle/>
+              <a:p>
+                <a:r>
+                  <a:rPr lang="en-IL">
+                    <a:noFill/>
+                  </a:rPr>
+                  <a:t> </a:t>
+                </a:r>
+              </a:p>
+            </p:txBody>
+          </p:sp>
+        </mc:Fallback>
+      </mc:AlternateContent>
     </p:spTree>
+    <p:extLst>
+      <p:ext uri="{BB962C8B-B14F-4D97-AF65-F5344CB8AC3E}">
+        <p14:creationId xmlns:p14="http://schemas.microsoft.com/office/powerpoint/2010/main" val="2409009616"/>
+      </p:ext>
+    </p:extLst>
   </p:cSld>
   <p:clrMapOvr>
     <a:masterClrMapping/>
@@ -41998,6 +41972,73 @@
               <a:t>01</a:t>
             </a:r>
             <a:endParaRPr/>
+          </a:p>
+        </p:txBody>
+      </p:sp>
+    </p:spTree>
+  </p:cSld>
+  <p:clrMapOvr>
+    <a:masterClrMapping/>
+  </p:clrMapOvr>
+</p:sld>
+</file>
+
+<file path=ppt/slides/slide30.xml><?xml version="1.0" encoding="utf-8"?>
+<p:sld xmlns:a="http://schemas.openxmlformats.org/drawingml/2006/main" xmlns:r="http://schemas.openxmlformats.org/officeDocument/2006/relationships" xmlns:p="http://schemas.openxmlformats.org/presentationml/2006/main">
+  <p:cSld>
+    <p:spTree>
+      <p:nvGrpSpPr>
+        <p:cNvPr id="1" name="Shape 783"/>
+        <p:cNvGrpSpPr/>
+        <p:nvPr/>
+      </p:nvGrpSpPr>
+      <p:grpSpPr>
+        <a:xfrm>
+          <a:off x="0" y="0"/>
+          <a:ext cx="0" cy="0"/>
+          <a:chOff x="0" y="0"/>
+          <a:chExt cx="0" cy="0"/>
+        </a:xfrm>
+      </p:grpSpPr>
+      <p:sp>
+        <p:nvSpPr>
+          <p:cNvPr id="784" name="Google Shape;784;p45"/>
+          <p:cNvSpPr txBox="1">
+            <a:spLocks noGrp="1"/>
+          </p:cNvSpPr>
+          <p:nvPr>
+            <p:ph type="title"/>
+          </p:nvPr>
+        </p:nvSpPr>
+        <p:spPr>
+          <a:xfrm>
+            <a:off x="1965713" y="2178450"/>
+            <a:ext cx="5031600" cy="786600"/>
+          </a:xfrm>
+          <a:prstGeom prst="rect">
+            <a:avLst/>
+          </a:prstGeom>
+        </p:spPr>
+        <p:txBody>
+          <a:bodyPr spcFirstLastPara="1" wrap="square" lIns="91425" tIns="91425" rIns="91425" bIns="91425" anchor="t" anchorCtr="0">
+            <a:noAutofit/>
+          </a:bodyPr>
+          <a:lstStyle/>
+          <a:p>
+            <a:pPr marL="0" lvl="0" indent="0" algn="ctr" rtl="0">
+              <a:spcBef>
+                <a:spcPts val="0"/>
+              </a:spcBef>
+              <a:spcAft>
+                <a:spcPts val="0"/>
+              </a:spcAft>
+              <a:buNone/>
+            </a:pPr>
+            <a:r>
+              <a:rPr lang="en" dirty="0"/>
+              <a:t>Thanks!</a:t>
+            </a:r>
+            <a:endParaRPr dirty="0"/>
           </a:p>
         </p:txBody>
       </p:sp>
